--- a/Presentation.pptx
+++ b/Presentation.pptx
@@ -6,6 +6,18 @@
   </p:sldMasterIdLst>
   <p:sldIdLst>
     <p:sldId id="256" r:id="rId2"/>
+    <p:sldId id="257" r:id="rId3"/>
+    <p:sldId id="260" r:id="rId4"/>
+    <p:sldId id="258" r:id="rId5"/>
+    <p:sldId id="259" r:id="rId6"/>
+    <p:sldId id="261" r:id="rId7"/>
+    <p:sldId id="263" r:id="rId8"/>
+    <p:sldId id="264" r:id="rId9"/>
+    <p:sldId id="265" r:id="rId10"/>
+    <p:sldId id="266" r:id="rId11"/>
+    <p:sldId id="267" r:id="rId12"/>
+    <p:sldId id="268" r:id="rId13"/>
+    <p:sldId id="269" r:id="rId14"/>
   </p:sldIdLst>
   <p:sldSz cx="12192000" cy="6858000"/>
   <p:notesSz cx="6858000" cy="9144000"/>
@@ -104,6 +116,11 @@
       </a:defRPr>
     </a:lvl9pPr>
   </p:defaultTextStyle>
+  <p:extLst>
+    <p:ext uri="{EFAFB233-063F-42B5-8137-9DF3F51BA10A}">
+      <p15:sldGuideLst xmlns:p15="http://schemas.microsoft.com/office/powerpoint/2012/main"/>
+    </p:ext>
+  </p:extLst>
 </p:presentation>
 </file>
 
@@ -360,7 +377,7 @@
           </a:lstStyle>
           <a:p>
             <a:r>
-              <a:rPr lang="en-US" smtClean="0"/>
+              <a:rPr lang="en-US"/>
               <a:t>Click to edit Master title style</a:t>
             </a:r>
             <a:endParaRPr lang="en-US" dirty="0"/>
@@ -437,7 +454,7 @@
           </a:lstStyle>
           <a:p>
             <a:r>
-              <a:rPr lang="en-US" smtClean="0"/>
+              <a:rPr lang="en-US"/>
               <a:t>Click to edit Master subtitle style</a:t>
             </a:r>
             <a:endParaRPr lang="en-US" dirty="0"/>
@@ -475,7 +492,7 @@
             <a:fld id="{3C633830-2244-49AE-BC4A-47F415C177C6}" type="datetimeFigureOut">
               <a:rPr lang="en-US" dirty="0"/>
               <a:pPr/>
-              <a:t>12/6/16</a:t>
+              <a:t>12/8/2016</a:t>
             </a:fld>
             <a:endParaRPr lang="en-US" dirty="0"/>
           </a:p>
@@ -637,7 +654,7 @@
           <a:lstStyle/>
           <a:p>
             <a:r>
-              <a:rPr lang="en-US" smtClean="0"/>
+              <a:rPr lang="en-US"/>
               <a:t>Click to edit Master title style</a:t>
             </a:r>
             <a:endParaRPr lang="en-US" dirty="0"/>
@@ -666,35 +683,35 @@
           <a:p>
             <a:pPr lvl="0"/>
             <a:r>
-              <a:rPr lang="en-US" smtClean="0"/>
+              <a:rPr lang="en-US"/>
               <a:t>Click to edit Master text styles</a:t>
             </a:r>
           </a:p>
           <a:p>
             <a:pPr lvl="1"/>
             <a:r>
-              <a:rPr lang="en-US" smtClean="0"/>
+              <a:rPr lang="en-US"/>
               <a:t>Second level</a:t>
             </a:r>
           </a:p>
           <a:p>
             <a:pPr lvl="2"/>
             <a:r>
-              <a:rPr lang="en-US" smtClean="0"/>
+              <a:rPr lang="en-US"/>
               <a:t>Third level</a:t>
             </a:r>
           </a:p>
           <a:p>
             <a:pPr lvl="3"/>
             <a:r>
-              <a:rPr lang="en-US" smtClean="0"/>
+              <a:rPr lang="en-US"/>
               <a:t>Fourth level</a:t>
             </a:r>
           </a:p>
           <a:p>
             <a:pPr lvl="4"/>
             <a:r>
-              <a:rPr lang="en-US" smtClean="0"/>
+              <a:rPr lang="en-US"/>
               <a:t>Fifth level</a:t>
             </a:r>
             <a:endParaRPr lang="en-US" dirty="0"/>
@@ -718,7 +735,7 @@
           <a:p>
             <a:fld id="{3C633830-2244-49AE-BC4A-47F415C177C6}" type="datetimeFigureOut">
               <a:rPr lang="en-US" dirty="0"/>
-              <a:t>12/6/16</a:t>
+              <a:t>12/8/2016</a:t>
             </a:fld>
             <a:endParaRPr lang="en-US" dirty="0"/>
           </a:p>
@@ -1013,7 +1030,7 @@
           </a:lstStyle>
           <a:p>
             <a:r>
-              <a:rPr lang="en-US" smtClean="0"/>
+              <a:rPr lang="en-US"/>
               <a:t>Click to edit Master title style</a:t>
             </a:r>
             <a:endParaRPr lang="en-US" dirty="0"/>
@@ -1042,35 +1059,35 @@
           <a:p>
             <a:pPr lvl="0"/>
             <a:r>
-              <a:rPr lang="en-US" smtClean="0"/>
+              <a:rPr lang="en-US"/>
               <a:t>Click to edit Master text styles</a:t>
             </a:r>
           </a:p>
           <a:p>
             <a:pPr lvl="1"/>
             <a:r>
-              <a:rPr lang="en-US" smtClean="0"/>
+              <a:rPr lang="en-US"/>
               <a:t>Second level</a:t>
             </a:r>
           </a:p>
           <a:p>
             <a:pPr lvl="2"/>
             <a:r>
-              <a:rPr lang="en-US" smtClean="0"/>
+              <a:rPr lang="en-US"/>
               <a:t>Third level</a:t>
             </a:r>
           </a:p>
           <a:p>
             <a:pPr lvl="3"/>
             <a:r>
-              <a:rPr lang="en-US" smtClean="0"/>
+              <a:rPr lang="en-US"/>
               <a:t>Fourth level</a:t>
             </a:r>
           </a:p>
           <a:p>
             <a:pPr lvl="4"/>
             <a:r>
-              <a:rPr lang="en-US" smtClean="0"/>
+              <a:rPr lang="en-US"/>
               <a:t>Fifth level</a:t>
             </a:r>
             <a:endParaRPr lang="en-US" dirty="0"/>
@@ -1099,7 +1116,7 @@
           <a:p>
             <a:fld id="{3C633830-2244-49AE-BC4A-47F415C177C6}" type="datetimeFigureOut">
               <a:rPr lang="en-US" dirty="0"/>
-              <a:t>12/6/16</a:t>
+              <a:t>12/8/2016</a:t>
             </a:fld>
             <a:endParaRPr lang="en-US" dirty="0"/>
           </a:p>
@@ -1247,7 +1264,7 @@
           <a:lstStyle/>
           <a:p>
             <a:r>
-              <a:rPr lang="en-US" smtClean="0"/>
+              <a:rPr lang="en-US"/>
               <a:t>Click to edit Master title style</a:t>
             </a:r>
             <a:endParaRPr lang="en-US" dirty="0"/>
@@ -1271,35 +1288,35 @@
           <a:p>
             <a:pPr lvl="0"/>
             <a:r>
-              <a:rPr lang="en-US" smtClean="0"/>
+              <a:rPr lang="en-US"/>
               <a:t>Click to edit Master text styles</a:t>
             </a:r>
           </a:p>
           <a:p>
             <a:pPr lvl="1"/>
             <a:r>
-              <a:rPr lang="en-US" smtClean="0"/>
+              <a:rPr lang="en-US"/>
               <a:t>Second level</a:t>
             </a:r>
           </a:p>
           <a:p>
             <a:pPr lvl="2"/>
             <a:r>
-              <a:rPr lang="en-US" smtClean="0"/>
+              <a:rPr lang="en-US"/>
               <a:t>Third level</a:t>
             </a:r>
           </a:p>
           <a:p>
             <a:pPr lvl="3"/>
             <a:r>
-              <a:rPr lang="en-US" smtClean="0"/>
+              <a:rPr lang="en-US"/>
               <a:t>Fourth level</a:t>
             </a:r>
           </a:p>
           <a:p>
             <a:pPr lvl="4"/>
             <a:r>
-              <a:rPr lang="en-US" smtClean="0"/>
+              <a:rPr lang="en-US"/>
               <a:t>Fifth level</a:t>
             </a:r>
             <a:endParaRPr lang="en-US" dirty="0"/>
@@ -1323,7 +1340,7 @@
           <a:p>
             <a:fld id="{3C633830-2244-49AE-BC4A-47F415C177C6}" type="datetimeFigureOut">
               <a:rPr lang="en-US" dirty="0"/>
-              <a:t>12/6/16</a:t>
+              <a:t>12/8/2016</a:t>
             </a:fld>
             <a:endParaRPr lang="en-US" dirty="0"/>
           </a:p>
@@ -1641,7 +1658,7 @@
           </a:lstStyle>
           <a:p>
             <a:r>
-              <a:rPr lang="en-US" smtClean="0"/>
+              <a:rPr lang="en-US"/>
               <a:t>Click to edit Master title style</a:t>
             </a:r>
             <a:endParaRPr lang="en-US" dirty="0"/>
@@ -1770,7 +1787,7 @@
           <a:p>
             <a:pPr lvl="0"/>
             <a:r>
-              <a:rPr lang="en-US" smtClean="0"/>
+              <a:rPr lang="en-US"/>
               <a:t>Click to edit Master text styles</a:t>
             </a:r>
           </a:p>
@@ -1810,7 +1827,7 @@
             <a:fld id="{3C633830-2244-49AE-BC4A-47F415C177C6}" type="datetimeFigureOut">
               <a:rPr lang="en-US" dirty="0"/>
               <a:pPr/>
-              <a:t>12/6/16</a:t>
+              <a:t>12/8/2016</a:t>
             </a:fld>
             <a:endParaRPr lang="en-US" dirty="0"/>
           </a:p>
@@ -1978,7 +1995,7 @@
           <a:lstStyle/>
           <a:p>
             <a:r>
-              <a:rPr lang="en-US" smtClean="0"/>
+              <a:rPr lang="en-US"/>
               <a:t>Click to edit Master title style</a:t>
             </a:r>
             <a:endParaRPr lang="en-US" dirty="0"/>
@@ -2007,35 +2024,35 @@
           <a:p>
             <a:pPr lvl="0"/>
             <a:r>
-              <a:rPr lang="en-US" smtClean="0"/>
+              <a:rPr lang="en-US"/>
               <a:t>Click to edit Master text styles</a:t>
             </a:r>
           </a:p>
           <a:p>
             <a:pPr lvl="1"/>
             <a:r>
-              <a:rPr lang="en-US" smtClean="0"/>
+              <a:rPr lang="en-US"/>
               <a:t>Second level</a:t>
             </a:r>
           </a:p>
           <a:p>
             <a:pPr lvl="2"/>
             <a:r>
-              <a:rPr lang="en-US" smtClean="0"/>
+              <a:rPr lang="en-US"/>
               <a:t>Third level</a:t>
             </a:r>
           </a:p>
           <a:p>
             <a:pPr lvl="3"/>
             <a:r>
-              <a:rPr lang="en-US" smtClean="0"/>
+              <a:rPr lang="en-US"/>
               <a:t>Fourth level</a:t>
             </a:r>
           </a:p>
           <a:p>
             <a:pPr lvl="4"/>
             <a:r>
-              <a:rPr lang="en-US" smtClean="0"/>
+              <a:rPr lang="en-US"/>
               <a:t>Fifth level</a:t>
             </a:r>
             <a:endParaRPr lang="en-US" dirty="0"/>
@@ -2064,35 +2081,35 @@
           <a:p>
             <a:pPr lvl="0"/>
             <a:r>
-              <a:rPr lang="en-US" smtClean="0"/>
+              <a:rPr lang="en-US"/>
               <a:t>Click to edit Master text styles</a:t>
             </a:r>
           </a:p>
           <a:p>
             <a:pPr lvl="1"/>
             <a:r>
-              <a:rPr lang="en-US" smtClean="0"/>
+              <a:rPr lang="en-US"/>
               <a:t>Second level</a:t>
             </a:r>
           </a:p>
           <a:p>
             <a:pPr lvl="2"/>
             <a:r>
-              <a:rPr lang="en-US" smtClean="0"/>
+              <a:rPr lang="en-US"/>
               <a:t>Third level</a:t>
             </a:r>
           </a:p>
           <a:p>
             <a:pPr lvl="3"/>
             <a:r>
-              <a:rPr lang="en-US" smtClean="0"/>
+              <a:rPr lang="en-US"/>
               <a:t>Fourth level</a:t>
             </a:r>
           </a:p>
           <a:p>
             <a:pPr lvl="4"/>
             <a:r>
-              <a:rPr lang="en-US" smtClean="0"/>
+              <a:rPr lang="en-US"/>
               <a:t>Fifth level</a:t>
             </a:r>
             <a:endParaRPr lang="en-US" dirty="0"/>
@@ -2116,7 +2133,7 @@
           <a:p>
             <a:fld id="{3C633830-2244-49AE-BC4A-47F415C177C6}" type="datetimeFigureOut">
               <a:rPr lang="en-US" dirty="0"/>
-              <a:t>12/6/16</a:t>
+              <a:t>12/8/2016</a:t>
             </a:fld>
             <a:endParaRPr lang="en-US" dirty="0"/>
           </a:p>
@@ -2210,7 +2227,7 @@
           <a:lstStyle/>
           <a:p>
             <a:r>
-              <a:rPr lang="en-US" smtClean="0"/>
+              <a:rPr lang="en-US"/>
               <a:t>Click to edit Master title style</a:t>
             </a:r>
             <a:endParaRPr lang="en-US" dirty="0"/>
@@ -2291,7 +2308,7 @@
           <a:p>
             <a:pPr lvl="0"/>
             <a:r>
-              <a:rPr lang="en-US" smtClean="0"/>
+              <a:rPr lang="en-US"/>
               <a:t>Click to edit Master text styles</a:t>
             </a:r>
           </a:p>
@@ -2319,35 +2336,35 @@
           <a:p>
             <a:pPr lvl="0"/>
             <a:r>
-              <a:rPr lang="en-US" smtClean="0"/>
+              <a:rPr lang="en-US"/>
               <a:t>Click to edit Master text styles</a:t>
             </a:r>
           </a:p>
           <a:p>
             <a:pPr lvl="1"/>
             <a:r>
-              <a:rPr lang="en-US" smtClean="0"/>
+              <a:rPr lang="en-US"/>
               <a:t>Second level</a:t>
             </a:r>
           </a:p>
           <a:p>
             <a:pPr lvl="2"/>
             <a:r>
-              <a:rPr lang="en-US" smtClean="0"/>
+              <a:rPr lang="en-US"/>
               <a:t>Third level</a:t>
             </a:r>
           </a:p>
           <a:p>
             <a:pPr lvl="3"/>
             <a:r>
-              <a:rPr lang="en-US" smtClean="0"/>
+              <a:rPr lang="en-US"/>
               <a:t>Fourth level</a:t>
             </a:r>
           </a:p>
           <a:p>
             <a:pPr lvl="4"/>
             <a:r>
-              <a:rPr lang="en-US" smtClean="0"/>
+              <a:rPr lang="en-US"/>
               <a:t>Fifth level</a:t>
             </a:r>
             <a:endParaRPr lang="en-US" dirty="0"/>
@@ -2422,7 +2439,7 @@
           <a:p>
             <a:pPr lvl="0"/>
             <a:r>
-              <a:rPr lang="en-US" smtClean="0"/>
+              <a:rPr lang="en-US"/>
               <a:t>Click to edit Master text styles</a:t>
             </a:r>
           </a:p>
@@ -2450,35 +2467,35 @@
           <a:p>
             <a:pPr lvl="0"/>
             <a:r>
-              <a:rPr lang="en-US" smtClean="0"/>
+              <a:rPr lang="en-US"/>
               <a:t>Click to edit Master text styles</a:t>
             </a:r>
           </a:p>
           <a:p>
             <a:pPr lvl="1"/>
             <a:r>
-              <a:rPr lang="en-US" smtClean="0"/>
+              <a:rPr lang="en-US"/>
               <a:t>Second level</a:t>
             </a:r>
           </a:p>
           <a:p>
             <a:pPr lvl="2"/>
             <a:r>
-              <a:rPr lang="en-US" smtClean="0"/>
+              <a:rPr lang="en-US"/>
               <a:t>Third level</a:t>
             </a:r>
           </a:p>
           <a:p>
             <a:pPr lvl="3"/>
             <a:r>
-              <a:rPr lang="en-US" smtClean="0"/>
+              <a:rPr lang="en-US"/>
               <a:t>Fourth level</a:t>
             </a:r>
           </a:p>
           <a:p>
             <a:pPr lvl="4"/>
             <a:r>
-              <a:rPr lang="en-US" smtClean="0"/>
+              <a:rPr lang="en-US"/>
               <a:t>Fifth level</a:t>
             </a:r>
             <a:endParaRPr lang="en-US" dirty="0"/>
@@ -2502,7 +2519,7 @@
           <a:p>
             <a:fld id="{3C633830-2244-49AE-BC4A-47F415C177C6}" type="datetimeFigureOut">
               <a:rPr lang="en-US" dirty="0"/>
-              <a:t>12/6/16</a:t>
+              <a:t>12/8/2016</a:t>
             </a:fld>
             <a:endParaRPr lang="en-US" dirty="0"/>
           </a:p>
@@ -2591,7 +2608,7 @@
           <a:lstStyle/>
           <a:p>
             <a:r>
-              <a:rPr lang="en-US" smtClean="0"/>
+              <a:rPr lang="en-US"/>
               <a:t>Click to edit Master title style</a:t>
             </a:r>
             <a:endParaRPr lang="en-US" dirty="0"/>
@@ -2615,7 +2632,7 @@
           <a:p>
             <a:fld id="{3C633830-2244-49AE-BC4A-47F415C177C6}" type="datetimeFigureOut">
               <a:rPr lang="en-US" dirty="0"/>
-              <a:t>12/6/16</a:t>
+              <a:t>12/8/2016</a:t>
             </a:fld>
             <a:endParaRPr lang="en-US" dirty="0"/>
           </a:p>
@@ -2705,7 +2722,7 @@
           <a:p>
             <a:fld id="{3C633830-2244-49AE-BC4A-47F415C177C6}" type="datetimeFigureOut">
               <a:rPr lang="en-US" dirty="0"/>
-              <a:t>12/6/16</a:t>
+              <a:t>12/8/2016</a:t>
             </a:fld>
             <a:endParaRPr lang="en-US" dirty="0"/>
           </a:p>
@@ -2808,7 +2825,7 @@
           </a:lstStyle>
           <a:p>
             <a:r>
-              <a:rPr lang="en-US" smtClean="0"/>
+              <a:rPr lang="en-US"/>
               <a:t>Click to edit Master title style</a:t>
             </a:r>
             <a:endParaRPr lang="en-US" dirty="0"/>
@@ -2880,35 +2897,35 @@
           <a:p>
             <a:pPr lvl="0"/>
             <a:r>
-              <a:rPr lang="en-US" smtClean="0"/>
+              <a:rPr lang="en-US"/>
               <a:t>Click to edit Master text styles</a:t>
             </a:r>
           </a:p>
           <a:p>
             <a:pPr lvl="1"/>
             <a:r>
-              <a:rPr lang="en-US" smtClean="0"/>
+              <a:rPr lang="en-US"/>
               <a:t>Second level</a:t>
             </a:r>
           </a:p>
           <a:p>
             <a:pPr lvl="2"/>
             <a:r>
-              <a:rPr lang="en-US" smtClean="0"/>
+              <a:rPr lang="en-US"/>
               <a:t>Third level</a:t>
             </a:r>
           </a:p>
           <a:p>
             <a:pPr lvl="3"/>
             <a:r>
-              <a:rPr lang="en-US" smtClean="0"/>
+              <a:rPr lang="en-US"/>
               <a:t>Fourth level</a:t>
             </a:r>
           </a:p>
           <a:p>
             <a:pPr lvl="4"/>
             <a:r>
-              <a:rPr lang="en-US" smtClean="0"/>
+              <a:rPr lang="en-US"/>
               <a:t>Fifth level</a:t>
             </a:r>
             <a:endParaRPr lang="en-US" dirty="0"/>
@@ -2977,7 +2994,7 @@
           <a:p>
             <a:pPr lvl="0"/>
             <a:r>
-              <a:rPr lang="en-US" smtClean="0"/>
+              <a:rPr lang="en-US"/>
               <a:t>Click to edit Master text styles</a:t>
             </a:r>
           </a:p>
@@ -3000,7 +3017,7 @@
           <a:p>
             <a:fld id="{3C633830-2244-49AE-BC4A-47F415C177C6}" type="datetimeFigureOut">
               <a:rPr lang="en-US" dirty="0"/>
-              <a:t>12/6/16</a:t>
+              <a:t>12/8/2016</a:t>
             </a:fld>
             <a:endParaRPr lang="en-US" dirty="0"/>
           </a:p>
@@ -3103,7 +3120,7 @@
           </a:lstStyle>
           <a:p>
             <a:r>
-              <a:rPr lang="en-US" smtClean="0"/>
+              <a:rPr lang="en-US"/>
               <a:t>Click to edit Master title style</a:t>
             </a:r>
             <a:endParaRPr lang="en-US" dirty="0"/>
@@ -3168,7 +3185,7 @@
           </a:lstStyle>
           <a:p>
             <a:r>
-              <a:rPr lang="en-US" smtClean="0"/>
+              <a:rPr lang="en-US"/>
               <a:t>Drag picture to placeholder or click icon to add</a:t>
             </a:r>
             <a:endParaRPr lang="en-US" dirty="0"/>
@@ -3237,7 +3254,7 @@
           <a:p>
             <a:pPr lvl="0"/>
             <a:r>
-              <a:rPr lang="en-US" smtClean="0"/>
+              <a:rPr lang="en-US"/>
               <a:t>Click to edit Master text styles</a:t>
             </a:r>
           </a:p>
@@ -3260,7 +3277,7 @@
           <a:p>
             <a:fld id="{3C633830-2244-49AE-BC4A-47F415C177C6}" type="datetimeFigureOut">
               <a:rPr lang="en-US" dirty="0"/>
-              <a:t>12/6/16</a:t>
+              <a:t>12/8/2016</a:t>
             </a:fld>
             <a:endParaRPr lang="en-US" dirty="0"/>
           </a:p>
@@ -3567,7 +3584,7 @@
           <a:lstStyle/>
           <a:p>
             <a:r>
-              <a:rPr lang="en-US" smtClean="0"/>
+              <a:rPr lang="en-US"/>
               <a:t>Click to edit Master title style</a:t>
             </a:r>
             <a:endParaRPr lang="en-US" dirty="0"/>
@@ -3601,35 +3618,35 @@
           <a:p>
             <a:pPr lvl="0"/>
             <a:r>
-              <a:rPr lang="en-US" smtClean="0"/>
+              <a:rPr lang="en-US"/>
               <a:t>Click to edit Master text styles</a:t>
             </a:r>
           </a:p>
           <a:p>
             <a:pPr lvl="1"/>
             <a:r>
-              <a:rPr lang="en-US" smtClean="0"/>
+              <a:rPr lang="en-US"/>
               <a:t>Second level</a:t>
             </a:r>
           </a:p>
           <a:p>
             <a:pPr lvl="2"/>
             <a:r>
-              <a:rPr lang="en-US" smtClean="0"/>
+              <a:rPr lang="en-US"/>
               <a:t>Third level</a:t>
             </a:r>
           </a:p>
           <a:p>
             <a:pPr lvl="3"/>
             <a:r>
-              <a:rPr lang="en-US" smtClean="0"/>
+              <a:rPr lang="en-US"/>
               <a:t>Fourth level</a:t>
             </a:r>
           </a:p>
           <a:p>
             <a:pPr lvl="4"/>
             <a:r>
-              <a:rPr lang="en-US" smtClean="0"/>
+              <a:rPr lang="en-US"/>
               <a:t>Fifth level</a:t>
             </a:r>
             <a:endParaRPr lang="en-US" dirty="0"/>
@@ -3674,7 +3691,7 @@
             <a:fld id="{3C633830-2244-49AE-BC4A-47F415C177C6}" type="datetimeFigureOut">
               <a:rPr lang="en-US" dirty="0"/>
               <a:pPr/>
-              <a:t>12/6/16</a:t>
+              <a:t>12/8/2016</a:t>
             </a:fld>
             <a:endParaRPr lang="en-US" dirty="0"/>
           </a:p>
@@ -4191,10 +4208,9 @@
           <a:lstStyle/>
           <a:p>
             <a:r>
-              <a:rPr lang="en-US" dirty="0" smtClean="0"/>
+              <a:rPr lang="en-US" dirty="0"/>
               <a:t>Keep the Grade</a:t>
             </a:r>
-            <a:endParaRPr lang="en-US" dirty="0"/>
           </a:p>
         </p:txBody>
       </p:sp>
@@ -4216,14 +4232,13 @@
           <a:lstStyle/>
           <a:p>
             <a:r>
-              <a:rPr lang="en-US" dirty="0" smtClean="0"/>
+              <a:rPr lang="en-US" dirty="0"/>
               <a:t>An Android Application developed by Adam Gaudreau, Ashley Hale, and Tim </a:t>
             </a:r>
             <a:r>
-              <a:rPr lang="en-US" smtClean="0"/>
+              <a:rPr lang="en-US"/>
               <a:t>Larocque</a:t>
             </a:r>
-            <a:endParaRPr lang="en-US"/>
           </a:p>
         </p:txBody>
       </p:sp>
@@ -4231,6 +4246,5140 @@
     <p:extLst>
       <p:ext uri="{BB962C8B-B14F-4D97-AF65-F5344CB8AC3E}">
         <p14:creationId xmlns:p14="http://schemas.microsoft.com/office/powerpoint/2010/main" val="809726342"/>
+      </p:ext>
+    </p:extLst>
+  </p:cSld>
+  <p:clrMapOvr>
+    <a:masterClrMapping/>
+  </p:clrMapOvr>
+</p:sld>
+</file>
+
+<file path=ppt/slides/slide10.xml><?xml version="1.0" encoding="utf-8"?>
+<p:sld xmlns:a="http://schemas.openxmlformats.org/drawingml/2006/main" xmlns:r="http://schemas.openxmlformats.org/officeDocument/2006/relationships" xmlns:p="http://schemas.openxmlformats.org/presentationml/2006/main">
+  <p:cSld>
+    <p:spTree>
+      <p:nvGrpSpPr>
+        <p:cNvPr id="1" name=""/>
+        <p:cNvGrpSpPr/>
+        <p:nvPr/>
+      </p:nvGrpSpPr>
+      <p:grpSpPr>
+        <a:xfrm>
+          <a:off x="0" y="0"/>
+          <a:ext cx="0" cy="0"/>
+          <a:chOff x="0" y="0"/>
+          <a:chExt cx="0" cy="0"/>
+        </a:xfrm>
+      </p:grpSpPr>
+      <p:sp>
+        <p:nvSpPr>
+          <p:cNvPr id="2" name="Title 1"/>
+          <p:cNvSpPr>
+            <a:spLocks noGrp="1"/>
+          </p:cNvSpPr>
+          <p:nvPr>
+            <p:ph type="title"/>
+          </p:nvPr>
+        </p:nvSpPr>
+        <p:spPr/>
+        <p:txBody>
+          <a:bodyPr/>
+          <a:lstStyle/>
+          <a:p>
+            <a:r>
+              <a:rPr lang="en-US" dirty="0"/>
+              <a:t>Google  Image Charts API</a:t>
+            </a:r>
+          </a:p>
+        </p:txBody>
+      </p:sp>
+      <p:sp>
+        <p:nvSpPr>
+          <p:cNvPr id="3" name="Text Placeholder 2"/>
+          <p:cNvSpPr>
+            <a:spLocks noGrp="1"/>
+          </p:cNvSpPr>
+          <p:nvPr>
+            <p:ph type="body" idx="1"/>
+          </p:nvPr>
+        </p:nvSpPr>
+        <p:spPr/>
+        <p:txBody>
+          <a:bodyPr/>
+          <a:lstStyle/>
+          <a:p>
+            <a:endParaRPr lang="en-US"/>
+          </a:p>
+        </p:txBody>
+      </p:sp>
+    </p:spTree>
+    <p:extLst>
+      <p:ext uri="{BB962C8B-B14F-4D97-AF65-F5344CB8AC3E}">
+        <p14:creationId xmlns:p14="http://schemas.microsoft.com/office/powerpoint/2010/main" val="3902345520"/>
+      </p:ext>
+    </p:extLst>
+  </p:cSld>
+  <p:clrMapOvr>
+    <a:masterClrMapping/>
+  </p:clrMapOvr>
+</p:sld>
+</file>
+
+<file path=ppt/slides/slide11.xml><?xml version="1.0" encoding="utf-8"?>
+<p:sld xmlns:a="http://schemas.openxmlformats.org/drawingml/2006/main" xmlns:r="http://schemas.openxmlformats.org/officeDocument/2006/relationships" xmlns:p="http://schemas.openxmlformats.org/presentationml/2006/main">
+  <p:cSld>
+    <p:spTree>
+      <p:nvGrpSpPr>
+        <p:cNvPr id="1" name=""/>
+        <p:cNvGrpSpPr/>
+        <p:nvPr/>
+      </p:nvGrpSpPr>
+      <p:grpSpPr>
+        <a:xfrm>
+          <a:off x="0" y="0"/>
+          <a:ext cx="0" cy="0"/>
+          <a:chOff x="0" y="0"/>
+          <a:chExt cx="0" cy="0"/>
+        </a:xfrm>
+      </p:grpSpPr>
+      <p:sp>
+        <p:nvSpPr>
+          <p:cNvPr id="2" name="Title 1"/>
+          <p:cNvSpPr>
+            <a:spLocks noGrp="1"/>
+          </p:cNvSpPr>
+          <p:nvPr>
+            <p:ph type="title"/>
+          </p:nvPr>
+        </p:nvSpPr>
+        <p:spPr>
+          <a:xfrm>
+            <a:off x="762000" y="559678"/>
+            <a:ext cx="3833906" cy="442645"/>
+          </a:xfrm>
+        </p:spPr>
+        <p:txBody>
+          <a:bodyPr>
+            <a:normAutofit/>
+          </a:bodyPr>
+          <a:lstStyle/>
+          <a:p>
+            <a:r>
+              <a:rPr lang="en-US" sz="2400" dirty="0"/>
+              <a:t>Google Image Charts API</a:t>
+            </a:r>
+          </a:p>
+        </p:txBody>
+      </p:sp>
+      <p:pic>
+        <p:nvPicPr>
+          <p:cNvPr id="5" name="Picture 2"/>
+          <p:cNvPicPr>
+            <a:picLocks noChangeAspect="1" noChangeArrowheads="1"/>
+          </p:cNvPicPr>
+          <p:nvPr/>
+        </p:nvPicPr>
+        <p:blipFill>
+          <a:blip r:embed="rId2" cstate="print">
+            <a:extLst>
+              <a:ext uri="{28A0092B-C50C-407E-A947-70E740481C1C}">
+                <a14:useLocalDpi xmlns:a14="http://schemas.microsoft.com/office/drawing/2010/main" val="0"/>
+              </a:ext>
+            </a:extLst>
+          </a:blip>
+          <a:srcRect/>
+          <a:stretch>
+            <a:fillRect/>
+          </a:stretch>
+        </p:blipFill>
+        <p:spPr bwMode="auto">
+          <a:xfrm>
+            <a:off x="1305887" y="1002323"/>
+            <a:ext cx="2746131" cy="4882011"/>
+          </a:xfrm>
+          <a:prstGeom prst="rect">
+            <a:avLst/>
+          </a:prstGeom>
+          <a:noFill/>
+          <a:ln>
+            <a:noFill/>
+          </a:ln>
+          <a:extLst>
+            <a:ext uri="{909E8E84-426E-40DD-AFC4-6F175D3DCCD1}">
+              <a14:hiddenFill xmlns:a14="http://schemas.microsoft.com/office/drawing/2010/main">
+                <a:solidFill>
+                  <a:schemeClr val="accent1"/>
+                </a:solidFill>
+              </a14:hiddenFill>
+            </a:ext>
+            <a:ext uri="{91240B29-F687-4F45-9708-019B960494DF}">
+              <a14:hiddenLine xmlns:a14="http://schemas.microsoft.com/office/drawing/2010/main" w="9525">
+                <a:solidFill>
+                  <a:schemeClr val="tx1"/>
+                </a:solidFill>
+                <a:miter lim="800000"/>
+                <a:headEnd/>
+                <a:tailEnd/>
+              </a14:hiddenLine>
+            </a:ext>
+          </a:extLst>
+        </p:spPr>
+      </p:pic>
+      <p:sp>
+        <p:nvSpPr>
+          <p:cNvPr id="7" name="Rectangle 6"/>
+          <p:cNvSpPr/>
+          <p:nvPr/>
+        </p:nvSpPr>
+        <p:spPr>
+          <a:xfrm>
+            <a:off x="5096607" y="2161391"/>
+            <a:ext cx="6298224" cy="2308324"/>
+          </a:xfrm>
+          <a:prstGeom prst="rect">
+            <a:avLst/>
+          </a:prstGeom>
+        </p:spPr>
+        <p:txBody>
+          <a:bodyPr wrap="square">
+            <a:spAutoFit/>
+          </a:bodyPr>
+          <a:lstStyle/>
+          <a:p>
+            <a:pPr marL="285750" indent="-285750">
+              <a:buFont typeface="Arial" panose="020B0604020202020204" pitchFamily="34" charset="0"/>
+              <a:buChar char="•"/>
+            </a:pPr>
+            <a:r>
+              <a:rPr lang="en-US" dirty="0"/>
+              <a:t>Google Image Charts API is used to make graphical representations of each Exam, Homework, and Quiz scores</a:t>
+            </a:r>
+          </a:p>
+          <a:p>
+            <a:pPr marL="285750" indent="-285750">
+              <a:buFont typeface="Arial" panose="020B0604020202020204" pitchFamily="34" charset="0"/>
+              <a:buChar char="•"/>
+            </a:pPr>
+            <a:r>
+              <a:rPr lang="en-US" dirty="0"/>
+              <a:t>Files used:</a:t>
+            </a:r>
+          </a:p>
+          <a:p>
+            <a:pPr lvl="1"/>
+            <a:r>
+              <a:rPr lang="en-US" dirty="0"/>
+              <a:t>Chart.java</a:t>
+            </a:r>
+          </a:p>
+          <a:p>
+            <a:pPr lvl="1"/>
+            <a:r>
+              <a:rPr lang="en-US" dirty="0"/>
+              <a:t>ChartAdapter.java</a:t>
+            </a:r>
+          </a:p>
+          <a:p>
+            <a:pPr lvl="1"/>
+            <a:r>
+              <a:rPr lang="en-US" dirty="0"/>
+              <a:t>CategoryAdapter.java</a:t>
+            </a:r>
+          </a:p>
+          <a:p>
+            <a:pPr lvl="1"/>
+            <a:r>
+              <a:rPr lang="en-US" dirty="0"/>
+              <a:t>MySingleton.java</a:t>
+            </a:r>
+          </a:p>
+          <a:p>
+            <a:pPr lvl="1"/>
+            <a:r>
+              <a:rPr lang="en-US" dirty="0"/>
+              <a:t>item_list.xml</a:t>
+            </a:r>
+          </a:p>
+        </p:txBody>
+      </p:sp>
+    </p:spTree>
+    <p:extLst>
+      <p:ext uri="{BB962C8B-B14F-4D97-AF65-F5344CB8AC3E}">
+        <p14:creationId xmlns:p14="http://schemas.microsoft.com/office/powerpoint/2010/main" val="3989850655"/>
+      </p:ext>
+    </p:extLst>
+  </p:cSld>
+  <p:clrMapOvr>
+    <a:masterClrMapping/>
+  </p:clrMapOvr>
+</p:sld>
+</file>
+
+<file path=ppt/slides/slide12.xml><?xml version="1.0" encoding="utf-8"?>
+<p:sld xmlns:a="http://schemas.openxmlformats.org/drawingml/2006/main" xmlns:r="http://schemas.openxmlformats.org/officeDocument/2006/relationships" xmlns:p="http://schemas.openxmlformats.org/presentationml/2006/main">
+  <p:cSld>
+    <p:spTree>
+      <p:nvGrpSpPr>
+        <p:cNvPr id="1" name=""/>
+        <p:cNvGrpSpPr/>
+        <p:nvPr/>
+      </p:nvGrpSpPr>
+      <p:grpSpPr>
+        <a:xfrm>
+          <a:off x="0" y="0"/>
+          <a:ext cx="0" cy="0"/>
+          <a:chOff x="0" y="0"/>
+          <a:chExt cx="0" cy="0"/>
+        </a:xfrm>
+      </p:grpSpPr>
+      <p:sp>
+        <p:nvSpPr>
+          <p:cNvPr id="2" name="Title 1"/>
+          <p:cNvSpPr>
+            <a:spLocks noGrp="1"/>
+          </p:cNvSpPr>
+          <p:nvPr>
+            <p:ph type="title"/>
+          </p:nvPr>
+        </p:nvSpPr>
+        <p:spPr/>
+        <p:txBody>
+          <a:bodyPr>
+            <a:normAutofit/>
+          </a:bodyPr>
+          <a:lstStyle/>
+          <a:p>
+            <a:r>
+              <a:rPr lang="en-US" sz="4400" dirty="0"/>
+              <a:t>The API Call</a:t>
+            </a:r>
+          </a:p>
+        </p:txBody>
+      </p:sp>
+      <p:pic>
+        <p:nvPicPr>
+          <p:cNvPr id="4" name="Picture 2"/>
+          <p:cNvPicPr>
+            <a:picLocks noChangeAspect="1" noChangeArrowheads="1"/>
+          </p:cNvPicPr>
+          <p:nvPr/>
+        </p:nvPicPr>
+        <p:blipFill rotWithShape="1">
+          <a:blip r:embed="rId2">
+            <a:extLst>
+              <a:ext uri="{28A0092B-C50C-407E-A947-70E740481C1C}">
+                <a14:useLocalDpi xmlns:a14="http://schemas.microsoft.com/office/drawing/2010/main" val="0"/>
+              </a:ext>
+            </a:extLst>
+          </a:blip>
+          <a:srcRect l="34265" t="52360" r="5617" b="25448"/>
+          <a:stretch/>
+        </p:blipFill>
+        <p:spPr bwMode="auto">
+          <a:xfrm>
+            <a:off x="1632438" y="2092569"/>
+            <a:ext cx="8556304" cy="2438400"/>
+          </a:xfrm>
+          <a:prstGeom prst="rect">
+            <a:avLst/>
+          </a:prstGeom>
+          <a:noFill/>
+          <a:ln>
+            <a:noFill/>
+          </a:ln>
+          <a:extLst>
+            <a:ext uri="{909E8E84-426E-40DD-AFC4-6F175D3DCCD1}">
+              <a14:hiddenFill xmlns:a14="http://schemas.microsoft.com/office/drawing/2010/main">
+                <a:solidFill>
+                  <a:schemeClr val="accent1"/>
+                </a:solidFill>
+              </a14:hiddenFill>
+            </a:ext>
+            <a:ext uri="{91240B29-F687-4F45-9708-019B960494DF}">
+              <a14:hiddenLine xmlns:a14="http://schemas.microsoft.com/office/drawing/2010/main" w="9525">
+                <a:solidFill>
+                  <a:schemeClr val="tx1"/>
+                </a:solidFill>
+                <a:miter lim="800000"/>
+                <a:headEnd/>
+                <a:tailEnd/>
+              </a14:hiddenLine>
+            </a:ext>
+          </a:extLst>
+        </p:spPr>
+      </p:pic>
+    </p:spTree>
+    <p:extLst>
+      <p:ext uri="{BB962C8B-B14F-4D97-AF65-F5344CB8AC3E}">
+        <p14:creationId xmlns:p14="http://schemas.microsoft.com/office/powerpoint/2010/main" val="3491594435"/>
+      </p:ext>
+    </p:extLst>
+  </p:cSld>
+  <p:clrMapOvr>
+    <a:masterClrMapping/>
+  </p:clrMapOvr>
+</p:sld>
+</file>
+
+<file path=ppt/slides/slide13.xml><?xml version="1.0" encoding="utf-8"?>
+<p:sld xmlns:a="http://schemas.openxmlformats.org/drawingml/2006/main" xmlns:r="http://schemas.openxmlformats.org/officeDocument/2006/relationships" xmlns:p="http://schemas.openxmlformats.org/presentationml/2006/main">
+  <p:cSld>
+    <p:spTree>
+      <p:nvGrpSpPr>
+        <p:cNvPr id="1" name=""/>
+        <p:cNvGrpSpPr/>
+        <p:nvPr/>
+      </p:nvGrpSpPr>
+      <p:grpSpPr>
+        <a:xfrm>
+          <a:off x="0" y="0"/>
+          <a:ext cx="0" cy="0"/>
+          <a:chOff x="0" y="0"/>
+          <a:chExt cx="0" cy="0"/>
+        </a:xfrm>
+      </p:grpSpPr>
+      <p:sp>
+        <p:nvSpPr>
+          <p:cNvPr id="4" name="TextBox 3"/>
+          <p:cNvSpPr txBox="1"/>
+          <p:nvPr/>
+        </p:nvSpPr>
+        <p:spPr>
+          <a:xfrm>
+            <a:off x="4862146" y="627185"/>
+            <a:ext cx="2338753" cy="1200329"/>
+          </a:xfrm>
+          <a:prstGeom prst="rect">
+            <a:avLst/>
+          </a:prstGeom>
+          <a:noFill/>
+        </p:spPr>
+        <p:txBody>
+          <a:bodyPr wrap="square" rtlCol="0">
+            <a:spAutoFit/>
+          </a:bodyPr>
+          <a:lstStyle/>
+          <a:p>
+            <a:r>
+              <a:rPr lang="en-US" dirty="0"/>
+              <a:t>The program is able to scale the graphs depending on how many scores there are</a:t>
+            </a:r>
+          </a:p>
+        </p:txBody>
+      </p:sp>
+      <p:pic>
+        <p:nvPicPr>
+          <p:cNvPr id="5" name="Picture 3"/>
+          <p:cNvPicPr>
+            <a:picLocks noChangeAspect="1" noChangeArrowheads="1"/>
+          </p:cNvPicPr>
+          <p:nvPr/>
+        </p:nvPicPr>
+        <p:blipFill>
+          <a:blip r:embed="rId2" cstate="print">
+            <a:extLst>
+              <a:ext uri="{28A0092B-C50C-407E-A947-70E740481C1C}">
+                <a14:useLocalDpi xmlns:a14="http://schemas.microsoft.com/office/drawing/2010/main" val="0"/>
+              </a:ext>
+            </a:extLst>
+          </a:blip>
+          <a:srcRect/>
+          <a:stretch>
+            <a:fillRect/>
+          </a:stretch>
+        </p:blipFill>
+        <p:spPr bwMode="auto">
+          <a:xfrm>
+            <a:off x="1908742" y="627185"/>
+            <a:ext cx="2844981" cy="5057742"/>
+          </a:xfrm>
+          <a:prstGeom prst="rect">
+            <a:avLst/>
+          </a:prstGeom>
+          <a:noFill/>
+          <a:ln>
+            <a:noFill/>
+          </a:ln>
+          <a:extLst>
+            <a:ext uri="{909E8E84-426E-40DD-AFC4-6F175D3DCCD1}">
+              <a14:hiddenFill xmlns:a14="http://schemas.microsoft.com/office/drawing/2010/main">
+                <a:solidFill>
+                  <a:schemeClr val="accent1"/>
+                </a:solidFill>
+              </a14:hiddenFill>
+            </a:ext>
+            <a:ext uri="{91240B29-F687-4F45-9708-019B960494DF}">
+              <a14:hiddenLine xmlns:a14="http://schemas.microsoft.com/office/drawing/2010/main" w="9525">
+                <a:solidFill>
+                  <a:schemeClr val="tx1"/>
+                </a:solidFill>
+                <a:miter lim="800000"/>
+                <a:headEnd/>
+                <a:tailEnd/>
+              </a14:hiddenLine>
+            </a:ext>
+          </a:extLst>
+        </p:spPr>
+      </p:pic>
+      <p:pic>
+        <p:nvPicPr>
+          <p:cNvPr id="6" name="Picture 4"/>
+          <p:cNvPicPr>
+            <a:picLocks noChangeAspect="1" noChangeArrowheads="1"/>
+          </p:cNvPicPr>
+          <p:nvPr/>
+        </p:nvPicPr>
+        <p:blipFill>
+          <a:blip r:embed="rId3" cstate="print">
+            <a:extLst>
+              <a:ext uri="{28A0092B-C50C-407E-A947-70E740481C1C}">
+                <a14:useLocalDpi xmlns:a14="http://schemas.microsoft.com/office/drawing/2010/main" val="0"/>
+              </a:ext>
+            </a:extLst>
+          </a:blip>
+          <a:srcRect/>
+          <a:stretch>
+            <a:fillRect/>
+          </a:stretch>
+        </p:blipFill>
+        <p:spPr bwMode="auto">
+          <a:xfrm>
+            <a:off x="7312270" y="627185"/>
+            <a:ext cx="2844980" cy="5057742"/>
+          </a:xfrm>
+          <a:prstGeom prst="rect">
+            <a:avLst/>
+          </a:prstGeom>
+          <a:noFill/>
+          <a:ln>
+            <a:noFill/>
+          </a:ln>
+          <a:extLst>
+            <a:ext uri="{909E8E84-426E-40DD-AFC4-6F175D3DCCD1}">
+              <a14:hiddenFill xmlns:a14="http://schemas.microsoft.com/office/drawing/2010/main">
+                <a:solidFill>
+                  <a:schemeClr val="accent1"/>
+                </a:solidFill>
+              </a14:hiddenFill>
+            </a:ext>
+            <a:ext uri="{91240B29-F687-4F45-9708-019B960494DF}">
+              <a14:hiddenLine xmlns:a14="http://schemas.microsoft.com/office/drawing/2010/main" w="9525">
+                <a:solidFill>
+                  <a:schemeClr val="tx1"/>
+                </a:solidFill>
+                <a:miter lim="800000"/>
+                <a:headEnd/>
+                <a:tailEnd/>
+              </a14:hiddenLine>
+            </a:ext>
+          </a:extLst>
+        </p:spPr>
+      </p:pic>
+    </p:spTree>
+    <p:extLst>
+      <p:ext uri="{BB962C8B-B14F-4D97-AF65-F5344CB8AC3E}">
+        <p14:creationId xmlns:p14="http://schemas.microsoft.com/office/powerpoint/2010/main" val="380192238"/>
+      </p:ext>
+    </p:extLst>
+  </p:cSld>
+  <p:clrMapOvr>
+    <a:masterClrMapping/>
+  </p:clrMapOvr>
+</p:sld>
+</file>
+
+<file path=ppt/slides/slide2.xml><?xml version="1.0" encoding="utf-8"?>
+<p:sld xmlns:a="http://schemas.openxmlformats.org/drawingml/2006/main" xmlns:r="http://schemas.openxmlformats.org/officeDocument/2006/relationships" xmlns:p="http://schemas.openxmlformats.org/presentationml/2006/main">
+  <p:cSld>
+    <p:spTree>
+      <p:nvGrpSpPr>
+        <p:cNvPr id="1" name=""/>
+        <p:cNvGrpSpPr/>
+        <p:nvPr/>
+      </p:nvGrpSpPr>
+      <p:grpSpPr>
+        <a:xfrm>
+          <a:off x="0" y="0"/>
+          <a:ext cx="0" cy="0"/>
+          <a:chOff x="0" y="0"/>
+          <a:chExt cx="0" cy="0"/>
+        </a:xfrm>
+      </p:grpSpPr>
+      <p:sp>
+        <p:nvSpPr>
+          <p:cNvPr id="2" name="Title 1"/>
+          <p:cNvSpPr>
+            <a:spLocks noGrp="1"/>
+          </p:cNvSpPr>
+          <p:nvPr>
+            <p:ph type="title"/>
+          </p:nvPr>
+        </p:nvSpPr>
+        <p:spPr/>
+        <p:txBody>
+          <a:bodyPr/>
+          <a:lstStyle/>
+          <a:p>
+            <a:r>
+              <a:rPr lang="en-US" dirty="0"/>
+              <a:t>About our app</a:t>
+            </a:r>
+          </a:p>
+        </p:txBody>
+      </p:sp>
+      <p:sp>
+        <p:nvSpPr>
+          <p:cNvPr id="3" name="Content Placeholder 2"/>
+          <p:cNvSpPr>
+            <a:spLocks noGrp="1"/>
+          </p:cNvSpPr>
+          <p:nvPr>
+            <p:ph idx="1"/>
+          </p:nvPr>
+        </p:nvSpPr>
+        <p:spPr/>
+        <p:txBody>
+          <a:bodyPr/>
+          <a:lstStyle/>
+          <a:p>
+            <a:r>
+              <a:rPr lang="en-US" dirty="0"/>
+              <a:t>Effortlessly keep track of your progress through all your classes in a semester.</a:t>
+            </a:r>
+          </a:p>
+          <a:p>
+            <a:pPr marL="0" lvl="8" indent="0">
+              <a:buNone/>
+            </a:pPr>
+            <a:r>
+              <a:rPr lang="en-US" dirty="0"/>
+              <a:t>         -       Add/remove semesters, classes, and grades.</a:t>
+            </a:r>
+          </a:p>
+          <a:p>
+            <a:pPr lvl="8"/>
+            <a:r>
+              <a:rPr lang="en-US" sz="2000" i="0" dirty="0"/>
+              <a:t>Visual aids such as charts and colors help prioritize your learning.</a:t>
+            </a:r>
+          </a:p>
+          <a:p>
+            <a:pPr marL="0" lvl="8" indent="0">
+              <a:buNone/>
+            </a:pPr>
+            <a:r>
+              <a:rPr lang="en-US" sz="2000" i="0" dirty="0"/>
+              <a:t>      </a:t>
+            </a:r>
+            <a:r>
+              <a:rPr lang="en-US" dirty="0"/>
+              <a:t>-        Charts are provided via the Google Charts API.</a:t>
+            </a:r>
+            <a:endParaRPr lang="en-US" sz="2000" i="0" dirty="0"/>
+          </a:p>
+          <a:p>
+            <a:pPr marL="0" lvl="8" indent="0">
+              <a:buNone/>
+            </a:pPr>
+            <a:r>
+              <a:rPr lang="en-US" sz="2000" i="0" dirty="0"/>
+              <a:t>      </a:t>
+            </a:r>
+            <a:r>
+              <a:rPr lang="en-US" dirty="0"/>
+              <a:t>-        Each class is color coded based on your progress in the course.</a:t>
+            </a:r>
+          </a:p>
+          <a:p>
+            <a:pPr lvl="8"/>
+            <a:r>
+              <a:rPr lang="en-US" sz="2000" i="0" dirty="0"/>
+              <a:t>Calculations of grades are accurate due to the inclusion of weights.</a:t>
+            </a:r>
+          </a:p>
+          <a:p>
+            <a:pPr lvl="8"/>
+            <a:r>
+              <a:rPr lang="en-US" sz="2000" i="0" dirty="0"/>
+              <a:t>Ability to store completed grades from previous semesters.</a:t>
+            </a:r>
+          </a:p>
+        </p:txBody>
+      </p:sp>
+    </p:spTree>
+    <p:extLst>
+      <p:ext uri="{BB962C8B-B14F-4D97-AF65-F5344CB8AC3E}">
+        <p14:creationId xmlns:p14="http://schemas.microsoft.com/office/powerpoint/2010/main" val="3066546989"/>
+      </p:ext>
+    </p:extLst>
+  </p:cSld>
+  <p:clrMapOvr>
+    <a:masterClrMapping/>
+  </p:clrMapOvr>
+</p:sld>
+</file>
+
+<file path=ppt/slides/slide3.xml><?xml version="1.0" encoding="utf-8"?>
+<p:sld xmlns:a="http://schemas.openxmlformats.org/drawingml/2006/main" xmlns:r="http://schemas.openxmlformats.org/officeDocument/2006/relationships" xmlns:p="http://schemas.openxmlformats.org/presentationml/2006/main">
+  <p:cSld>
+    <p:spTree>
+      <p:nvGrpSpPr>
+        <p:cNvPr id="1" name=""/>
+        <p:cNvGrpSpPr/>
+        <p:nvPr/>
+      </p:nvGrpSpPr>
+      <p:grpSpPr>
+        <a:xfrm>
+          <a:off x="0" y="0"/>
+          <a:ext cx="0" cy="0"/>
+          <a:chOff x="0" y="0"/>
+          <a:chExt cx="0" cy="0"/>
+        </a:xfrm>
+      </p:grpSpPr>
+      <p:sp>
+        <p:nvSpPr>
+          <p:cNvPr id="2" name="Title 1"/>
+          <p:cNvSpPr>
+            <a:spLocks noGrp="1"/>
+          </p:cNvSpPr>
+          <p:nvPr>
+            <p:ph type="title"/>
+          </p:nvPr>
+        </p:nvSpPr>
+        <p:spPr/>
+        <p:txBody>
+          <a:bodyPr/>
+          <a:lstStyle/>
+          <a:p>
+            <a:r>
+              <a:rPr lang="en-US" dirty="0"/>
+              <a:t>The </a:t>
+            </a:r>
+            <a:br>
+              <a:rPr lang="en-US" dirty="0"/>
+            </a:br>
+            <a:r>
+              <a:rPr lang="en-US" dirty="0"/>
+              <a:t>Database</a:t>
+            </a:r>
+          </a:p>
+        </p:txBody>
+      </p:sp>
+      <p:sp>
+        <p:nvSpPr>
+          <p:cNvPr id="3" name="Text Placeholder 2"/>
+          <p:cNvSpPr>
+            <a:spLocks noGrp="1"/>
+          </p:cNvSpPr>
+          <p:nvPr>
+            <p:ph type="body" idx="1"/>
+          </p:nvPr>
+        </p:nvSpPr>
+        <p:spPr/>
+        <p:txBody>
+          <a:bodyPr/>
+          <a:lstStyle/>
+          <a:p>
+            <a:endParaRPr lang="en-US"/>
+          </a:p>
+        </p:txBody>
+      </p:sp>
+    </p:spTree>
+    <p:extLst>
+      <p:ext uri="{BB962C8B-B14F-4D97-AF65-F5344CB8AC3E}">
+        <p14:creationId xmlns:p14="http://schemas.microsoft.com/office/powerpoint/2010/main" val="4023892819"/>
+      </p:ext>
+    </p:extLst>
+  </p:cSld>
+  <p:clrMapOvr>
+    <a:masterClrMapping/>
+  </p:clrMapOvr>
+</p:sld>
+</file>
+
+<file path=ppt/slides/slide4.xml><?xml version="1.0" encoding="utf-8"?>
+<p:sld xmlns:a="http://schemas.openxmlformats.org/drawingml/2006/main" xmlns:r="http://schemas.openxmlformats.org/officeDocument/2006/relationships" xmlns:p="http://schemas.openxmlformats.org/presentationml/2006/main">
+  <p:cSld>
+    <p:spTree>
+      <p:nvGrpSpPr>
+        <p:cNvPr id="1" name=""/>
+        <p:cNvGrpSpPr/>
+        <p:nvPr/>
+      </p:nvGrpSpPr>
+      <p:grpSpPr>
+        <a:xfrm>
+          <a:off x="0" y="0"/>
+          <a:ext cx="0" cy="0"/>
+          <a:chOff x="0" y="0"/>
+          <a:chExt cx="0" cy="0"/>
+        </a:xfrm>
+      </p:grpSpPr>
+      <p:sp>
+        <p:nvSpPr>
+          <p:cNvPr id="2" name="Title 1"/>
+          <p:cNvSpPr>
+            <a:spLocks noGrp="1"/>
+          </p:cNvSpPr>
+          <p:nvPr>
+            <p:ph type="title"/>
+          </p:nvPr>
+        </p:nvSpPr>
+        <p:spPr/>
+        <p:txBody>
+          <a:bodyPr/>
+          <a:lstStyle/>
+          <a:p>
+            <a:r>
+              <a:rPr lang="en-US" dirty="0"/>
+              <a:t>The Database</a:t>
+            </a:r>
+          </a:p>
+        </p:txBody>
+      </p:sp>
+      <p:sp>
+        <p:nvSpPr>
+          <p:cNvPr id="3" name="Content Placeholder 2"/>
+          <p:cNvSpPr>
+            <a:spLocks noGrp="1"/>
+          </p:cNvSpPr>
+          <p:nvPr>
+            <p:ph idx="1"/>
+          </p:nvPr>
+        </p:nvSpPr>
+        <p:spPr/>
+        <p:txBody>
+          <a:bodyPr/>
+          <a:lstStyle/>
+          <a:p>
+            <a:r>
+              <a:rPr lang="en-US" dirty="0"/>
+              <a:t>The Database schema is as follows:</a:t>
+            </a:r>
+          </a:p>
+          <a:p>
+            <a:pPr marL="0" indent="0">
+              <a:lnSpc>
+                <a:spcPct val="100000"/>
+              </a:lnSpc>
+              <a:buNone/>
+            </a:pPr>
+            <a:r>
+              <a:rPr lang="en-US" dirty="0"/>
+              <a:t>	Semesters(</a:t>
+            </a:r>
+            <a:r>
+              <a:rPr lang="en-US" i="1" u="sng" dirty="0"/>
+              <a:t>id</a:t>
+            </a:r>
+            <a:r>
+              <a:rPr lang="en-US" dirty="0"/>
+              <a:t>, season, year);</a:t>
+            </a:r>
+          </a:p>
+          <a:p>
+            <a:pPr marL="0" indent="0">
+              <a:lnSpc>
+                <a:spcPct val="100000"/>
+              </a:lnSpc>
+              <a:buNone/>
+            </a:pPr>
+            <a:r>
+              <a:rPr lang="en-US" dirty="0"/>
+              <a:t>	Classes(</a:t>
+            </a:r>
+            <a:r>
+              <a:rPr lang="en-US" i="1" u="sng" dirty="0"/>
+              <a:t>id</a:t>
+            </a:r>
+            <a:r>
+              <a:rPr lang="en-US" dirty="0"/>
+              <a:t>, </a:t>
+            </a:r>
+            <a:r>
+              <a:rPr lang="en-US" dirty="0" err="1"/>
+              <a:t>sem_id</a:t>
+            </a:r>
+            <a:r>
+              <a:rPr lang="en-US" dirty="0"/>
+              <a:t>, name, grade);</a:t>
+            </a:r>
+          </a:p>
+          <a:p>
+            <a:pPr marL="0" indent="0">
+              <a:lnSpc>
+                <a:spcPct val="100000"/>
+              </a:lnSpc>
+              <a:buNone/>
+            </a:pPr>
+            <a:r>
+              <a:rPr lang="en-US" dirty="0"/>
+              <a:t>	Grades(</a:t>
+            </a:r>
+            <a:r>
+              <a:rPr lang="en-US" i="1" u="sng" dirty="0" err="1"/>
+              <a:t>class_id</a:t>
+            </a:r>
+            <a:r>
+              <a:rPr lang="en-US" dirty="0"/>
+              <a:t>, </a:t>
+            </a:r>
+            <a:r>
+              <a:rPr lang="en-US" i="1" u="sng" dirty="0"/>
+              <a:t>name</a:t>
+            </a:r>
+            <a:r>
+              <a:rPr lang="en-US" dirty="0"/>
+              <a:t>, type, grade);</a:t>
+            </a:r>
+          </a:p>
+          <a:p>
+            <a:pPr marL="0" indent="0">
+              <a:lnSpc>
+                <a:spcPct val="100000"/>
+              </a:lnSpc>
+              <a:buNone/>
+            </a:pPr>
+            <a:r>
+              <a:rPr lang="en-US" dirty="0"/>
+              <a:t>	Weights(</a:t>
+            </a:r>
+            <a:r>
+              <a:rPr lang="en-US" i="1" u="sng" dirty="0" err="1"/>
+              <a:t>class_id</a:t>
+            </a:r>
+            <a:r>
+              <a:rPr lang="en-US" dirty="0"/>
+              <a:t>, exam, quiz, homework, final);</a:t>
+            </a:r>
+          </a:p>
+          <a:p>
+            <a:pPr marL="0" indent="0">
+              <a:lnSpc>
+                <a:spcPct val="100000"/>
+              </a:lnSpc>
+              <a:buNone/>
+            </a:pPr>
+            <a:endParaRPr lang="en-US" dirty="0"/>
+          </a:p>
+          <a:p>
+            <a:pPr>
+              <a:lnSpc>
+                <a:spcPct val="100000"/>
+              </a:lnSpc>
+            </a:pPr>
+            <a:r>
+              <a:rPr lang="en-US" dirty="0"/>
+              <a:t>The contents of Semesters is displayed in the drawer in </a:t>
+            </a:r>
+            <a:r>
+              <a:rPr lang="en-US" dirty="0" err="1"/>
+              <a:t>MainActivity</a:t>
+            </a:r>
+            <a:r>
+              <a:rPr lang="en-US" dirty="0"/>
+              <a:t>.</a:t>
+            </a:r>
+          </a:p>
+          <a:p>
+            <a:pPr>
+              <a:lnSpc>
+                <a:spcPct val="100000"/>
+              </a:lnSpc>
+            </a:pPr>
+            <a:r>
+              <a:rPr lang="en-US" dirty="0"/>
+              <a:t>The contents of Classes is displayed in a </a:t>
+            </a:r>
+            <a:r>
+              <a:rPr lang="en-US" dirty="0" err="1"/>
+              <a:t>ListView</a:t>
+            </a:r>
+            <a:r>
+              <a:rPr lang="en-US" dirty="0"/>
+              <a:t> in the </a:t>
+            </a:r>
+            <a:r>
+              <a:rPr lang="en-US" dirty="0" err="1"/>
+              <a:t>MainActivity</a:t>
+            </a:r>
+            <a:r>
+              <a:rPr lang="en-US" dirty="0"/>
+              <a:t> based on which semester is selected.</a:t>
+            </a:r>
+          </a:p>
+          <a:p>
+            <a:pPr>
+              <a:lnSpc>
+                <a:spcPct val="100000"/>
+              </a:lnSpc>
+            </a:pPr>
+            <a:r>
+              <a:rPr lang="en-US" dirty="0"/>
+              <a:t>The contents of Grades is displayed in </a:t>
+            </a:r>
+            <a:r>
+              <a:rPr lang="en-US" dirty="0" err="1"/>
+              <a:t>ClassActivity</a:t>
+            </a:r>
+            <a:r>
+              <a:rPr lang="en-US" dirty="0"/>
+              <a:t> after a class has been selected.</a:t>
+            </a:r>
+          </a:p>
+          <a:p>
+            <a:pPr>
+              <a:lnSpc>
+                <a:spcPct val="100000"/>
+              </a:lnSpc>
+            </a:pPr>
+            <a:r>
+              <a:rPr lang="en-US" dirty="0"/>
+              <a:t>Weights is never displayed, however it is used when calculating the total grade in each class.</a:t>
+            </a:r>
+          </a:p>
+        </p:txBody>
+      </p:sp>
+    </p:spTree>
+    <p:extLst>
+      <p:ext uri="{BB962C8B-B14F-4D97-AF65-F5344CB8AC3E}">
+        <p14:creationId xmlns:p14="http://schemas.microsoft.com/office/powerpoint/2010/main" val="3226044537"/>
+      </p:ext>
+    </p:extLst>
+  </p:cSld>
+  <p:clrMapOvr>
+    <a:masterClrMapping/>
+  </p:clrMapOvr>
+</p:sld>
+</file>
+
+<file path=ppt/slides/slide5.xml><?xml version="1.0" encoding="utf-8"?>
+<p:sld xmlns:a="http://schemas.openxmlformats.org/drawingml/2006/main" xmlns:r="http://schemas.openxmlformats.org/officeDocument/2006/relationships" xmlns:p="http://schemas.openxmlformats.org/presentationml/2006/main">
+  <p:cSld>
+    <p:spTree>
+      <p:nvGrpSpPr>
+        <p:cNvPr id="1" name=""/>
+        <p:cNvGrpSpPr/>
+        <p:nvPr/>
+      </p:nvGrpSpPr>
+      <p:grpSpPr>
+        <a:xfrm>
+          <a:off x="0" y="0"/>
+          <a:ext cx="0" cy="0"/>
+          <a:chOff x="0" y="0"/>
+          <a:chExt cx="0" cy="0"/>
+        </a:xfrm>
+      </p:grpSpPr>
+      <p:pic>
+        <p:nvPicPr>
+          <p:cNvPr id="1026" name="Picture 2" descr="Screenshot_20161129-151007.png"/>
+          <p:cNvPicPr>
+            <a:picLocks noChangeAspect="1" noChangeArrowheads="1"/>
+          </p:cNvPicPr>
+          <p:nvPr/>
+        </p:nvPicPr>
+        <p:blipFill>
+          <a:blip r:embed="rId2">
+            <a:extLst>
+              <a:ext uri="{28A0092B-C50C-407E-A947-70E740481C1C}">
+                <a14:useLocalDpi xmlns:a14="http://schemas.microsoft.com/office/drawing/2010/main" val="0"/>
+              </a:ext>
+            </a:extLst>
+          </a:blip>
+          <a:srcRect/>
+          <a:stretch>
+            <a:fillRect/>
+          </a:stretch>
+        </p:blipFill>
+        <p:spPr bwMode="auto">
+          <a:xfrm>
+            <a:off x="2150897" y="107918"/>
+            <a:ext cx="1515502" cy="2694227"/>
+          </a:xfrm>
+          <a:prstGeom prst="rect">
+            <a:avLst/>
+          </a:prstGeom>
+          <a:noFill/>
+          <a:extLst>
+            <a:ext uri="{909E8E84-426E-40DD-AFC4-6F175D3DCCD1}">
+              <a14:hiddenFill xmlns:a14="http://schemas.microsoft.com/office/drawing/2010/main">
+                <a:solidFill>
+                  <a:srgbClr val="FFFFFF"/>
+                </a:solidFill>
+              </a14:hiddenFill>
+            </a:ext>
+          </a:extLst>
+        </p:spPr>
+      </p:pic>
+      <p:pic>
+        <p:nvPicPr>
+          <p:cNvPr id="1028" name="Picture 4" descr="Screenshot_20161203-181240.png"/>
+          <p:cNvPicPr>
+            <a:picLocks noChangeAspect="1" noChangeArrowheads="1"/>
+          </p:cNvPicPr>
+          <p:nvPr/>
+        </p:nvPicPr>
+        <p:blipFill>
+          <a:blip r:embed="rId3">
+            <a:extLst>
+              <a:ext uri="{28A0092B-C50C-407E-A947-70E740481C1C}">
+                <a14:useLocalDpi xmlns:a14="http://schemas.microsoft.com/office/drawing/2010/main" val="0"/>
+              </a:ext>
+            </a:extLst>
+          </a:blip>
+          <a:srcRect/>
+          <a:stretch>
+            <a:fillRect/>
+          </a:stretch>
+        </p:blipFill>
+        <p:spPr bwMode="auto">
+          <a:xfrm>
+            <a:off x="2150897" y="3158849"/>
+            <a:ext cx="1515503" cy="2694227"/>
+          </a:xfrm>
+          <a:prstGeom prst="rect">
+            <a:avLst/>
+          </a:prstGeom>
+          <a:noFill/>
+          <a:extLst>
+            <a:ext uri="{909E8E84-426E-40DD-AFC4-6F175D3DCCD1}">
+              <a14:hiddenFill xmlns:a14="http://schemas.microsoft.com/office/drawing/2010/main">
+                <a:solidFill>
+                  <a:srgbClr val="FFFFFF"/>
+                </a:solidFill>
+              </a14:hiddenFill>
+            </a:ext>
+          </a:extLst>
+        </p:spPr>
+      </p:pic>
+      <p:graphicFrame>
+        <p:nvGraphicFramePr>
+          <p:cNvPr id="2" name="Table 1"/>
+          <p:cNvGraphicFramePr>
+            <a:graphicFrameLocks noGrp="1"/>
+          </p:cNvGraphicFramePr>
+          <p:nvPr>
+            <p:extLst>
+              <p:ext uri="{D42A27DB-BD31-4B8C-83A1-F6EECF244321}">
+                <p14:modId xmlns:p14="http://schemas.microsoft.com/office/powerpoint/2010/main" val="3970728859"/>
+              </p:ext>
+            </p:extLst>
+          </p:nvPr>
+        </p:nvGraphicFramePr>
+        <p:xfrm>
+          <a:off x="6750838" y="395580"/>
+          <a:ext cx="3137877" cy="731520"/>
+        </p:xfrm>
+        <a:graphic>
+          <a:graphicData uri="http://schemas.openxmlformats.org/drawingml/2006/table">
+            <a:tbl>
+              <a:tblPr firstRow="1" bandRow="1">
+                <a:tableStyleId>{073A0DAA-6AF3-43AB-8588-CEC1D06C72B9}</a:tableStyleId>
+              </a:tblPr>
+              <a:tblGrid>
+                <a:gridCol w="1045959">
+                  <a:extLst>
+                    <a:ext uri="{9D8B030D-6E8A-4147-A177-3AD203B41FA5}">
+                      <a16:colId xmlns:a16="http://schemas.microsoft.com/office/drawing/2014/main" val="2028715363"/>
+                    </a:ext>
+                  </a:extLst>
+                </a:gridCol>
+                <a:gridCol w="1045959">
+                  <a:extLst>
+                    <a:ext uri="{9D8B030D-6E8A-4147-A177-3AD203B41FA5}">
+                      <a16:colId xmlns:a16="http://schemas.microsoft.com/office/drawing/2014/main" val="1163850372"/>
+                    </a:ext>
+                  </a:extLst>
+                </a:gridCol>
+                <a:gridCol w="1045959">
+                  <a:extLst>
+                    <a:ext uri="{9D8B030D-6E8A-4147-A177-3AD203B41FA5}">
+                      <a16:colId xmlns:a16="http://schemas.microsoft.com/office/drawing/2014/main" val="3347783186"/>
+                    </a:ext>
+                  </a:extLst>
+                </a:gridCol>
+              </a:tblGrid>
+              <a:tr h="331611">
+                <a:tc>
+                  <a:txBody>
+                    <a:bodyPr/>
+                    <a:lstStyle/>
+                    <a:p>
+                      <a:r>
+                        <a:rPr lang="en-US" i="1" dirty="0"/>
+                        <a:t>id</a:t>
+                      </a:r>
+                    </a:p>
+                  </a:txBody>
+                  <a:tcPr/>
+                </a:tc>
+                <a:tc>
+                  <a:txBody>
+                    <a:bodyPr/>
+                    <a:lstStyle/>
+                    <a:p>
+                      <a:r>
+                        <a:rPr lang="en-US" i="1" dirty="0"/>
+                        <a:t>season</a:t>
+                      </a:r>
+                    </a:p>
+                  </a:txBody>
+                  <a:tcPr/>
+                </a:tc>
+                <a:tc>
+                  <a:txBody>
+                    <a:bodyPr/>
+                    <a:lstStyle/>
+                    <a:p>
+                      <a:r>
+                        <a:rPr lang="en-US" i="1" dirty="0"/>
+                        <a:t>year</a:t>
+                      </a:r>
+                    </a:p>
+                  </a:txBody>
+                  <a:tcPr/>
+                </a:tc>
+                <a:extLst>
+                  <a:ext uri="{0D108BD9-81ED-4DB2-BD59-A6C34878D82A}">
+                    <a16:rowId xmlns:a16="http://schemas.microsoft.com/office/drawing/2014/main" val="3231822143"/>
+                  </a:ext>
+                </a:extLst>
+              </a:tr>
+              <a:tr h="331611">
+                <a:tc>
+                  <a:txBody>
+                    <a:bodyPr/>
+                    <a:lstStyle/>
+                    <a:p>
+                      <a:r>
+                        <a:rPr lang="en-US" dirty="0"/>
+                        <a:t>1</a:t>
+                      </a:r>
+                    </a:p>
+                  </a:txBody>
+                  <a:tcPr/>
+                </a:tc>
+                <a:tc>
+                  <a:txBody>
+                    <a:bodyPr/>
+                    <a:lstStyle/>
+                    <a:p>
+                      <a:r>
+                        <a:rPr lang="en-US" dirty="0"/>
+                        <a:t>Fall</a:t>
+                      </a:r>
+                    </a:p>
+                  </a:txBody>
+                  <a:tcPr/>
+                </a:tc>
+                <a:tc>
+                  <a:txBody>
+                    <a:bodyPr/>
+                    <a:lstStyle/>
+                    <a:p>
+                      <a:r>
+                        <a:rPr lang="en-US" dirty="0"/>
+                        <a:t>2016</a:t>
+                      </a:r>
+                    </a:p>
+                  </a:txBody>
+                  <a:tcPr/>
+                </a:tc>
+                <a:extLst>
+                  <a:ext uri="{0D108BD9-81ED-4DB2-BD59-A6C34878D82A}">
+                    <a16:rowId xmlns:a16="http://schemas.microsoft.com/office/drawing/2014/main" val="3287952809"/>
+                  </a:ext>
+                </a:extLst>
+              </a:tr>
+            </a:tbl>
+          </a:graphicData>
+        </a:graphic>
+      </p:graphicFrame>
+      <p:cxnSp>
+        <p:nvCxnSpPr>
+          <p:cNvPr id="6" name="Straight Connector 5"/>
+          <p:cNvCxnSpPr/>
+          <p:nvPr/>
+        </p:nvCxnSpPr>
+        <p:spPr>
+          <a:xfrm flipH="1">
+            <a:off x="1784846" y="597877"/>
+            <a:ext cx="366052" cy="0"/>
+          </a:xfrm>
+          <a:prstGeom prst="line">
+            <a:avLst/>
+          </a:prstGeom>
+        </p:spPr>
+        <p:style>
+          <a:lnRef idx="1">
+            <a:schemeClr val="dk1"/>
+          </a:lnRef>
+          <a:fillRef idx="0">
+            <a:schemeClr val="dk1"/>
+          </a:fillRef>
+          <a:effectRef idx="0">
+            <a:schemeClr val="dk1"/>
+          </a:effectRef>
+          <a:fontRef idx="minor">
+            <a:schemeClr val="tx1"/>
+          </a:fontRef>
+        </p:style>
+      </p:cxnSp>
+      <p:cxnSp>
+        <p:nvCxnSpPr>
+          <p:cNvPr id="8" name="Straight Connector 7"/>
+          <p:cNvCxnSpPr/>
+          <p:nvPr/>
+        </p:nvCxnSpPr>
+        <p:spPr>
+          <a:xfrm>
+            <a:off x="1784846" y="597877"/>
+            <a:ext cx="0" cy="3908085"/>
+          </a:xfrm>
+          <a:prstGeom prst="line">
+            <a:avLst/>
+          </a:prstGeom>
+        </p:spPr>
+        <p:style>
+          <a:lnRef idx="1">
+            <a:schemeClr val="dk1"/>
+          </a:lnRef>
+          <a:fillRef idx="0">
+            <a:schemeClr val="dk1"/>
+          </a:fillRef>
+          <a:effectRef idx="0">
+            <a:schemeClr val="dk1"/>
+          </a:effectRef>
+          <a:fontRef idx="minor">
+            <a:schemeClr val="tx1"/>
+          </a:fontRef>
+        </p:style>
+      </p:cxnSp>
+      <p:cxnSp>
+        <p:nvCxnSpPr>
+          <p:cNvPr id="10" name="Straight Arrow Connector 9"/>
+          <p:cNvCxnSpPr/>
+          <p:nvPr/>
+        </p:nvCxnSpPr>
+        <p:spPr>
+          <a:xfrm>
+            <a:off x="1781256" y="4505962"/>
+            <a:ext cx="146304" cy="0"/>
+          </a:xfrm>
+          <a:prstGeom prst="straightConnector1">
+            <a:avLst/>
+          </a:prstGeom>
+          <a:ln>
+            <a:tailEnd type="triangle"/>
+          </a:ln>
+        </p:spPr>
+        <p:style>
+          <a:lnRef idx="1">
+            <a:schemeClr val="dk1"/>
+          </a:lnRef>
+          <a:fillRef idx="0">
+            <a:schemeClr val="dk1"/>
+          </a:fillRef>
+          <a:effectRef idx="0">
+            <a:schemeClr val="dk1"/>
+          </a:effectRef>
+          <a:fontRef idx="minor">
+            <a:schemeClr val="tx1"/>
+          </a:fontRef>
+        </p:style>
+      </p:cxnSp>
+      <p:sp>
+        <p:nvSpPr>
+          <p:cNvPr id="12" name="Left Brace 11"/>
+          <p:cNvSpPr/>
+          <p:nvPr/>
+        </p:nvSpPr>
+        <p:spPr>
+          <a:xfrm>
+            <a:off x="1929112" y="3158849"/>
+            <a:ext cx="221785" cy="2694227"/>
+          </a:xfrm>
+          <a:prstGeom prst="leftBrace">
+            <a:avLst/>
+          </a:prstGeom>
+        </p:spPr>
+        <p:style>
+          <a:lnRef idx="1">
+            <a:schemeClr val="dk1"/>
+          </a:lnRef>
+          <a:fillRef idx="0">
+            <a:schemeClr val="dk1"/>
+          </a:fillRef>
+          <a:effectRef idx="0">
+            <a:schemeClr val="dk1"/>
+          </a:effectRef>
+          <a:fontRef idx="minor">
+            <a:schemeClr val="tx1"/>
+          </a:fontRef>
+        </p:style>
+        <p:txBody>
+          <a:bodyPr rtlCol="0" anchor="ctr"/>
+          <a:lstStyle/>
+          <a:p>
+            <a:pPr algn="ctr"/>
+            <a:endParaRPr lang="en-US"/>
+          </a:p>
+        </p:txBody>
+      </p:sp>
+      <p:sp>
+        <p:nvSpPr>
+          <p:cNvPr id="19" name="TextBox 18"/>
+          <p:cNvSpPr txBox="1"/>
+          <p:nvPr/>
+        </p:nvSpPr>
+        <p:spPr>
+          <a:xfrm>
+            <a:off x="7655957" y="35168"/>
+            <a:ext cx="1327638" cy="369332"/>
+          </a:xfrm>
+          <a:prstGeom prst="rect">
+            <a:avLst/>
+          </a:prstGeom>
+          <a:noFill/>
+        </p:spPr>
+        <p:txBody>
+          <a:bodyPr wrap="square" rtlCol="0">
+            <a:spAutoFit/>
+          </a:bodyPr>
+          <a:lstStyle/>
+          <a:p>
+            <a:r>
+              <a:rPr lang="en-US" dirty="0"/>
+              <a:t>Semesters</a:t>
+            </a:r>
+          </a:p>
+        </p:txBody>
+      </p:sp>
+      <p:graphicFrame>
+        <p:nvGraphicFramePr>
+          <p:cNvPr id="21" name="Table 20"/>
+          <p:cNvGraphicFramePr>
+            <a:graphicFrameLocks noGrp="1"/>
+          </p:cNvGraphicFramePr>
+          <p:nvPr>
+            <p:extLst>
+              <p:ext uri="{D42A27DB-BD31-4B8C-83A1-F6EECF244321}">
+                <p14:modId xmlns:p14="http://schemas.microsoft.com/office/powerpoint/2010/main" val="2540302248"/>
+              </p:ext>
+            </p:extLst>
+          </p:nvPr>
+        </p:nvGraphicFramePr>
+        <p:xfrm>
+          <a:off x="6237611" y="1705707"/>
+          <a:ext cx="4164332" cy="766755"/>
+        </p:xfrm>
+        <a:graphic>
+          <a:graphicData uri="http://schemas.openxmlformats.org/drawingml/2006/table">
+            <a:tbl>
+              <a:tblPr firstRow="1" bandRow="1">
+                <a:tableStyleId>{073A0DAA-6AF3-43AB-8588-CEC1D06C72B9}</a:tableStyleId>
+              </a:tblPr>
+              <a:tblGrid>
+                <a:gridCol w="1041083">
+                  <a:extLst>
+                    <a:ext uri="{9D8B030D-6E8A-4147-A177-3AD203B41FA5}">
+                      <a16:colId xmlns:a16="http://schemas.microsoft.com/office/drawing/2014/main" val="4217561929"/>
+                    </a:ext>
+                  </a:extLst>
+                </a:gridCol>
+                <a:gridCol w="1041083">
+                  <a:extLst>
+                    <a:ext uri="{9D8B030D-6E8A-4147-A177-3AD203B41FA5}">
+                      <a16:colId xmlns:a16="http://schemas.microsoft.com/office/drawing/2014/main" val="3891527895"/>
+                    </a:ext>
+                  </a:extLst>
+                </a:gridCol>
+                <a:gridCol w="1041083">
+                  <a:extLst>
+                    <a:ext uri="{9D8B030D-6E8A-4147-A177-3AD203B41FA5}">
+                      <a16:colId xmlns:a16="http://schemas.microsoft.com/office/drawing/2014/main" val="3934431473"/>
+                    </a:ext>
+                  </a:extLst>
+                </a:gridCol>
+                <a:gridCol w="1041083">
+                  <a:extLst>
+                    <a:ext uri="{9D8B030D-6E8A-4147-A177-3AD203B41FA5}">
+                      <a16:colId xmlns:a16="http://schemas.microsoft.com/office/drawing/2014/main" val="728184910"/>
+                    </a:ext>
+                  </a:extLst>
+                </a:gridCol>
+              </a:tblGrid>
+              <a:tr h="253393">
+                <a:tc>
+                  <a:txBody>
+                    <a:bodyPr/>
+                    <a:lstStyle/>
+                    <a:p>
+                      <a:r>
+                        <a:rPr lang="en-US" sz="1200" i="1" dirty="0"/>
+                        <a:t>id</a:t>
+                      </a:r>
+                    </a:p>
+                  </a:txBody>
+                  <a:tcPr marL="62978" marR="62978" marT="31489" marB="31489"/>
+                </a:tc>
+                <a:tc>
+                  <a:txBody>
+                    <a:bodyPr/>
+                    <a:lstStyle/>
+                    <a:p>
+                      <a:r>
+                        <a:rPr lang="en-US" sz="1200" i="1" dirty="0" err="1"/>
+                        <a:t>sem_id</a:t>
+                      </a:r>
+                      <a:endParaRPr lang="en-US" sz="1200" i="1" dirty="0"/>
+                    </a:p>
+                  </a:txBody>
+                  <a:tcPr marL="62978" marR="62978" marT="31489" marB="31489"/>
+                </a:tc>
+                <a:tc>
+                  <a:txBody>
+                    <a:bodyPr/>
+                    <a:lstStyle/>
+                    <a:p>
+                      <a:r>
+                        <a:rPr lang="en-US" sz="1200" i="1" dirty="0"/>
+                        <a:t>name</a:t>
+                      </a:r>
+                    </a:p>
+                  </a:txBody>
+                  <a:tcPr marL="62978" marR="62978" marT="31489" marB="31489"/>
+                </a:tc>
+                <a:tc>
+                  <a:txBody>
+                    <a:bodyPr/>
+                    <a:lstStyle/>
+                    <a:p>
+                      <a:r>
+                        <a:rPr lang="en-US" sz="1200" i="1" dirty="0"/>
+                        <a:t>grade</a:t>
+                      </a:r>
+                    </a:p>
+                  </a:txBody>
+                  <a:tcPr marL="62978" marR="62978" marT="31489" marB="31489"/>
+                </a:tc>
+                <a:extLst>
+                  <a:ext uri="{0D108BD9-81ED-4DB2-BD59-A6C34878D82A}">
+                    <a16:rowId xmlns:a16="http://schemas.microsoft.com/office/drawing/2014/main" val="1974966055"/>
+                  </a:ext>
+                </a:extLst>
+              </a:tr>
+              <a:tr h="255411">
+                <a:tc>
+                  <a:txBody>
+                    <a:bodyPr/>
+                    <a:lstStyle/>
+                    <a:p>
+                      <a:r>
+                        <a:rPr lang="en-US" sz="1200" dirty="0"/>
+                        <a:t>1</a:t>
+                      </a:r>
+                    </a:p>
+                  </a:txBody>
+                  <a:tcPr marL="62978" marR="62978" marT="31489" marB="31489"/>
+                </a:tc>
+                <a:tc>
+                  <a:txBody>
+                    <a:bodyPr/>
+                    <a:lstStyle/>
+                    <a:p>
+                      <a:r>
+                        <a:rPr lang="en-US" sz="1200" dirty="0"/>
+                        <a:t>1</a:t>
+                      </a:r>
+                    </a:p>
+                  </a:txBody>
+                  <a:tcPr marL="62978" marR="62978" marT="31489" marB="31489"/>
+                </a:tc>
+                <a:tc>
+                  <a:txBody>
+                    <a:bodyPr/>
+                    <a:lstStyle/>
+                    <a:p>
+                      <a:r>
+                        <a:rPr lang="en-US" sz="1200" dirty="0"/>
+                        <a:t>Physics</a:t>
+                      </a:r>
+                    </a:p>
+                  </a:txBody>
+                  <a:tcPr marL="62978" marR="62978" marT="31489" marB="31489"/>
+                </a:tc>
+                <a:tc>
+                  <a:txBody>
+                    <a:bodyPr/>
+                    <a:lstStyle/>
+                    <a:p>
+                      <a:r>
+                        <a:rPr lang="en-US" sz="1200" dirty="0"/>
+                        <a:t>95.0</a:t>
+                      </a:r>
+                    </a:p>
+                  </a:txBody>
+                  <a:tcPr marL="62978" marR="62978" marT="31489" marB="31489"/>
+                </a:tc>
+                <a:extLst>
+                  <a:ext uri="{0D108BD9-81ED-4DB2-BD59-A6C34878D82A}">
+                    <a16:rowId xmlns:a16="http://schemas.microsoft.com/office/drawing/2014/main" val="2459811622"/>
+                  </a:ext>
+                </a:extLst>
+              </a:tr>
+              <a:tr h="257951">
+                <a:tc>
+                  <a:txBody>
+                    <a:bodyPr/>
+                    <a:lstStyle/>
+                    <a:p>
+                      <a:r>
+                        <a:rPr lang="en-US" sz="1200" dirty="0"/>
+                        <a:t>2</a:t>
+                      </a:r>
+                    </a:p>
+                  </a:txBody>
+                  <a:tcPr marL="62978" marR="62978" marT="31489" marB="31489"/>
+                </a:tc>
+                <a:tc>
+                  <a:txBody>
+                    <a:bodyPr/>
+                    <a:lstStyle/>
+                    <a:p>
+                      <a:r>
+                        <a:rPr lang="en-US" sz="1200" dirty="0"/>
+                        <a:t>1</a:t>
+                      </a:r>
+                    </a:p>
+                  </a:txBody>
+                  <a:tcPr marL="62978" marR="62978" marT="31489" marB="31489"/>
+                </a:tc>
+                <a:tc>
+                  <a:txBody>
+                    <a:bodyPr/>
+                    <a:lstStyle/>
+                    <a:p>
+                      <a:r>
+                        <a:rPr lang="en-US" sz="1200" dirty="0" err="1"/>
+                        <a:t>N.d.t.g.c</a:t>
+                      </a:r>
+                      <a:r>
+                        <a:rPr lang="en-US" sz="1200" dirty="0"/>
+                        <a:t>.</a:t>
+                      </a:r>
+                    </a:p>
+                  </a:txBody>
+                  <a:tcPr marL="62978" marR="62978" marT="31489" marB="31489"/>
+                </a:tc>
+                <a:tc>
+                  <a:txBody>
+                    <a:bodyPr/>
+                    <a:lstStyle/>
+                    <a:p>
+                      <a:r>
+                        <a:rPr lang="en-US" sz="1200" dirty="0"/>
+                        <a:t>65.0</a:t>
+                      </a:r>
+                    </a:p>
+                  </a:txBody>
+                  <a:tcPr marL="62978" marR="62978" marT="31489" marB="31489"/>
+                </a:tc>
+                <a:extLst>
+                  <a:ext uri="{0D108BD9-81ED-4DB2-BD59-A6C34878D82A}">
+                    <a16:rowId xmlns:a16="http://schemas.microsoft.com/office/drawing/2014/main" val="1013969529"/>
+                  </a:ext>
+                </a:extLst>
+              </a:tr>
+            </a:tbl>
+          </a:graphicData>
+        </a:graphic>
+      </p:graphicFrame>
+      <p:sp>
+        <p:nvSpPr>
+          <p:cNvPr id="24" name="TextBox 23"/>
+          <p:cNvSpPr txBox="1"/>
+          <p:nvPr/>
+        </p:nvSpPr>
+        <p:spPr>
+          <a:xfrm>
+            <a:off x="7847095" y="1382031"/>
+            <a:ext cx="1327638" cy="369332"/>
+          </a:xfrm>
+          <a:prstGeom prst="rect">
+            <a:avLst/>
+          </a:prstGeom>
+          <a:noFill/>
+        </p:spPr>
+        <p:txBody>
+          <a:bodyPr wrap="square" rtlCol="0">
+            <a:spAutoFit/>
+          </a:bodyPr>
+          <a:lstStyle/>
+          <a:p>
+            <a:r>
+              <a:rPr lang="en-US" dirty="0"/>
+              <a:t>Classes</a:t>
+            </a:r>
+          </a:p>
+        </p:txBody>
+      </p:sp>
+      <p:cxnSp>
+        <p:nvCxnSpPr>
+          <p:cNvPr id="23" name="Elbow Connector 22"/>
+          <p:cNvCxnSpPr>
+            <a:endCxn id="2" idx="1"/>
+          </p:cNvCxnSpPr>
+          <p:nvPr/>
+        </p:nvCxnSpPr>
+        <p:spPr>
+          <a:xfrm>
+            <a:off x="2908648" y="316551"/>
+            <a:ext cx="3842190" cy="444789"/>
+          </a:xfrm>
+          <a:prstGeom prst="bentConnector3">
+            <a:avLst/>
+          </a:prstGeom>
+          <a:ln>
+            <a:tailEnd type="triangle"/>
+          </a:ln>
+        </p:spPr>
+        <p:style>
+          <a:lnRef idx="1">
+            <a:schemeClr val="dk1"/>
+          </a:lnRef>
+          <a:fillRef idx="0">
+            <a:schemeClr val="dk1"/>
+          </a:fillRef>
+          <a:effectRef idx="0">
+            <a:schemeClr val="dk1"/>
+          </a:effectRef>
+          <a:fontRef idx="minor">
+            <a:schemeClr val="tx1"/>
+          </a:fontRef>
+        </p:style>
+      </p:cxnSp>
+      <p:sp>
+        <p:nvSpPr>
+          <p:cNvPr id="26" name="Right Brace 25"/>
+          <p:cNvSpPr/>
+          <p:nvPr/>
+        </p:nvSpPr>
+        <p:spPr>
+          <a:xfrm>
+            <a:off x="3666400" y="538945"/>
+            <a:ext cx="290145" cy="489755"/>
+          </a:xfrm>
+          <a:prstGeom prst="rightBrace">
+            <a:avLst/>
+          </a:prstGeom>
+        </p:spPr>
+        <p:style>
+          <a:lnRef idx="1">
+            <a:schemeClr val="dk1"/>
+          </a:lnRef>
+          <a:fillRef idx="0">
+            <a:schemeClr val="dk1"/>
+          </a:fillRef>
+          <a:effectRef idx="0">
+            <a:schemeClr val="dk1"/>
+          </a:effectRef>
+          <a:fontRef idx="minor">
+            <a:schemeClr val="tx1"/>
+          </a:fontRef>
+        </p:style>
+        <p:txBody>
+          <a:bodyPr rtlCol="0" anchor="ctr"/>
+          <a:lstStyle/>
+          <a:p>
+            <a:pPr algn="ctr"/>
+            <a:endParaRPr lang="en-US"/>
+          </a:p>
+        </p:txBody>
+      </p:sp>
+      <p:cxnSp>
+        <p:nvCxnSpPr>
+          <p:cNvPr id="28" name="Elbow Connector 27"/>
+          <p:cNvCxnSpPr>
+            <a:stCxn id="26" idx="1"/>
+            <a:endCxn id="21" idx="1"/>
+          </p:cNvCxnSpPr>
+          <p:nvPr/>
+        </p:nvCxnSpPr>
+        <p:spPr>
+          <a:xfrm rot="10800000" flipH="1" flipV="1">
+            <a:off x="3956545" y="783822"/>
+            <a:ext cx="2281066" cy="1305261"/>
+          </a:xfrm>
+          <a:prstGeom prst="bentConnector3">
+            <a:avLst>
+              <a:gd name="adj1" fmla="val 29294"/>
+            </a:avLst>
+          </a:prstGeom>
+          <a:ln>
+            <a:tailEnd type="triangle"/>
+          </a:ln>
+        </p:spPr>
+        <p:style>
+          <a:lnRef idx="1">
+            <a:schemeClr val="dk1"/>
+          </a:lnRef>
+          <a:fillRef idx="0">
+            <a:schemeClr val="dk1"/>
+          </a:fillRef>
+          <a:effectRef idx="0">
+            <a:schemeClr val="dk1"/>
+          </a:effectRef>
+          <a:fontRef idx="minor">
+            <a:schemeClr val="tx1"/>
+          </a:fontRef>
+        </p:style>
+      </p:cxnSp>
+      <p:graphicFrame>
+        <p:nvGraphicFramePr>
+          <p:cNvPr id="32" name="Table 31"/>
+          <p:cNvGraphicFramePr>
+            <a:graphicFrameLocks noGrp="1"/>
+          </p:cNvGraphicFramePr>
+          <p:nvPr>
+            <p:extLst>
+              <p:ext uri="{D42A27DB-BD31-4B8C-83A1-F6EECF244321}">
+                <p14:modId xmlns:p14="http://schemas.microsoft.com/office/powerpoint/2010/main" val="3263763232"/>
+              </p:ext>
+            </p:extLst>
+          </p:nvPr>
+        </p:nvGraphicFramePr>
+        <p:xfrm>
+          <a:off x="6237611" y="4106138"/>
+          <a:ext cx="4164332" cy="1798559"/>
+        </p:xfrm>
+        <a:graphic>
+          <a:graphicData uri="http://schemas.openxmlformats.org/drawingml/2006/table">
+            <a:tbl>
+              <a:tblPr firstRow="1" bandRow="1">
+                <a:tableStyleId>{073A0DAA-6AF3-43AB-8588-CEC1D06C72B9}</a:tableStyleId>
+              </a:tblPr>
+              <a:tblGrid>
+                <a:gridCol w="1041083">
+                  <a:extLst>
+                    <a:ext uri="{9D8B030D-6E8A-4147-A177-3AD203B41FA5}">
+                      <a16:colId xmlns:a16="http://schemas.microsoft.com/office/drawing/2014/main" val="4217561929"/>
+                    </a:ext>
+                  </a:extLst>
+                </a:gridCol>
+                <a:gridCol w="1041083">
+                  <a:extLst>
+                    <a:ext uri="{9D8B030D-6E8A-4147-A177-3AD203B41FA5}">
+                      <a16:colId xmlns:a16="http://schemas.microsoft.com/office/drawing/2014/main" val="3891527895"/>
+                    </a:ext>
+                  </a:extLst>
+                </a:gridCol>
+                <a:gridCol w="1041083">
+                  <a:extLst>
+                    <a:ext uri="{9D8B030D-6E8A-4147-A177-3AD203B41FA5}">
+                      <a16:colId xmlns:a16="http://schemas.microsoft.com/office/drawing/2014/main" val="3934431473"/>
+                    </a:ext>
+                  </a:extLst>
+                </a:gridCol>
+                <a:gridCol w="1041083">
+                  <a:extLst>
+                    <a:ext uri="{9D8B030D-6E8A-4147-A177-3AD203B41FA5}">
+                      <a16:colId xmlns:a16="http://schemas.microsoft.com/office/drawing/2014/main" val="728184910"/>
+                    </a:ext>
+                  </a:extLst>
+                </a:gridCol>
+              </a:tblGrid>
+              <a:tr h="253393">
+                <a:tc>
+                  <a:txBody>
+                    <a:bodyPr/>
+                    <a:lstStyle/>
+                    <a:p>
+                      <a:r>
+                        <a:rPr lang="en-US" sz="1200" i="1" dirty="0" err="1"/>
+                        <a:t>class_id</a:t>
+                      </a:r>
+                      <a:endParaRPr lang="en-US" sz="1200" i="1" dirty="0"/>
+                    </a:p>
+                  </a:txBody>
+                  <a:tcPr marL="62978" marR="62978" marT="31489" marB="31489"/>
+                </a:tc>
+                <a:tc>
+                  <a:txBody>
+                    <a:bodyPr/>
+                    <a:lstStyle/>
+                    <a:p>
+                      <a:r>
+                        <a:rPr lang="en-US" sz="1200" i="1" dirty="0"/>
+                        <a:t>name</a:t>
+                      </a:r>
+                    </a:p>
+                  </a:txBody>
+                  <a:tcPr marL="62978" marR="62978" marT="31489" marB="31489"/>
+                </a:tc>
+                <a:tc>
+                  <a:txBody>
+                    <a:bodyPr/>
+                    <a:lstStyle/>
+                    <a:p>
+                      <a:r>
+                        <a:rPr lang="en-US" sz="1200" i="1" dirty="0"/>
+                        <a:t>type</a:t>
+                      </a:r>
+                    </a:p>
+                  </a:txBody>
+                  <a:tcPr marL="62978" marR="62978" marT="31489" marB="31489"/>
+                </a:tc>
+                <a:tc>
+                  <a:txBody>
+                    <a:bodyPr/>
+                    <a:lstStyle/>
+                    <a:p>
+                      <a:r>
+                        <a:rPr lang="en-US" sz="1200" i="1" dirty="0"/>
+                        <a:t>grade</a:t>
+                      </a:r>
+                    </a:p>
+                  </a:txBody>
+                  <a:tcPr marL="62978" marR="62978" marT="31489" marB="31489"/>
+                </a:tc>
+                <a:extLst>
+                  <a:ext uri="{0D108BD9-81ED-4DB2-BD59-A6C34878D82A}">
+                    <a16:rowId xmlns:a16="http://schemas.microsoft.com/office/drawing/2014/main" val="1974966055"/>
+                  </a:ext>
+                </a:extLst>
+              </a:tr>
+              <a:tr h="255411">
+                <a:tc>
+                  <a:txBody>
+                    <a:bodyPr/>
+                    <a:lstStyle/>
+                    <a:p>
+                      <a:r>
+                        <a:rPr lang="en-US" sz="1200" dirty="0"/>
+                        <a:t>1</a:t>
+                      </a:r>
+                    </a:p>
+                  </a:txBody>
+                  <a:tcPr marL="62978" marR="62978" marT="31489" marB="31489"/>
+                </a:tc>
+                <a:tc>
+                  <a:txBody>
+                    <a:bodyPr/>
+                    <a:lstStyle/>
+                    <a:p>
+                      <a:r>
+                        <a:rPr lang="en-US" sz="1200" dirty="0"/>
+                        <a:t>Exam</a:t>
+                      </a:r>
+                      <a:r>
+                        <a:rPr lang="en-US" sz="1200" baseline="0" dirty="0"/>
+                        <a:t> 1</a:t>
+                      </a:r>
+                      <a:endParaRPr lang="en-US" sz="1200" dirty="0"/>
+                    </a:p>
+                  </a:txBody>
+                  <a:tcPr marL="62978" marR="62978" marT="31489" marB="31489"/>
+                </a:tc>
+                <a:tc>
+                  <a:txBody>
+                    <a:bodyPr/>
+                    <a:lstStyle/>
+                    <a:p>
+                      <a:r>
+                        <a:rPr lang="en-US" sz="1200" dirty="0"/>
+                        <a:t>Exam</a:t>
+                      </a:r>
+                    </a:p>
+                  </a:txBody>
+                  <a:tcPr marL="62978" marR="62978" marT="31489" marB="31489"/>
+                </a:tc>
+                <a:tc>
+                  <a:txBody>
+                    <a:bodyPr/>
+                    <a:lstStyle/>
+                    <a:p>
+                      <a:r>
+                        <a:rPr lang="en-US" sz="1200" dirty="0"/>
+                        <a:t>95.0</a:t>
+                      </a:r>
+                    </a:p>
+                  </a:txBody>
+                  <a:tcPr marL="62978" marR="62978" marT="31489" marB="31489"/>
+                </a:tc>
+                <a:extLst>
+                  <a:ext uri="{0D108BD9-81ED-4DB2-BD59-A6C34878D82A}">
+                    <a16:rowId xmlns:a16="http://schemas.microsoft.com/office/drawing/2014/main" val="2459811622"/>
+                  </a:ext>
+                </a:extLst>
+              </a:tr>
+              <a:tr h="257951">
+                <a:tc>
+                  <a:txBody>
+                    <a:bodyPr/>
+                    <a:lstStyle/>
+                    <a:p>
+                      <a:r>
+                        <a:rPr lang="en-US" sz="1200" dirty="0"/>
+                        <a:t>1</a:t>
+                      </a:r>
+                    </a:p>
+                  </a:txBody>
+                  <a:tcPr marL="62978" marR="62978" marT="31489" marB="31489"/>
+                </a:tc>
+                <a:tc>
+                  <a:txBody>
+                    <a:bodyPr/>
+                    <a:lstStyle/>
+                    <a:p>
+                      <a:r>
+                        <a:rPr lang="en-US" sz="1200" dirty="0"/>
+                        <a:t>Exam</a:t>
+                      </a:r>
+                      <a:r>
+                        <a:rPr lang="en-US" sz="1200" baseline="0" dirty="0"/>
+                        <a:t> 2</a:t>
+                      </a:r>
+                      <a:endParaRPr lang="en-US" sz="1200" dirty="0"/>
+                    </a:p>
+                  </a:txBody>
+                  <a:tcPr marL="62978" marR="62978" marT="31489" marB="31489"/>
+                </a:tc>
+                <a:tc>
+                  <a:txBody>
+                    <a:bodyPr/>
+                    <a:lstStyle/>
+                    <a:p>
+                      <a:r>
+                        <a:rPr lang="en-US" sz="1200" dirty="0"/>
+                        <a:t>Exam</a:t>
+                      </a:r>
+                    </a:p>
+                  </a:txBody>
+                  <a:tcPr marL="62978" marR="62978" marT="31489" marB="31489"/>
+                </a:tc>
+                <a:tc>
+                  <a:txBody>
+                    <a:bodyPr/>
+                    <a:lstStyle/>
+                    <a:p>
+                      <a:r>
+                        <a:rPr lang="en-US" sz="1200" dirty="0"/>
+                        <a:t>85.0</a:t>
+                      </a:r>
+                    </a:p>
+                  </a:txBody>
+                  <a:tcPr marL="62978" marR="62978" marT="31489" marB="31489"/>
+                </a:tc>
+                <a:extLst>
+                  <a:ext uri="{0D108BD9-81ED-4DB2-BD59-A6C34878D82A}">
+                    <a16:rowId xmlns:a16="http://schemas.microsoft.com/office/drawing/2014/main" val="1013969529"/>
+                  </a:ext>
+                </a:extLst>
+              </a:tr>
+              <a:tr h="257951">
+                <a:tc>
+                  <a:txBody>
+                    <a:bodyPr/>
+                    <a:lstStyle/>
+                    <a:p>
+                      <a:r>
+                        <a:rPr lang="en-US" sz="1200" dirty="0"/>
+                        <a:t>1</a:t>
+                      </a:r>
+                    </a:p>
+                  </a:txBody>
+                  <a:tcPr marL="62978" marR="62978" marT="31489" marB="31489"/>
+                </a:tc>
+                <a:tc>
+                  <a:txBody>
+                    <a:bodyPr/>
+                    <a:lstStyle/>
+                    <a:p>
+                      <a:r>
+                        <a:rPr lang="en-US" sz="1200" dirty="0"/>
+                        <a:t>Quiz</a:t>
+                      </a:r>
+                      <a:r>
+                        <a:rPr lang="en-US" sz="1200" baseline="0" dirty="0"/>
+                        <a:t> 1</a:t>
+                      </a:r>
+                      <a:endParaRPr lang="en-US" sz="1200" dirty="0"/>
+                    </a:p>
+                  </a:txBody>
+                  <a:tcPr marL="62978" marR="62978" marT="31489" marB="31489"/>
+                </a:tc>
+                <a:tc>
+                  <a:txBody>
+                    <a:bodyPr/>
+                    <a:lstStyle/>
+                    <a:p>
+                      <a:r>
+                        <a:rPr lang="en-US" sz="1200" dirty="0"/>
+                        <a:t>Quiz</a:t>
+                      </a:r>
+                    </a:p>
+                  </a:txBody>
+                  <a:tcPr marL="62978" marR="62978" marT="31489" marB="31489"/>
+                </a:tc>
+                <a:tc>
+                  <a:txBody>
+                    <a:bodyPr/>
+                    <a:lstStyle/>
+                    <a:p>
+                      <a:r>
+                        <a:rPr lang="en-US" sz="1200" dirty="0"/>
+                        <a:t>94.0</a:t>
+                      </a:r>
+                    </a:p>
+                  </a:txBody>
+                  <a:tcPr marL="62978" marR="62978" marT="31489" marB="31489"/>
+                </a:tc>
+                <a:extLst>
+                  <a:ext uri="{0D108BD9-81ED-4DB2-BD59-A6C34878D82A}">
+                    <a16:rowId xmlns:a16="http://schemas.microsoft.com/office/drawing/2014/main" val="1400074421"/>
+                  </a:ext>
+                </a:extLst>
+              </a:tr>
+              <a:tr h="257951">
+                <a:tc>
+                  <a:txBody>
+                    <a:bodyPr/>
+                    <a:lstStyle/>
+                    <a:p>
+                      <a:r>
+                        <a:rPr lang="en-US" sz="1200" dirty="0"/>
+                        <a:t>1</a:t>
+                      </a:r>
+                    </a:p>
+                  </a:txBody>
+                  <a:tcPr marL="62978" marR="62978" marT="31489" marB="31489"/>
+                </a:tc>
+                <a:tc>
+                  <a:txBody>
+                    <a:bodyPr/>
+                    <a:lstStyle/>
+                    <a:p>
+                      <a:r>
+                        <a:rPr lang="en-US" sz="1200" dirty="0"/>
+                        <a:t>HW 1</a:t>
+                      </a:r>
+                    </a:p>
+                  </a:txBody>
+                  <a:tcPr marL="62978" marR="62978" marT="31489" marB="31489"/>
+                </a:tc>
+                <a:tc>
+                  <a:txBody>
+                    <a:bodyPr/>
+                    <a:lstStyle/>
+                    <a:p>
+                      <a:r>
+                        <a:rPr lang="en-US" sz="1200" dirty="0" err="1"/>
+                        <a:t>Hw</a:t>
+                      </a:r>
+                      <a:endParaRPr lang="en-US" sz="1200" dirty="0"/>
+                    </a:p>
+                  </a:txBody>
+                  <a:tcPr marL="62978" marR="62978" marT="31489" marB="31489"/>
+                </a:tc>
+                <a:tc>
+                  <a:txBody>
+                    <a:bodyPr/>
+                    <a:lstStyle/>
+                    <a:p>
+                      <a:r>
+                        <a:rPr lang="en-US" sz="1200" dirty="0"/>
+                        <a:t>95.0</a:t>
+                      </a:r>
+                    </a:p>
+                  </a:txBody>
+                  <a:tcPr marL="62978" marR="62978" marT="31489" marB="31489"/>
+                </a:tc>
+                <a:extLst>
+                  <a:ext uri="{0D108BD9-81ED-4DB2-BD59-A6C34878D82A}">
+                    <a16:rowId xmlns:a16="http://schemas.microsoft.com/office/drawing/2014/main" val="506471364"/>
+                  </a:ext>
+                </a:extLst>
+              </a:tr>
+              <a:tr h="257951">
+                <a:tc>
+                  <a:txBody>
+                    <a:bodyPr/>
+                    <a:lstStyle/>
+                    <a:p>
+                      <a:r>
+                        <a:rPr lang="en-US" sz="1200" dirty="0"/>
+                        <a:t>1</a:t>
+                      </a:r>
+                    </a:p>
+                  </a:txBody>
+                  <a:tcPr marL="62978" marR="62978" marT="31489" marB="31489"/>
+                </a:tc>
+                <a:tc>
+                  <a:txBody>
+                    <a:bodyPr/>
+                    <a:lstStyle/>
+                    <a:p>
+                      <a:r>
+                        <a:rPr lang="en-US" sz="1200" dirty="0"/>
+                        <a:t>wow!</a:t>
+                      </a:r>
+                    </a:p>
+                  </a:txBody>
+                  <a:tcPr marL="62978" marR="62978" marT="31489" marB="31489"/>
+                </a:tc>
+                <a:tc>
+                  <a:txBody>
+                    <a:bodyPr/>
+                    <a:lstStyle/>
+                    <a:p>
+                      <a:r>
+                        <a:rPr lang="en-US" sz="1200" dirty="0"/>
+                        <a:t>Final</a:t>
+                      </a:r>
+                    </a:p>
+                  </a:txBody>
+                  <a:tcPr marL="62978" marR="62978" marT="31489" marB="31489"/>
+                </a:tc>
+                <a:tc>
+                  <a:txBody>
+                    <a:bodyPr/>
+                    <a:lstStyle/>
+                    <a:p>
+                      <a:r>
+                        <a:rPr lang="en-US" sz="1200" dirty="0"/>
+                        <a:t>78.0</a:t>
+                      </a:r>
+                    </a:p>
+                  </a:txBody>
+                  <a:tcPr marL="62978" marR="62978" marT="31489" marB="31489"/>
+                </a:tc>
+                <a:extLst>
+                  <a:ext uri="{0D108BD9-81ED-4DB2-BD59-A6C34878D82A}">
+                    <a16:rowId xmlns:a16="http://schemas.microsoft.com/office/drawing/2014/main" val="1258227790"/>
+                  </a:ext>
+                </a:extLst>
+              </a:tr>
+              <a:tr h="257951">
+                <a:tc>
+                  <a:txBody>
+                    <a:bodyPr/>
+                    <a:lstStyle/>
+                    <a:p>
+                      <a:r>
+                        <a:rPr lang="en-US" sz="1200" dirty="0"/>
+                        <a:t>1</a:t>
+                      </a:r>
+                    </a:p>
+                  </a:txBody>
+                  <a:tcPr marL="62978" marR="62978" marT="31489" marB="31489"/>
+                </a:tc>
+                <a:tc>
+                  <a:txBody>
+                    <a:bodyPr/>
+                    <a:lstStyle/>
+                    <a:p>
+                      <a:r>
+                        <a:rPr lang="en-US" sz="1200" dirty="0"/>
+                        <a:t>Final</a:t>
+                      </a:r>
+                    </a:p>
+                  </a:txBody>
+                  <a:tcPr marL="62978" marR="62978" marT="31489" marB="31489"/>
+                </a:tc>
+                <a:tc>
+                  <a:txBody>
+                    <a:bodyPr/>
+                    <a:lstStyle/>
+                    <a:p>
+                      <a:r>
+                        <a:rPr lang="en-US" sz="1200" dirty="0"/>
+                        <a:t>Final</a:t>
+                      </a:r>
+                    </a:p>
+                  </a:txBody>
+                  <a:tcPr marL="62978" marR="62978" marT="31489" marB="31489"/>
+                </a:tc>
+                <a:tc>
+                  <a:txBody>
+                    <a:bodyPr/>
+                    <a:lstStyle/>
+                    <a:p>
+                      <a:r>
+                        <a:rPr lang="en-US" sz="1200" dirty="0"/>
+                        <a:t>85.0</a:t>
+                      </a:r>
+                    </a:p>
+                  </a:txBody>
+                  <a:tcPr marL="62978" marR="62978" marT="31489" marB="31489"/>
+                </a:tc>
+                <a:extLst>
+                  <a:ext uri="{0D108BD9-81ED-4DB2-BD59-A6C34878D82A}">
+                    <a16:rowId xmlns:a16="http://schemas.microsoft.com/office/drawing/2014/main" val="32470631"/>
+                  </a:ext>
+                </a:extLst>
+              </a:tr>
+            </a:tbl>
+          </a:graphicData>
+        </a:graphic>
+      </p:graphicFrame>
+      <p:sp>
+        <p:nvSpPr>
+          <p:cNvPr id="33" name="TextBox 32"/>
+          <p:cNvSpPr txBox="1"/>
+          <p:nvPr/>
+        </p:nvSpPr>
+        <p:spPr>
+          <a:xfrm>
+            <a:off x="7847095" y="3782462"/>
+            <a:ext cx="1327638" cy="369332"/>
+          </a:xfrm>
+          <a:prstGeom prst="rect">
+            <a:avLst/>
+          </a:prstGeom>
+          <a:noFill/>
+        </p:spPr>
+        <p:txBody>
+          <a:bodyPr wrap="square" rtlCol="0">
+            <a:spAutoFit/>
+          </a:bodyPr>
+          <a:lstStyle/>
+          <a:p>
+            <a:r>
+              <a:rPr lang="en-US" dirty="0"/>
+              <a:t>Grades</a:t>
+            </a:r>
+          </a:p>
+        </p:txBody>
+      </p:sp>
+      <p:graphicFrame>
+        <p:nvGraphicFramePr>
+          <p:cNvPr id="34" name="Table 33"/>
+          <p:cNvGraphicFramePr>
+            <a:graphicFrameLocks noGrp="1"/>
+          </p:cNvGraphicFramePr>
+          <p:nvPr>
+            <p:extLst>
+              <p:ext uri="{D42A27DB-BD31-4B8C-83A1-F6EECF244321}">
+                <p14:modId xmlns:p14="http://schemas.microsoft.com/office/powerpoint/2010/main" val="2556666321"/>
+              </p:ext>
+            </p:extLst>
+          </p:nvPr>
+        </p:nvGraphicFramePr>
+        <p:xfrm>
+          <a:off x="6237611" y="2869403"/>
+          <a:ext cx="4164330" cy="766755"/>
+        </p:xfrm>
+        <a:graphic>
+          <a:graphicData uri="http://schemas.openxmlformats.org/drawingml/2006/table">
+            <a:tbl>
+              <a:tblPr firstRow="1" bandRow="1">
+                <a:tableStyleId>{073A0DAA-6AF3-43AB-8588-CEC1D06C72B9}</a:tableStyleId>
+              </a:tblPr>
+              <a:tblGrid>
+                <a:gridCol w="832866">
+                  <a:extLst>
+                    <a:ext uri="{9D8B030D-6E8A-4147-A177-3AD203B41FA5}">
+                      <a16:colId xmlns:a16="http://schemas.microsoft.com/office/drawing/2014/main" val="4217561929"/>
+                    </a:ext>
+                  </a:extLst>
+                </a:gridCol>
+                <a:gridCol w="832866">
+                  <a:extLst>
+                    <a:ext uri="{9D8B030D-6E8A-4147-A177-3AD203B41FA5}">
+                      <a16:colId xmlns:a16="http://schemas.microsoft.com/office/drawing/2014/main" val="3891527895"/>
+                    </a:ext>
+                  </a:extLst>
+                </a:gridCol>
+                <a:gridCol w="832866">
+                  <a:extLst>
+                    <a:ext uri="{9D8B030D-6E8A-4147-A177-3AD203B41FA5}">
+                      <a16:colId xmlns:a16="http://schemas.microsoft.com/office/drawing/2014/main" val="3934431473"/>
+                    </a:ext>
+                  </a:extLst>
+                </a:gridCol>
+                <a:gridCol w="832866">
+                  <a:extLst>
+                    <a:ext uri="{9D8B030D-6E8A-4147-A177-3AD203B41FA5}">
+                      <a16:colId xmlns:a16="http://schemas.microsoft.com/office/drawing/2014/main" val="728184910"/>
+                    </a:ext>
+                  </a:extLst>
+                </a:gridCol>
+                <a:gridCol w="832866">
+                  <a:extLst>
+                    <a:ext uri="{9D8B030D-6E8A-4147-A177-3AD203B41FA5}">
+                      <a16:colId xmlns:a16="http://schemas.microsoft.com/office/drawing/2014/main" val="3593931762"/>
+                    </a:ext>
+                  </a:extLst>
+                </a:gridCol>
+              </a:tblGrid>
+              <a:tr h="253393">
+                <a:tc>
+                  <a:txBody>
+                    <a:bodyPr/>
+                    <a:lstStyle/>
+                    <a:p>
+                      <a:r>
+                        <a:rPr lang="en-US" sz="1200" i="1" dirty="0" err="1"/>
+                        <a:t>class_id</a:t>
+                      </a:r>
+                      <a:endParaRPr lang="en-US" sz="1200" i="1" dirty="0"/>
+                    </a:p>
+                  </a:txBody>
+                  <a:tcPr marL="62978" marR="62978" marT="31489" marB="31489"/>
+                </a:tc>
+                <a:tc>
+                  <a:txBody>
+                    <a:bodyPr/>
+                    <a:lstStyle/>
+                    <a:p>
+                      <a:r>
+                        <a:rPr lang="en-US" sz="1200" i="1" dirty="0"/>
+                        <a:t>exam</a:t>
+                      </a:r>
+                    </a:p>
+                  </a:txBody>
+                  <a:tcPr marL="62978" marR="62978" marT="31489" marB="31489"/>
+                </a:tc>
+                <a:tc>
+                  <a:txBody>
+                    <a:bodyPr/>
+                    <a:lstStyle/>
+                    <a:p>
+                      <a:r>
+                        <a:rPr lang="en-US" sz="1200" i="1" dirty="0"/>
+                        <a:t>quiz</a:t>
+                      </a:r>
+                    </a:p>
+                  </a:txBody>
+                  <a:tcPr marL="62978" marR="62978" marT="31489" marB="31489"/>
+                </a:tc>
+                <a:tc>
+                  <a:txBody>
+                    <a:bodyPr/>
+                    <a:lstStyle/>
+                    <a:p>
+                      <a:r>
+                        <a:rPr lang="en-US" sz="1200" i="1" dirty="0" err="1"/>
+                        <a:t>hw</a:t>
+                      </a:r>
+                      <a:endParaRPr lang="en-US" sz="1200" i="1" dirty="0"/>
+                    </a:p>
+                  </a:txBody>
+                  <a:tcPr marL="62978" marR="62978" marT="31489" marB="31489"/>
+                </a:tc>
+                <a:tc>
+                  <a:txBody>
+                    <a:bodyPr/>
+                    <a:lstStyle/>
+                    <a:p>
+                      <a:r>
+                        <a:rPr lang="en-US" sz="1200" i="1" dirty="0"/>
+                        <a:t>final</a:t>
+                      </a:r>
+                    </a:p>
+                  </a:txBody>
+                  <a:tcPr marL="62978" marR="62978" marT="31489" marB="31489"/>
+                </a:tc>
+                <a:extLst>
+                  <a:ext uri="{0D108BD9-81ED-4DB2-BD59-A6C34878D82A}">
+                    <a16:rowId xmlns:a16="http://schemas.microsoft.com/office/drawing/2014/main" val="1974966055"/>
+                  </a:ext>
+                </a:extLst>
+              </a:tr>
+              <a:tr h="255411">
+                <a:tc>
+                  <a:txBody>
+                    <a:bodyPr/>
+                    <a:lstStyle/>
+                    <a:p>
+                      <a:r>
+                        <a:rPr lang="en-US" sz="1200" dirty="0"/>
+                        <a:t>1</a:t>
+                      </a:r>
+                    </a:p>
+                  </a:txBody>
+                  <a:tcPr marL="62978" marR="62978" marT="31489" marB="31489"/>
+                </a:tc>
+                <a:tc>
+                  <a:txBody>
+                    <a:bodyPr/>
+                    <a:lstStyle/>
+                    <a:p>
+                      <a:r>
+                        <a:rPr lang="en-US" sz="1200" dirty="0"/>
+                        <a:t>20</a:t>
+                      </a:r>
+                    </a:p>
+                  </a:txBody>
+                  <a:tcPr marL="62978" marR="62978" marT="31489" marB="31489"/>
+                </a:tc>
+                <a:tc>
+                  <a:txBody>
+                    <a:bodyPr/>
+                    <a:lstStyle/>
+                    <a:p>
+                      <a:r>
+                        <a:rPr lang="en-US" sz="1200" dirty="0"/>
+                        <a:t>40</a:t>
+                      </a:r>
+                    </a:p>
+                  </a:txBody>
+                  <a:tcPr marL="62978" marR="62978" marT="31489" marB="31489"/>
+                </a:tc>
+                <a:tc>
+                  <a:txBody>
+                    <a:bodyPr/>
+                    <a:lstStyle/>
+                    <a:p>
+                      <a:r>
+                        <a:rPr lang="en-US" sz="1200" dirty="0"/>
+                        <a:t>20</a:t>
+                      </a:r>
+                    </a:p>
+                  </a:txBody>
+                  <a:tcPr marL="62978" marR="62978" marT="31489" marB="31489"/>
+                </a:tc>
+                <a:tc>
+                  <a:txBody>
+                    <a:bodyPr/>
+                    <a:lstStyle/>
+                    <a:p>
+                      <a:r>
+                        <a:rPr lang="en-US" sz="1200" dirty="0"/>
+                        <a:t>20</a:t>
+                      </a:r>
+                    </a:p>
+                  </a:txBody>
+                  <a:tcPr marL="62978" marR="62978" marT="31489" marB="31489"/>
+                </a:tc>
+                <a:extLst>
+                  <a:ext uri="{0D108BD9-81ED-4DB2-BD59-A6C34878D82A}">
+                    <a16:rowId xmlns:a16="http://schemas.microsoft.com/office/drawing/2014/main" val="2459811622"/>
+                  </a:ext>
+                </a:extLst>
+              </a:tr>
+              <a:tr h="257951">
+                <a:tc>
+                  <a:txBody>
+                    <a:bodyPr/>
+                    <a:lstStyle/>
+                    <a:p>
+                      <a:r>
+                        <a:rPr lang="en-US" sz="1200" dirty="0"/>
+                        <a:t>2</a:t>
+                      </a:r>
+                    </a:p>
+                  </a:txBody>
+                  <a:tcPr marL="62978" marR="62978" marT="31489" marB="31489"/>
+                </a:tc>
+                <a:tc>
+                  <a:txBody>
+                    <a:bodyPr/>
+                    <a:lstStyle/>
+                    <a:p>
+                      <a:r>
+                        <a:rPr lang="en-US" sz="1200" dirty="0"/>
+                        <a:t>30</a:t>
+                      </a:r>
+                    </a:p>
+                  </a:txBody>
+                  <a:tcPr marL="62978" marR="62978" marT="31489" marB="31489"/>
+                </a:tc>
+                <a:tc>
+                  <a:txBody>
+                    <a:bodyPr/>
+                    <a:lstStyle/>
+                    <a:p>
+                      <a:r>
+                        <a:rPr lang="en-US" sz="1200" dirty="0"/>
+                        <a:t>10</a:t>
+                      </a:r>
+                    </a:p>
+                  </a:txBody>
+                  <a:tcPr marL="62978" marR="62978" marT="31489" marB="31489"/>
+                </a:tc>
+                <a:tc>
+                  <a:txBody>
+                    <a:bodyPr/>
+                    <a:lstStyle/>
+                    <a:p>
+                      <a:r>
+                        <a:rPr lang="en-US" sz="1200" dirty="0"/>
+                        <a:t>40</a:t>
+                      </a:r>
+                    </a:p>
+                  </a:txBody>
+                  <a:tcPr marL="62978" marR="62978" marT="31489" marB="31489"/>
+                </a:tc>
+                <a:tc>
+                  <a:txBody>
+                    <a:bodyPr/>
+                    <a:lstStyle/>
+                    <a:p>
+                      <a:r>
+                        <a:rPr lang="en-US" sz="1200" dirty="0"/>
+                        <a:t>20</a:t>
+                      </a:r>
+                    </a:p>
+                  </a:txBody>
+                  <a:tcPr marL="62978" marR="62978" marT="31489" marB="31489"/>
+                </a:tc>
+                <a:extLst>
+                  <a:ext uri="{0D108BD9-81ED-4DB2-BD59-A6C34878D82A}">
+                    <a16:rowId xmlns:a16="http://schemas.microsoft.com/office/drawing/2014/main" val="1013969529"/>
+                  </a:ext>
+                </a:extLst>
+              </a:tr>
+            </a:tbl>
+          </a:graphicData>
+        </a:graphic>
+      </p:graphicFrame>
+      <p:sp>
+        <p:nvSpPr>
+          <p:cNvPr id="35" name="TextBox 34"/>
+          <p:cNvSpPr txBox="1"/>
+          <p:nvPr/>
+        </p:nvSpPr>
+        <p:spPr>
+          <a:xfrm>
+            <a:off x="7847095" y="2519351"/>
+            <a:ext cx="1327638" cy="369332"/>
+          </a:xfrm>
+          <a:prstGeom prst="rect">
+            <a:avLst/>
+          </a:prstGeom>
+          <a:noFill/>
+        </p:spPr>
+        <p:txBody>
+          <a:bodyPr wrap="square" rtlCol="0">
+            <a:spAutoFit/>
+          </a:bodyPr>
+          <a:lstStyle/>
+          <a:p>
+            <a:r>
+              <a:rPr lang="en-US" dirty="0"/>
+              <a:t>Weights</a:t>
+            </a:r>
+          </a:p>
+        </p:txBody>
+      </p:sp>
+      <p:cxnSp>
+        <p:nvCxnSpPr>
+          <p:cNvPr id="31" name="Elbow Connector 30"/>
+          <p:cNvCxnSpPr>
+            <a:endCxn id="34" idx="1"/>
+          </p:cNvCxnSpPr>
+          <p:nvPr/>
+        </p:nvCxnSpPr>
+        <p:spPr>
+          <a:xfrm flipV="1">
+            <a:off x="3666400" y="3252780"/>
+            <a:ext cx="2571211" cy="1134582"/>
+          </a:xfrm>
+          <a:prstGeom prst="bentConnector3">
+            <a:avLst/>
+          </a:prstGeom>
+          <a:ln>
+            <a:tailEnd type="triangle"/>
+          </a:ln>
+        </p:spPr>
+        <p:style>
+          <a:lnRef idx="1">
+            <a:schemeClr val="dk1"/>
+          </a:lnRef>
+          <a:fillRef idx="0">
+            <a:schemeClr val="dk1"/>
+          </a:fillRef>
+          <a:effectRef idx="0">
+            <a:schemeClr val="dk1"/>
+          </a:effectRef>
+          <a:fontRef idx="minor">
+            <a:schemeClr val="tx1"/>
+          </a:fontRef>
+        </p:style>
+      </p:cxnSp>
+      <p:sp>
+        <p:nvSpPr>
+          <p:cNvPr id="36" name="Right Brace 35"/>
+          <p:cNvSpPr/>
+          <p:nvPr/>
+        </p:nvSpPr>
+        <p:spPr>
+          <a:xfrm>
+            <a:off x="3666399" y="4505962"/>
+            <a:ext cx="290146" cy="1347114"/>
+          </a:xfrm>
+          <a:prstGeom prst="rightBrace">
+            <a:avLst/>
+          </a:prstGeom>
+        </p:spPr>
+        <p:style>
+          <a:lnRef idx="1">
+            <a:schemeClr val="dk1"/>
+          </a:lnRef>
+          <a:fillRef idx="0">
+            <a:schemeClr val="dk1"/>
+          </a:fillRef>
+          <a:effectRef idx="0">
+            <a:schemeClr val="dk1"/>
+          </a:effectRef>
+          <a:fontRef idx="minor">
+            <a:schemeClr val="tx1"/>
+          </a:fontRef>
+        </p:style>
+        <p:txBody>
+          <a:bodyPr rtlCol="0" anchor="ctr"/>
+          <a:lstStyle/>
+          <a:p>
+            <a:pPr algn="ctr"/>
+            <a:endParaRPr lang="en-US"/>
+          </a:p>
+        </p:txBody>
+      </p:sp>
+      <p:cxnSp>
+        <p:nvCxnSpPr>
+          <p:cNvPr id="38" name="Elbow Connector 37"/>
+          <p:cNvCxnSpPr/>
+          <p:nvPr/>
+        </p:nvCxnSpPr>
+        <p:spPr>
+          <a:xfrm rot="10800000" flipH="1">
+            <a:off x="3956545" y="5014209"/>
+            <a:ext cx="2281066" cy="174102"/>
+          </a:xfrm>
+          <a:prstGeom prst="bentConnector5">
+            <a:avLst>
+              <a:gd name="adj1" fmla="val 29294"/>
+              <a:gd name="adj2" fmla="val 8118"/>
+              <a:gd name="adj3" fmla="val 29572"/>
+            </a:avLst>
+          </a:prstGeom>
+          <a:ln>
+            <a:tailEnd type="triangle"/>
+          </a:ln>
+        </p:spPr>
+        <p:style>
+          <a:lnRef idx="1">
+            <a:schemeClr val="dk1"/>
+          </a:lnRef>
+          <a:fillRef idx="0">
+            <a:schemeClr val="dk1"/>
+          </a:fillRef>
+          <a:effectRef idx="0">
+            <a:schemeClr val="dk1"/>
+          </a:effectRef>
+          <a:fontRef idx="minor">
+            <a:schemeClr val="tx1"/>
+          </a:fontRef>
+        </p:style>
+      </p:cxnSp>
+    </p:spTree>
+    <p:extLst>
+      <p:ext uri="{BB962C8B-B14F-4D97-AF65-F5344CB8AC3E}">
+        <p14:creationId xmlns:p14="http://schemas.microsoft.com/office/powerpoint/2010/main" val="488497722"/>
+      </p:ext>
+    </p:extLst>
+  </p:cSld>
+  <p:clrMapOvr>
+    <a:masterClrMapping/>
+  </p:clrMapOvr>
+  <p:timing>
+    <p:tnLst>
+      <p:par>
+        <p:cTn id="1" dur="indefinite" restart="never" nodeType="tmRoot">
+          <p:childTnLst>
+            <p:seq concurrent="1" nextAc="seek">
+              <p:cTn id="2" dur="indefinite" nodeType="mainSeq">
+                <p:childTnLst>
+                  <p:par>
+                    <p:cTn id="3" fill="hold">
+                      <p:stCondLst>
+                        <p:cond delay="indefinite"/>
+                      </p:stCondLst>
+                      <p:childTnLst>
+                        <p:par>
+                          <p:cTn id="4" fill="hold">
+                            <p:stCondLst>
+                              <p:cond delay="0"/>
+                            </p:stCondLst>
+                            <p:childTnLst>
+                              <p:par>
+                                <p:cTn id="5" presetID="10" presetClass="entr" presetSubtype="0" fill="hold" nodeType="clickEffect">
+                                  <p:stCondLst>
+                                    <p:cond delay="0"/>
+                                  </p:stCondLst>
+                                  <p:childTnLst>
+                                    <p:set>
+                                      <p:cBhvr>
+                                        <p:cTn id="6" dur="1" fill="hold">
+                                          <p:stCondLst>
+                                            <p:cond delay="0"/>
+                                          </p:stCondLst>
+                                        </p:cTn>
+                                        <p:tgtEl>
+                                          <p:spTgt spid="23"/>
+                                        </p:tgtEl>
+                                        <p:attrNameLst>
+                                          <p:attrName>style.visibility</p:attrName>
+                                        </p:attrNameLst>
+                                      </p:cBhvr>
+                                      <p:to>
+                                        <p:strVal val="visible"/>
+                                      </p:to>
+                                    </p:set>
+                                    <p:animEffect transition="in" filter="fade">
+                                      <p:cBhvr>
+                                        <p:cTn id="7" dur="500"/>
+                                        <p:tgtEl>
+                                          <p:spTgt spid="23"/>
+                                        </p:tgtEl>
+                                      </p:cBhvr>
+                                    </p:animEffect>
+                                  </p:childTnLst>
+                                </p:cTn>
+                              </p:par>
+                              <p:par>
+                                <p:cTn id="8" presetID="10" presetClass="entr" presetSubtype="0" fill="hold" nodeType="withEffect">
+                                  <p:stCondLst>
+                                    <p:cond delay="0"/>
+                                  </p:stCondLst>
+                                  <p:childTnLst>
+                                    <p:set>
+                                      <p:cBhvr>
+                                        <p:cTn id="9" dur="1" fill="hold">
+                                          <p:stCondLst>
+                                            <p:cond delay="0"/>
+                                          </p:stCondLst>
+                                        </p:cTn>
+                                        <p:tgtEl>
+                                          <p:spTgt spid="2"/>
+                                        </p:tgtEl>
+                                        <p:attrNameLst>
+                                          <p:attrName>style.visibility</p:attrName>
+                                        </p:attrNameLst>
+                                      </p:cBhvr>
+                                      <p:to>
+                                        <p:strVal val="visible"/>
+                                      </p:to>
+                                    </p:set>
+                                    <p:animEffect transition="in" filter="fade">
+                                      <p:cBhvr>
+                                        <p:cTn id="10" dur="500"/>
+                                        <p:tgtEl>
+                                          <p:spTgt spid="2"/>
+                                        </p:tgtEl>
+                                      </p:cBhvr>
+                                    </p:animEffect>
+                                  </p:childTnLst>
+                                </p:cTn>
+                              </p:par>
+                              <p:par>
+                                <p:cTn id="11" presetID="10" presetClass="entr" presetSubtype="0" fill="hold" grpId="0" nodeType="withEffect">
+                                  <p:stCondLst>
+                                    <p:cond delay="0"/>
+                                  </p:stCondLst>
+                                  <p:childTnLst>
+                                    <p:set>
+                                      <p:cBhvr>
+                                        <p:cTn id="12" dur="1" fill="hold">
+                                          <p:stCondLst>
+                                            <p:cond delay="0"/>
+                                          </p:stCondLst>
+                                        </p:cTn>
+                                        <p:tgtEl>
+                                          <p:spTgt spid="19"/>
+                                        </p:tgtEl>
+                                        <p:attrNameLst>
+                                          <p:attrName>style.visibility</p:attrName>
+                                        </p:attrNameLst>
+                                      </p:cBhvr>
+                                      <p:to>
+                                        <p:strVal val="visible"/>
+                                      </p:to>
+                                    </p:set>
+                                    <p:animEffect transition="in" filter="fade">
+                                      <p:cBhvr>
+                                        <p:cTn id="13" dur="500"/>
+                                        <p:tgtEl>
+                                          <p:spTgt spid="19"/>
+                                        </p:tgtEl>
+                                      </p:cBhvr>
+                                    </p:animEffect>
+                                  </p:childTnLst>
+                                </p:cTn>
+                              </p:par>
+                            </p:childTnLst>
+                          </p:cTn>
+                        </p:par>
+                      </p:childTnLst>
+                    </p:cTn>
+                  </p:par>
+                  <p:par>
+                    <p:cTn id="14" fill="hold">
+                      <p:stCondLst>
+                        <p:cond delay="indefinite"/>
+                      </p:stCondLst>
+                      <p:childTnLst>
+                        <p:par>
+                          <p:cTn id="15" fill="hold">
+                            <p:stCondLst>
+                              <p:cond delay="0"/>
+                            </p:stCondLst>
+                            <p:childTnLst>
+                              <p:par>
+                                <p:cTn id="16" presetID="10" presetClass="entr" presetSubtype="0" fill="hold" grpId="0" nodeType="clickEffect">
+                                  <p:stCondLst>
+                                    <p:cond delay="0"/>
+                                  </p:stCondLst>
+                                  <p:childTnLst>
+                                    <p:set>
+                                      <p:cBhvr>
+                                        <p:cTn id="17" dur="1" fill="hold">
+                                          <p:stCondLst>
+                                            <p:cond delay="0"/>
+                                          </p:stCondLst>
+                                        </p:cTn>
+                                        <p:tgtEl>
+                                          <p:spTgt spid="26"/>
+                                        </p:tgtEl>
+                                        <p:attrNameLst>
+                                          <p:attrName>style.visibility</p:attrName>
+                                        </p:attrNameLst>
+                                      </p:cBhvr>
+                                      <p:to>
+                                        <p:strVal val="visible"/>
+                                      </p:to>
+                                    </p:set>
+                                    <p:animEffect transition="in" filter="fade">
+                                      <p:cBhvr>
+                                        <p:cTn id="18" dur="500"/>
+                                        <p:tgtEl>
+                                          <p:spTgt spid="26"/>
+                                        </p:tgtEl>
+                                      </p:cBhvr>
+                                    </p:animEffect>
+                                  </p:childTnLst>
+                                </p:cTn>
+                              </p:par>
+                              <p:par>
+                                <p:cTn id="19" presetID="10" presetClass="entr" presetSubtype="0" fill="hold" nodeType="withEffect">
+                                  <p:stCondLst>
+                                    <p:cond delay="0"/>
+                                  </p:stCondLst>
+                                  <p:childTnLst>
+                                    <p:set>
+                                      <p:cBhvr>
+                                        <p:cTn id="20" dur="1" fill="hold">
+                                          <p:stCondLst>
+                                            <p:cond delay="0"/>
+                                          </p:stCondLst>
+                                        </p:cTn>
+                                        <p:tgtEl>
+                                          <p:spTgt spid="28"/>
+                                        </p:tgtEl>
+                                        <p:attrNameLst>
+                                          <p:attrName>style.visibility</p:attrName>
+                                        </p:attrNameLst>
+                                      </p:cBhvr>
+                                      <p:to>
+                                        <p:strVal val="visible"/>
+                                      </p:to>
+                                    </p:set>
+                                    <p:animEffect transition="in" filter="fade">
+                                      <p:cBhvr>
+                                        <p:cTn id="21" dur="500"/>
+                                        <p:tgtEl>
+                                          <p:spTgt spid="28"/>
+                                        </p:tgtEl>
+                                      </p:cBhvr>
+                                    </p:animEffect>
+                                  </p:childTnLst>
+                                </p:cTn>
+                              </p:par>
+                              <p:par>
+                                <p:cTn id="22" presetID="10" presetClass="entr" presetSubtype="0" fill="hold" nodeType="withEffect">
+                                  <p:stCondLst>
+                                    <p:cond delay="0"/>
+                                  </p:stCondLst>
+                                  <p:childTnLst>
+                                    <p:set>
+                                      <p:cBhvr>
+                                        <p:cTn id="23" dur="1" fill="hold">
+                                          <p:stCondLst>
+                                            <p:cond delay="0"/>
+                                          </p:stCondLst>
+                                        </p:cTn>
+                                        <p:tgtEl>
+                                          <p:spTgt spid="21"/>
+                                        </p:tgtEl>
+                                        <p:attrNameLst>
+                                          <p:attrName>style.visibility</p:attrName>
+                                        </p:attrNameLst>
+                                      </p:cBhvr>
+                                      <p:to>
+                                        <p:strVal val="visible"/>
+                                      </p:to>
+                                    </p:set>
+                                    <p:animEffect transition="in" filter="fade">
+                                      <p:cBhvr>
+                                        <p:cTn id="24" dur="500"/>
+                                        <p:tgtEl>
+                                          <p:spTgt spid="21"/>
+                                        </p:tgtEl>
+                                      </p:cBhvr>
+                                    </p:animEffect>
+                                  </p:childTnLst>
+                                </p:cTn>
+                              </p:par>
+                              <p:par>
+                                <p:cTn id="25" presetID="10" presetClass="entr" presetSubtype="0" fill="hold" grpId="0" nodeType="withEffect">
+                                  <p:stCondLst>
+                                    <p:cond delay="0"/>
+                                  </p:stCondLst>
+                                  <p:childTnLst>
+                                    <p:set>
+                                      <p:cBhvr>
+                                        <p:cTn id="26" dur="1" fill="hold">
+                                          <p:stCondLst>
+                                            <p:cond delay="0"/>
+                                          </p:stCondLst>
+                                        </p:cTn>
+                                        <p:tgtEl>
+                                          <p:spTgt spid="24"/>
+                                        </p:tgtEl>
+                                        <p:attrNameLst>
+                                          <p:attrName>style.visibility</p:attrName>
+                                        </p:attrNameLst>
+                                      </p:cBhvr>
+                                      <p:to>
+                                        <p:strVal val="visible"/>
+                                      </p:to>
+                                    </p:set>
+                                    <p:animEffect transition="in" filter="fade">
+                                      <p:cBhvr>
+                                        <p:cTn id="27" dur="500"/>
+                                        <p:tgtEl>
+                                          <p:spTgt spid="24"/>
+                                        </p:tgtEl>
+                                      </p:cBhvr>
+                                    </p:animEffect>
+                                  </p:childTnLst>
+                                </p:cTn>
+                              </p:par>
+                            </p:childTnLst>
+                          </p:cTn>
+                        </p:par>
+                      </p:childTnLst>
+                    </p:cTn>
+                  </p:par>
+                  <p:par>
+                    <p:cTn id="28" fill="hold">
+                      <p:stCondLst>
+                        <p:cond delay="indefinite"/>
+                      </p:stCondLst>
+                      <p:childTnLst>
+                        <p:par>
+                          <p:cTn id="29" fill="hold">
+                            <p:stCondLst>
+                              <p:cond delay="0"/>
+                            </p:stCondLst>
+                            <p:childTnLst>
+                              <p:par>
+                                <p:cTn id="30" presetID="10" presetClass="entr" presetSubtype="0" fill="hold" nodeType="clickEffect">
+                                  <p:stCondLst>
+                                    <p:cond delay="0"/>
+                                  </p:stCondLst>
+                                  <p:childTnLst>
+                                    <p:set>
+                                      <p:cBhvr>
+                                        <p:cTn id="31" dur="1" fill="hold">
+                                          <p:stCondLst>
+                                            <p:cond delay="0"/>
+                                          </p:stCondLst>
+                                        </p:cTn>
+                                        <p:tgtEl>
+                                          <p:spTgt spid="6"/>
+                                        </p:tgtEl>
+                                        <p:attrNameLst>
+                                          <p:attrName>style.visibility</p:attrName>
+                                        </p:attrNameLst>
+                                      </p:cBhvr>
+                                      <p:to>
+                                        <p:strVal val="visible"/>
+                                      </p:to>
+                                    </p:set>
+                                    <p:animEffect transition="in" filter="fade">
+                                      <p:cBhvr>
+                                        <p:cTn id="32" dur="500"/>
+                                        <p:tgtEl>
+                                          <p:spTgt spid="6"/>
+                                        </p:tgtEl>
+                                      </p:cBhvr>
+                                    </p:animEffect>
+                                  </p:childTnLst>
+                                </p:cTn>
+                              </p:par>
+                              <p:par>
+                                <p:cTn id="33" presetID="10" presetClass="entr" presetSubtype="0" fill="hold" grpId="0" nodeType="withEffect">
+                                  <p:stCondLst>
+                                    <p:cond delay="0"/>
+                                  </p:stCondLst>
+                                  <p:childTnLst>
+                                    <p:set>
+                                      <p:cBhvr>
+                                        <p:cTn id="34" dur="1" fill="hold">
+                                          <p:stCondLst>
+                                            <p:cond delay="0"/>
+                                          </p:stCondLst>
+                                        </p:cTn>
+                                        <p:tgtEl>
+                                          <p:spTgt spid="12"/>
+                                        </p:tgtEl>
+                                        <p:attrNameLst>
+                                          <p:attrName>style.visibility</p:attrName>
+                                        </p:attrNameLst>
+                                      </p:cBhvr>
+                                      <p:to>
+                                        <p:strVal val="visible"/>
+                                      </p:to>
+                                    </p:set>
+                                    <p:animEffect transition="in" filter="fade">
+                                      <p:cBhvr>
+                                        <p:cTn id="35" dur="500"/>
+                                        <p:tgtEl>
+                                          <p:spTgt spid="12"/>
+                                        </p:tgtEl>
+                                      </p:cBhvr>
+                                    </p:animEffect>
+                                  </p:childTnLst>
+                                </p:cTn>
+                              </p:par>
+                              <p:par>
+                                <p:cTn id="36" presetID="10" presetClass="entr" presetSubtype="0" fill="hold" nodeType="withEffect">
+                                  <p:stCondLst>
+                                    <p:cond delay="0"/>
+                                  </p:stCondLst>
+                                  <p:childTnLst>
+                                    <p:set>
+                                      <p:cBhvr>
+                                        <p:cTn id="37" dur="1" fill="hold">
+                                          <p:stCondLst>
+                                            <p:cond delay="0"/>
+                                          </p:stCondLst>
+                                        </p:cTn>
+                                        <p:tgtEl>
+                                          <p:spTgt spid="10"/>
+                                        </p:tgtEl>
+                                        <p:attrNameLst>
+                                          <p:attrName>style.visibility</p:attrName>
+                                        </p:attrNameLst>
+                                      </p:cBhvr>
+                                      <p:to>
+                                        <p:strVal val="visible"/>
+                                      </p:to>
+                                    </p:set>
+                                    <p:animEffect transition="in" filter="fade">
+                                      <p:cBhvr>
+                                        <p:cTn id="38" dur="500"/>
+                                        <p:tgtEl>
+                                          <p:spTgt spid="10"/>
+                                        </p:tgtEl>
+                                      </p:cBhvr>
+                                    </p:animEffect>
+                                  </p:childTnLst>
+                                </p:cTn>
+                              </p:par>
+                              <p:par>
+                                <p:cTn id="39" presetID="10" presetClass="entr" presetSubtype="0" fill="hold" nodeType="withEffect">
+                                  <p:stCondLst>
+                                    <p:cond delay="0"/>
+                                  </p:stCondLst>
+                                  <p:childTnLst>
+                                    <p:set>
+                                      <p:cBhvr>
+                                        <p:cTn id="40" dur="1" fill="hold">
+                                          <p:stCondLst>
+                                            <p:cond delay="0"/>
+                                          </p:stCondLst>
+                                        </p:cTn>
+                                        <p:tgtEl>
+                                          <p:spTgt spid="8"/>
+                                        </p:tgtEl>
+                                        <p:attrNameLst>
+                                          <p:attrName>style.visibility</p:attrName>
+                                        </p:attrNameLst>
+                                      </p:cBhvr>
+                                      <p:to>
+                                        <p:strVal val="visible"/>
+                                      </p:to>
+                                    </p:set>
+                                    <p:animEffect transition="in" filter="fade">
+                                      <p:cBhvr>
+                                        <p:cTn id="41" dur="500"/>
+                                        <p:tgtEl>
+                                          <p:spTgt spid="8"/>
+                                        </p:tgtEl>
+                                      </p:cBhvr>
+                                    </p:animEffect>
+                                  </p:childTnLst>
+                                </p:cTn>
+                              </p:par>
+                              <p:par>
+                                <p:cTn id="42" presetID="10" presetClass="entr" presetSubtype="0" fill="hold" nodeType="withEffect">
+                                  <p:stCondLst>
+                                    <p:cond delay="0"/>
+                                  </p:stCondLst>
+                                  <p:childTnLst>
+                                    <p:set>
+                                      <p:cBhvr>
+                                        <p:cTn id="43" dur="1" fill="hold">
+                                          <p:stCondLst>
+                                            <p:cond delay="0"/>
+                                          </p:stCondLst>
+                                        </p:cTn>
+                                        <p:tgtEl>
+                                          <p:spTgt spid="1028"/>
+                                        </p:tgtEl>
+                                        <p:attrNameLst>
+                                          <p:attrName>style.visibility</p:attrName>
+                                        </p:attrNameLst>
+                                      </p:cBhvr>
+                                      <p:to>
+                                        <p:strVal val="visible"/>
+                                      </p:to>
+                                    </p:set>
+                                    <p:animEffect transition="in" filter="fade">
+                                      <p:cBhvr>
+                                        <p:cTn id="44" dur="500"/>
+                                        <p:tgtEl>
+                                          <p:spTgt spid="1028"/>
+                                        </p:tgtEl>
+                                      </p:cBhvr>
+                                    </p:animEffect>
+                                  </p:childTnLst>
+                                </p:cTn>
+                              </p:par>
+                            </p:childTnLst>
+                          </p:cTn>
+                        </p:par>
+                      </p:childTnLst>
+                    </p:cTn>
+                  </p:par>
+                  <p:par>
+                    <p:cTn id="45" fill="hold">
+                      <p:stCondLst>
+                        <p:cond delay="indefinite"/>
+                      </p:stCondLst>
+                      <p:childTnLst>
+                        <p:par>
+                          <p:cTn id="46" fill="hold">
+                            <p:stCondLst>
+                              <p:cond delay="0"/>
+                            </p:stCondLst>
+                            <p:childTnLst>
+                              <p:par>
+                                <p:cTn id="47" presetID="10" presetClass="entr" presetSubtype="0" fill="hold" nodeType="clickEffect">
+                                  <p:stCondLst>
+                                    <p:cond delay="0"/>
+                                  </p:stCondLst>
+                                  <p:childTnLst>
+                                    <p:set>
+                                      <p:cBhvr>
+                                        <p:cTn id="48" dur="1" fill="hold">
+                                          <p:stCondLst>
+                                            <p:cond delay="0"/>
+                                          </p:stCondLst>
+                                        </p:cTn>
+                                        <p:tgtEl>
+                                          <p:spTgt spid="38"/>
+                                        </p:tgtEl>
+                                        <p:attrNameLst>
+                                          <p:attrName>style.visibility</p:attrName>
+                                        </p:attrNameLst>
+                                      </p:cBhvr>
+                                      <p:to>
+                                        <p:strVal val="visible"/>
+                                      </p:to>
+                                    </p:set>
+                                    <p:animEffect transition="in" filter="fade">
+                                      <p:cBhvr>
+                                        <p:cTn id="49" dur="500"/>
+                                        <p:tgtEl>
+                                          <p:spTgt spid="38"/>
+                                        </p:tgtEl>
+                                      </p:cBhvr>
+                                    </p:animEffect>
+                                  </p:childTnLst>
+                                </p:cTn>
+                              </p:par>
+                              <p:par>
+                                <p:cTn id="50" presetID="10" presetClass="entr" presetSubtype="0" fill="hold" grpId="0" nodeType="withEffect">
+                                  <p:stCondLst>
+                                    <p:cond delay="0"/>
+                                  </p:stCondLst>
+                                  <p:childTnLst>
+                                    <p:set>
+                                      <p:cBhvr>
+                                        <p:cTn id="51" dur="1" fill="hold">
+                                          <p:stCondLst>
+                                            <p:cond delay="0"/>
+                                          </p:stCondLst>
+                                        </p:cTn>
+                                        <p:tgtEl>
+                                          <p:spTgt spid="36"/>
+                                        </p:tgtEl>
+                                        <p:attrNameLst>
+                                          <p:attrName>style.visibility</p:attrName>
+                                        </p:attrNameLst>
+                                      </p:cBhvr>
+                                      <p:to>
+                                        <p:strVal val="visible"/>
+                                      </p:to>
+                                    </p:set>
+                                    <p:animEffect transition="in" filter="fade">
+                                      <p:cBhvr>
+                                        <p:cTn id="52" dur="500"/>
+                                        <p:tgtEl>
+                                          <p:spTgt spid="36"/>
+                                        </p:tgtEl>
+                                      </p:cBhvr>
+                                    </p:animEffect>
+                                  </p:childTnLst>
+                                </p:cTn>
+                              </p:par>
+                              <p:par>
+                                <p:cTn id="53" presetID="10" presetClass="entr" presetSubtype="0" fill="hold" nodeType="withEffect">
+                                  <p:stCondLst>
+                                    <p:cond delay="0"/>
+                                  </p:stCondLst>
+                                  <p:childTnLst>
+                                    <p:set>
+                                      <p:cBhvr>
+                                        <p:cTn id="54" dur="1" fill="hold">
+                                          <p:stCondLst>
+                                            <p:cond delay="0"/>
+                                          </p:stCondLst>
+                                        </p:cTn>
+                                        <p:tgtEl>
+                                          <p:spTgt spid="32"/>
+                                        </p:tgtEl>
+                                        <p:attrNameLst>
+                                          <p:attrName>style.visibility</p:attrName>
+                                        </p:attrNameLst>
+                                      </p:cBhvr>
+                                      <p:to>
+                                        <p:strVal val="visible"/>
+                                      </p:to>
+                                    </p:set>
+                                    <p:animEffect transition="in" filter="fade">
+                                      <p:cBhvr>
+                                        <p:cTn id="55" dur="500"/>
+                                        <p:tgtEl>
+                                          <p:spTgt spid="32"/>
+                                        </p:tgtEl>
+                                      </p:cBhvr>
+                                    </p:animEffect>
+                                  </p:childTnLst>
+                                </p:cTn>
+                              </p:par>
+                              <p:par>
+                                <p:cTn id="56" presetID="10" presetClass="entr" presetSubtype="0" fill="hold" grpId="0" nodeType="withEffect">
+                                  <p:stCondLst>
+                                    <p:cond delay="0"/>
+                                  </p:stCondLst>
+                                  <p:childTnLst>
+                                    <p:set>
+                                      <p:cBhvr>
+                                        <p:cTn id="57" dur="1" fill="hold">
+                                          <p:stCondLst>
+                                            <p:cond delay="0"/>
+                                          </p:stCondLst>
+                                        </p:cTn>
+                                        <p:tgtEl>
+                                          <p:spTgt spid="33"/>
+                                        </p:tgtEl>
+                                        <p:attrNameLst>
+                                          <p:attrName>style.visibility</p:attrName>
+                                        </p:attrNameLst>
+                                      </p:cBhvr>
+                                      <p:to>
+                                        <p:strVal val="visible"/>
+                                      </p:to>
+                                    </p:set>
+                                    <p:animEffect transition="in" filter="fade">
+                                      <p:cBhvr>
+                                        <p:cTn id="58" dur="500"/>
+                                        <p:tgtEl>
+                                          <p:spTgt spid="33"/>
+                                        </p:tgtEl>
+                                      </p:cBhvr>
+                                    </p:animEffect>
+                                  </p:childTnLst>
+                                </p:cTn>
+                              </p:par>
+                            </p:childTnLst>
+                          </p:cTn>
+                        </p:par>
+                      </p:childTnLst>
+                    </p:cTn>
+                  </p:par>
+                  <p:par>
+                    <p:cTn id="59" fill="hold">
+                      <p:stCondLst>
+                        <p:cond delay="indefinite"/>
+                      </p:stCondLst>
+                      <p:childTnLst>
+                        <p:par>
+                          <p:cTn id="60" fill="hold">
+                            <p:stCondLst>
+                              <p:cond delay="0"/>
+                            </p:stCondLst>
+                            <p:childTnLst>
+                              <p:par>
+                                <p:cTn id="61" presetID="10" presetClass="entr" presetSubtype="0" fill="hold" nodeType="clickEffect">
+                                  <p:stCondLst>
+                                    <p:cond delay="0"/>
+                                  </p:stCondLst>
+                                  <p:childTnLst>
+                                    <p:set>
+                                      <p:cBhvr>
+                                        <p:cTn id="62" dur="1" fill="hold">
+                                          <p:stCondLst>
+                                            <p:cond delay="0"/>
+                                          </p:stCondLst>
+                                        </p:cTn>
+                                        <p:tgtEl>
+                                          <p:spTgt spid="31"/>
+                                        </p:tgtEl>
+                                        <p:attrNameLst>
+                                          <p:attrName>style.visibility</p:attrName>
+                                        </p:attrNameLst>
+                                      </p:cBhvr>
+                                      <p:to>
+                                        <p:strVal val="visible"/>
+                                      </p:to>
+                                    </p:set>
+                                    <p:animEffect transition="in" filter="fade">
+                                      <p:cBhvr>
+                                        <p:cTn id="63" dur="500"/>
+                                        <p:tgtEl>
+                                          <p:spTgt spid="31"/>
+                                        </p:tgtEl>
+                                      </p:cBhvr>
+                                    </p:animEffect>
+                                  </p:childTnLst>
+                                </p:cTn>
+                              </p:par>
+                              <p:par>
+                                <p:cTn id="64" presetID="10" presetClass="entr" presetSubtype="0" fill="hold" nodeType="withEffect">
+                                  <p:stCondLst>
+                                    <p:cond delay="0"/>
+                                  </p:stCondLst>
+                                  <p:childTnLst>
+                                    <p:set>
+                                      <p:cBhvr>
+                                        <p:cTn id="65" dur="1" fill="hold">
+                                          <p:stCondLst>
+                                            <p:cond delay="0"/>
+                                          </p:stCondLst>
+                                        </p:cTn>
+                                        <p:tgtEl>
+                                          <p:spTgt spid="34"/>
+                                        </p:tgtEl>
+                                        <p:attrNameLst>
+                                          <p:attrName>style.visibility</p:attrName>
+                                        </p:attrNameLst>
+                                      </p:cBhvr>
+                                      <p:to>
+                                        <p:strVal val="visible"/>
+                                      </p:to>
+                                    </p:set>
+                                    <p:animEffect transition="in" filter="fade">
+                                      <p:cBhvr>
+                                        <p:cTn id="66" dur="500"/>
+                                        <p:tgtEl>
+                                          <p:spTgt spid="34"/>
+                                        </p:tgtEl>
+                                      </p:cBhvr>
+                                    </p:animEffect>
+                                  </p:childTnLst>
+                                </p:cTn>
+                              </p:par>
+                              <p:par>
+                                <p:cTn id="67" presetID="10" presetClass="entr" presetSubtype="0" fill="hold" grpId="0" nodeType="withEffect">
+                                  <p:stCondLst>
+                                    <p:cond delay="0"/>
+                                  </p:stCondLst>
+                                  <p:childTnLst>
+                                    <p:set>
+                                      <p:cBhvr>
+                                        <p:cTn id="68" dur="1" fill="hold">
+                                          <p:stCondLst>
+                                            <p:cond delay="0"/>
+                                          </p:stCondLst>
+                                        </p:cTn>
+                                        <p:tgtEl>
+                                          <p:spTgt spid="35"/>
+                                        </p:tgtEl>
+                                        <p:attrNameLst>
+                                          <p:attrName>style.visibility</p:attrName>
+                                        </p:attrNameLst>
+                                      </p:cBhvr>
+                                      <p:to>
+                                        <p:strVal val="visible"/>
+                                      </p:to>
+                                    </p:set>
+                                    <p:animEffect transition="in" filter="fade">
+                                      <p:cBhvr>
+                                        <p:cTn id="69" dur="500"/>
+                                        <p:tgtEl>
+                                          <p:spTgt spid="35"/>
+                                        </p:tgtEl>
+                                      </p:cBhvr>
+                                    </p:animEffect>
+                                  </p:childTnLst>
+                                </p:cTn>
+                              </p:par>
+                            </p:childTnLst>
+                          </p:cTn>
+                        </p:par>
+                      </p:childTnLst>
+                    </p:cTn>
+                  </p:par>
+                </p:childTnLst>
+              </p:cTn>
+              <p:prevCondLst>
+                <p:cond evt="onPrev" delay="0">
+                  <p:tgtEl>
+                    <p:sldTgt/>
+                  </p:tgtEl>
+                </p:cond>
+              </p:prevCondLst>
+              <p:nextCondLst>
+                <p:cond evt="onNext" delay="0">
+                  <p:tgtEl>
+                    <p:sldTgt/>
+                  </p:tgtEl>
+                </p:cond>
+              </p:nextCondLst>
+            </p:seq>
+          </p:childTnLst>
+        </p:cTn>
+      </p:par>
+    </p:tnLst>
+    <p:bldLst>
+      <p:bldP spid="12" grpId="0" animBg="1"/>
+      <p:bldP spid="19" grpId="0"/>
+      <p:bldP spid="24" grpId="0"/>
+      <p:bldP spid="26" grpId="0" animBg="1"/>
+      <p:bldP spid="33" grpId="0"/>
+      <p:bldP spid="35" grpId="0"/>
+      <p:bldP spid="36" grpId="0" animBg="1"/>
+    </p:bldLst>
+  </p:timing>
+</p:sld>
+</file>
+
+<file path=ppt/slides/slide6.xml><?xml version="1.0" encoding="utf-8"?>
+<p:sld xmlns:a="http://schemas.openxmlformats.org/drawingml/2006/main" xmlns:r="http://schemas.openxmlformats.org/officeDocument/2006/relationships" xmlns:p="http://schemas.openxmlformats.org/presentationml/2006/main">
+  <p:cSld>
+    <p:spTree>
+      <p:nvGrpSpPr>
+        <p:cNvPr id="1" name=""/>
+        <p:cNvGrpSpPr/>
+        <p:nvPr/>
+      </p:nvGrpSpPr>
+      <p:grpSpPr>
+        <a:xfrm>
+          <a:off x="0" y="0"/>
+          <a:ext cx="0" cy="0"/>
+          <a:chOff x="0" y="0"/>
+          <a:chExt cx="0" cy="0"/>
+        </a:xfrm>
+      </p:grpSpPr>
+      <p:sp>
+        <p:nvSpPr>
+          <p:cNvPr id="2" name="Title 1"/>
+          <p:cNvSpPr>
+            <a:spLocks noGrp="1"/>
+          </p:cNvSpPr>
+          <p:nvPr>
+            <p:ph type="title"/>
+          </p:nvPr>
+        </p:nvSpPr>
+        <p:spPr/>
+        <p:txBody>
+          <a:bodyPr/>
+          <a:lstStyle/>
+          <a:p>
+            <a:r>
+              <a:rPr lang="en-US" dirty="0"/>
+              <a:t>User </a:t>
+            </a:r>
+            <a:r>
+              <a:rPr lang="en-US" dirty="0" err="1"/>
+              <a:t>Inteface</a:t>
+            </a:r>
+            <a:endParaRPr lang="en-US" dirty="0"/>
+          </a:p>
+        </p:txBody>
+      </p:sp>
+      <p:sp>
+        <p:nvSpPr>
+          <p:cNvPr id="3" name="Text Placeholder 2"/>
+          <p:cNvSpPr>
+            <a:spLocks noGrp="1"/>
+          </p:cNvSpPr>
+          <p:nvPr>
+            <p:ph type="body" idx="1"/>
+          </p:nvPr>
+        </p:nvSpPr>
+        <p:spPr/>
+        <p:txBody>
+          <a:bodyPr/>
+          <a:lstStyle/>
+          <a:p>
+            <a:endParaRPr lang="en-US"/>
+          </a:p>
+        </p:txBody>
+      </p:sp>
+    </p:spTree>
+    <p:extLst>
+      <p:ext uri="{BB962C8B-B14F-4D97-AF65-F5344CB8AC3E}">
+        <p14:creationId xmlns:p14="http://schemas.microsoft.com/office/powerpoint/2010/main" val="879878902"/>
+      </p:ext>
+    </p:extLst>
+  </p:cSld>
+  <p:clrMapOvr>
+    <a:masterClrMapping/>
+  </p:clrMapOvr>
+</p:sld>
+</file>
+
+<file path=ppt/slides/slide7.xml><?xml version="1.0" encoding="utf-8"?>
+<p:sld xmlns:a="http://schemas.openxmlformats.org/drawingml/2006/main" xmlns:r="http://schemas.openxmlformats.org/officeDocument/2006/relationships" xmlns:p="http://schemas.openxmlformats.org/presentationml/2006/main">
+  <p:cSld>
+    <p:spTree>
+      <p:nvGrpSpPr>
+        <p:cNvPr id="1" name=""/>
+        <p:cNvGrpSpPr/>
+        <p:nvPr/>
+      </p:nvGrpSpPr>
+      <p:grpSpPr>
+        <a:xfrm>
+          <a:off x="0" y="0"/>
+          <a:ext cx="0" cy="0"/>
+          <a:chOff x="0" y="0"/>
+          <a:chExt cx="0" cy="0"/>
+        </a:xfrm>
+      </p:grpSpPr>
+      <p:sp>
+        <p:nvSpPr>
+          <p:cNvPr id="36" name="Rectangle 35"/>
+          <p:cNvSpPr/>
+          <p:nvPr/>
+        </p:nvSpPr>
+        <p:spPr>
+          <a:xfrm>
+            <a:off x="2991310" y="3304290"/>
+            <a:ext cx="2714898" cy="687415"/>
+          </a:xfrm>
+          <a:prstGeom prst="rect">
+            <a:avLst/>
+          </a:prstGeom>
+        </p:spPr>
+        <p:style>
+          <a:lnRef idx="1">
+            <a:schemeClr val="dk1"/>
+          </a:lnRef>
+          <a:fillRef idx="2">
+            <a:schemeClr val="dk1"/>
+          </a:fillRef>
+          <a:effectRef idx="1">
+            <a:schemeClr val="dk1"/>
+          </a:effectRef>
+          <a:fontRef idx="minor">
+            <a:schemeClr val="dk1"/>
+          </a:fontRef>
+        </p:style>
+        <p:txBody>
+          <a:bodyPr rtlCol="0" anchor="ctr"/>
+          <a:lstStyle/>
+          <a:p>
+            <a:pPr algn="ctr"/>
+            <a:endParaRPr lang="en-US"/>
+          </a:p>
+        </p:txBody>
+      </p:sp>
+      <p:sp>
+        <p:nvSpPr>
+          <p:cNvPr id="2" name="Title 1"/>
+          <p:cNvSpPr>
+            <a:spLocks noGrp="1"/>
+          </p:cNvSpPr>
+          <p:nvPr>
+            <p:ph type="title"/>
+          </p:nvPr>
+        </p:nvSpPr>
+        <p:spPr>
+          <a:xfrm>
+            <a:off x="440851" y="431739"/>
+            <a:ext cx="4094744" cy="685289"/>
+          </a:xfrm>
+        </p:spPr>
+        <p:txBody>
+          <a:bodyPr>
+            <a:normAutofit fontScale="90000"/>
+          </a:bodyPr>
+          <a:lstStyle/>
+          <a:p>
+            <a:r>
+              <a:rPr lang="en-US" dirty="0" err="1"/>
+              <a:t>MainActivity</a:t>
+            </a:r>
+            <a:endParaRPr lang="en-US" dirty="0"/>
+          </a:p>
+        </p:txBody>
+      </p:sp>
+      <p:pic>
+        <p:nvPicPr>
+          <p:cNvPr id="4" name="Picture 3"/>
+          <p:cNvPicPr>
+            <a:picLocks noChangeAspect="1"/>
+          </p:cNvPicPr>
+          <p:nvPr/>
+        </p:nvPicPr>
+        <p:blipFill>
+          <a:blip r:embed="rId2"/>
+          <a:stretch>
+            <a:fillRect/>
+          </a:stretch>
+        </p:blipFill>
+        <p:spPr>
+          <a:xfrm>
+            <a:off x="501162" y="1405142"/>
+            <a:ext cx="2400302" cy="4267203"/>
+          </a:xfrm>
+          <a:prstGeom prst="rect">
+            <a:avLst/>
+          </a:prstGeom>
+        </p:spPr>
+      </p:pic>
+      <p:pic>
+        <p:nvPicPr>
+          <p:cNvPr id="5" name="Picture 4"/>
+          <p:cNvPicPr>
+            <a:picLocks noChangeAspect="1"/>
+          </p:cNvPicPr>
+          <p:nvPr/>
+        </p:nvPicPr>
+        <p:blipFill>
+          <a:blip r:embed="rId3"/>
+          <a:stretch>
+            <a:fillRect/>
+          </a:stretch>
+        </p:blipFill>
+        <p:spPr>
+          <a:xfrm>
+            <a:off x="5783636" y="1369972"/>
+            <a:ext cx="2400302" cy="4267203"/>
+          </a:xfrm>
+          <a:prstGeom prst="rect">
+            <a:avLst/>
+          </a:prstGeom>
+        </p:spPr>
+      </p:pic>
+      <p:pic>
+        <p:nvPicPr>
+          <p:cNvPr id="6" name="Picture 5"/>
+          <p:cNvPicPr>
+            <a:picLocks noChangeAspect="1"/>
+          </p:cNvPicPr>
+          <p:nvPr/>
+        </p:nvPicPr>
+        <p:blipFill>
+          <a:blip r:embed="rId4"/>
+          <a:stretch>
+            <a:fillRect/>
+          </a:stretch>
+        </p:blipFill>
+        <p:spPr>
+          <a:xfrm>
+            <a:off x="10126170" y="928953"/>
+            <a:ext cx="1338997" cy="2380438"/>
+          </a:xfrm>
+          <a:prstGeom prst="rect">
+            <a:avLst/>
+          </a:prstGeom>
+        </p:spPr>
+      </p:pic>
+      <p:pic>
+        <p:nvPicPr>
+          <p:cNvPr id="7" name="Picture 6"/>
+          <p:cNvPicPr>
+            <a:picLocks noChangeAspect="1"/>
+          </p:cNvPicPr>
+          <p:nvPr/>
+        </p:nvPicPr>
+        <p:blipFill>
+          <a:blip r:embed="rId5"/>
+          <a:stretch>
+            <a:fillRect/>
+          </a:stretch>
+        </p:blipFill>
+        <p:spPr>
+          <a:xfrm>
+            <a:off x="10132583" y="3672578"/>
+            <a:ext cx="1332585" cy="2369040"/>
+          </a:xfrm>
+          <a:prstGeom prst="rect">
+            <a:avLst/>
+          </a:prstGeom>
+        </p:spPr>
+      </p:pic>
+      <p:sp>
+        <p:nvSpPr>
+          <p:cNvPr id="8" name="TextBox 7"/>
+          <p:cNvSpPr txBox="1"/>
+          <p:nvPr/>
+        </p:nvSpPr>
+        <p:spPr>
+          <a:xfrm>
+            <a:off x="5883271" y="5741309"/>
+            <a:ext cx="2300667" cy="307777"/>
+          </a:xfrm>
+          <a:prstGeom prst="rect">
+            <a:avLst/>
+          </a:prstGeom>
+          <a:noFill/>
+        </p:spPr>
+        <p:txBody>
+          <a:bodyPr wrap="square" rtlCol="0">
+            <a:spAutoFit/>
+          </a:bodyPr>
+          <a:lstStyle/>
+          <a:p>
+            <a:r>
+              <a:rPr lang="en-US" sz="1400" dirty="0"/>
+              <a:t>With options menu selected</a:t>
+            </a:r>
+          </a:p>
+        </p:txBody>
+      </p:sp>
+      <p:sp>
+        <p:nvSpPr>
+          <p:cNvPr id="9" name="TextBox 8"/>
+          <p:cNvSpPr txBox="1"/>
+          <p:nvPr/>
+        </p:nvSpPr>
+        <p:spPr>
+          <a:xfrm>
+            <a:off x="440851" y="5802923"/>
+            <a:ext cx="2400302" cy="307777"/>
+          </a:xfrm>
+          <a:prstGeom prst="rect">
+            <a:avLst/>
+          </a:prstGeom>
+          <a:noFill/>
+        </p:spPr>
+        <p:txBody>
+          <a:bodyPr wrap="square" rtlCol="0">
+            <a:spAutoFit/>
+          </a:bodyPr>
+          <a:lstStyle/>
+          <a:p>
+            <a:pPr algn="ctr"/>
+            <a:r>
+              <a:rPr lang="en-US" sz="1400" dirty="0"/>
+              <a:t>With drawer opened</a:t>
+            </a:r>
+          </a:p>
+        </p:txBody>
+      </p:sp>
+      <p:sp>
+        <p:nvSpPr>
+          <p:cNvPr id="10" name="TextBox 9"/>
+          <p:cNvSpPr txBox="1"/>
+          <p:nvPr/>
+        </p:nvSpPr>
+        <p:spPr>
+          <a:xfrm>
+            <a:off x="9614614" y="3309391"/>
+            <a:ext cx="2558105" cy="276999"/>
+          </a:xfrm>
+          <a:prstGeom prst="rect">
+            <a:avLst/>
+          </a:prstGeom>
+          <a:noFill/>
+        </p:spPr>
+        <p:txBody>
+          <a:bodyPr wrap="square" rtlCol="0">
+            <a:spAutoFit/>
+          </a:bodyPr>
+          <a:lstStyle/>
+          <a:p>
+            <a:pPr algn="ctr"/>
+            <a:r>
+              <a:rPr lang="en-US" sz="1200" dirty="0"/>
+              <a:t>FAB pressed, current semester</a:t>
+            </a:r>
+          </a:p>
+        </p:txBody>
+      </p:sp>
+      <p:sp>
+        <p:nvSpPr>
+          <p:cNvPr id="11" name="TextBox 10"/>
+          <p:cNvSpPr txBox="1"/>
+          <p:nvPr/>
+        </p:nvSpPr>
+        <p:spPr>
+          <a:xfrm>
+            <a:off x="9614614" y="6049086"/>
+            <a:ext cx="2400302" cy="276999"/>
+          </a:xfrm>
+          <a:prstGeom prst="rect">
+            <a:avLst/>
+          </a:prstGeom>
+          <a:noFill/>
+        </p:spPr>
+        <p:txBody>
+          <a:bodyPr wrap="square" rtlCol="0">
+            <a:spAutoFit/>
+          </a:bodyPr>
+          <a:lstStyle/>
+          <a:p>
+            <a:pPr algn="ctr"/>
+            <a:r>
+              <a:rPr lang="en-US" sz="1200" dirty="0"/>
+              <a:t>FAB pressed, completed semester</a:t>
+            </a:r>
+          </a:p>
+        </p:txBody>
+      </p:sp>
+      <p:cxnSp>
+        <p:nvCxnSpPr>
+          <p:cNvPr id="15" name="Elbow Connector 14"/>
+          <p:cNvCxnSpPr/>
+          <p:nvPr/>
+        </p:nvCxnSpPr>
+        <p:spPr>
+          <a:xfrm rot="5400000" flipH="1" flipV="1">
+            <a:off x="8229717" y="2960646"/>
+            <a:ext cx="2737925" cy="1054980"/>
+          </a:xfrm>
+          <a:prstGeom prst="bentConnector3">
+            <a:avLst>
+              <a:gd name="adj1" fmla="val 100096"/>
+            </a:avLst>
+          </a:prstGeom>
+          <a:ln>
+            <a:tailEnd type="triangle"/>
+          </a:ln>
+        </p:spPr>
+        <p:style>
+          <a:lnRef idx="1">
+            <a:schemeClr val="dk1"/>
+          </a:lnRef>
+          <a:fillRef idx="0">
+            <a:schemeClr val="dk1"/>
+          </a:fillRef>
+          <a:effectRef idx="0">
+            <a:schemeClr val="dk1"/>
+          </a:effectRef>
+          <a:fontRef idx="minor">
+            <a:schemeClr val="tx1"/>
+          </a:fontRef>
+        </p:style>
+      </p:cxnSp>
+      <p:cxnSp>
+        <p:nvCxnSpPr>
+          <p:cNvPr id="21" name="Elbow Connector 20"/>
+          <p:cNvCxnSpPr>
+            <a:endCxn id="7" idx="1"/>
+          </p:cNvCxnSpPr>
+          <p:nvPr/>
+        </p:nvCxnSpPr>
+        <p:spPr>
+          <a:xfrm flipV="1">
+            <a:off x="8009792" y="4857098"/>
+            <a:ext cx="2122791" cy="423174"/>
+          </a:xfrm>
+          <a:prstGeom prst="bentConnector3">
+            <a:avLst/>
+          </a:prstGeom>
+          <a:ln>
+            <a:tailEnd type="triangle"/>
+          </a:ln>
+        </p:spPr>
+        <p:style>
+          <a:lnRef idx="1">
+            <a:schemeClr val="dk1"/>
+          </a:lnRef>
+          <a:fillRef idx="0">
+            <a:schemeClr val="dk1"/>
+          </a:fillRef>
+          <a:effectRef idx="0">
+            <a:schemeClr val="dk1"/>
+          </a:effectRef>
+          <a:fontRef idx="minor">
+            <a:schemeClr val="tx1"/>
+          </a:fontRef>
+        </p:style>
+      </p:cxnSp>
+      <p:sp>
+        <p:nvSpPr>
+          <p:cNvPr id="24" name="TextBox 23"/>
+          <p:cNvSpPr txBox="1"/>
+          <p:nvPr/>
+        </p:nvSpPr>
+        <p:spPr>
+          <a:xfrm>
+            <a:off x="3006674" y="3347461"/>
+            <a:ext cx="2798331" cy="830997"/>
+          </a:xfrm>
+          <a:prstGeom prst="rect">
+            <a:avLst/>
+          </a:prstGeom>
+          <a:noFill/>
+        </p:spPr>
+        <p:txBody>
+          <a:bodyPr wrap="square" rtlCol="0">
+            <a:spAutoFit/>
+          </a:bodyPr>
+          <a:lstStyle/>
+          <a:p>
+            <a:pPr marL="171450" indent="-171450">
+              <a:buFont typeface="Arial" panose="020B0604020202020204" pitchFamily="34" charset="0"/>
+              <a:buChar char="•"/>
+            </a:pPr>
+            <a:r>
+              <a:rPr lang="en-US" sz="1200" dirty="0"/>
+              <a:t>Drawer Layout</a:t>
+            </a:r>
+          </a:p>
+          <a:p>
+            <a:pPr marL="171450" indent="-171450">
+              <a:buFont typeface="Arial" panose="020B0604020202020204" pitchFamily="34" charset="0"/>
+              <a:buChar char="•"/>
+            </a:pPr>
+            <a:r>
+              <a:rPr lang="en-US" sz="1200" dirty="0"/>
+              <a:t>List view inside for different semesters</a:t>
+            </a:r>
+          </a:p>
+          <a:p>
+            <a:pPr marL="171450" indent="-171450">
+              <a:buFont typeface="Arial" panose="020B0604020202020204" pitchFamily="34" charset="0"/>
+              <a:buChar char="•"/>
+            </a:pPr>
+            <a:r>
+              <a:rPr lang="en-US" sz="1200" dirty="0"/>
+              <a:t>Contains a Relative Layout</a:t>
+            </a:r>
+          </a:p>
+          <a:p>
+            <a:endParaRPr lang="en-US" sz="1200" dirty="0"/>
+          </a:p>
+        </p:txBody>
+      </p:sp>
+      <p:sp>
+        <p:nvSpPr>
+          <p:cNvPr id="25" name="Right Brace 24"/>
+          <p:cNvSpPr/>
+          <p:nvPr/>
+        </p:nvSpPr>
+        <p:spPr>
+          <a:xfrm>
+            <a:off x="1796634" y="1960685"/>
+            <a:ext cx="751900" cy="3711660"/>
+          </a:xfrm>
+          <a:prstGeom prst="rightBrace">
+            <a:avLst>
+              <a:gd name="adj1" fmla="val 8333"/>
+              <a:gd name="adj2" fmla="val 45499"/>
+            </a:avLst>
+          </a:prstGeom>
+        </p:spPr>
+        <p:style>
+          <a:lnRef idx="1">
+            <a:schemeClr val="dk1"/>
+          </a:lnRef>
+          <a:fillRef idx="0">
+            <a:schemeClr val="dk1"/>
+          </a:fillRef>
+          <a:effectRef idx="0">
+            <a:schemeClr val="dk1"/>
+          </a:effectRef>
+          <a:fontRef idx="minor">
+            <a:schemeClr val="tx1"/>
+          </a:fontRef>
+        </p:style>
+        <p:txBody>
+          <a:bodyPr rtlCol="0" anchor="ctr"/>
+          <a:lstStyle/>
+          <a:p>
+            <a:pPr algn="ctr"/>
+            <a:endParaRPr lang="en-US"/>
+          </a:p>
+        </p:txBody>
+      </p:sp>
+      <p:cxnSp>
+        <p:nvCxnSpPr>
+          <p:cNvPr id="45" name="Straight Arrow Connector 44"/>
+          <p:cNvCxnSpPr>
+            <a:stCxn id="25" idx="1"/>
+          </p:cNvCxnSpPr>
+          <p:nvPr/>
+        </p:nvCxnSpPr>
+        <p:spPr>
+          <a:xfrm flipV="1">
+            <a:off x="2548534" y="3647998"/>
+            <a:ext cx="442776" cy="1455"/>
+          </a:xfrm>
+          <a:prstGeom prst="straightConnector1">
+            <a:avLst/>
+          </a:prstGeom>
+          <a:ln>
+            <a:tailEnd type="triangle"/>
+          </a:ln>
+        </p:spPr>
+        <p:style>
+          <a:lnRef idx="1">
+            <a:schemeClr val="dk1"/>
+          </a:lnRef>
+          <a:fillRef idx="0">
+            <a:schemeClr val="dk1"/>
+          </a:fillRef>
+          <a:effectRef idx="0">
+            <a:schemeClr val="dk1"/>
+          </a:effectRef>
+          <a:fontRef idx="minor">
+            <a:schemeClr val="tx1"/>
+          </a:fontRef>
+        </p:style>
+      </p:cxnSp>
+      <p:sp>
+        <p:nvSpPr>
+          <p:cNvPr id="46" name="Rectangle 45"/>
+          <p:cNvSpPr/>
+          <p:nvPr/>
+        </p:nvSpPr>
+        <p:spPr>
+          <a:xfrm>
+            <a:off x="3481095" y="1548159"/>
+            <a:ext cx="1374151" cy="347936"/>
+          </a:xfrm>
+          <a:prstGeom prst="rect">
+            <a:avLst/>
+          </a:prstGeom>
+        </p:spPr>
+        <p:style>
+          <a:lnRef idx="1">
+            <a:schemeClr val="dk1"/>
+          </a:lnRef>
+          <a:fillRef idx="2">
+            <a:schemeClr val="dk1"/>
+          </a:fillRef>
+          <a:effectRef idx="1">
+            <a:schemeClr val="dk1"/>
+          </a:effectRef>
+          <a:fontRef idx="minor">
+            <a:schemeClr val="dk1"/>
+          </a:fontRef>
+        </p:style>
+        <p:txBody>
+          <a:bodyPr rtlCol="0" anchor="ctr"/>
+          <a:lstStyle/>
+          <a:p>
+            <a:pPr algn="ctr"/>
+            <a:endParaRPr lang="en-US"/>
+          </a:p>
+        </p:txBody>
+      </p:sp>
+      <p:sp>
+        <p:nvSpPr>
+          <p:cNvPr id="47" name="TextBox 46"/>
+          <p:cNvSpPr txBox="1"/>
+          <p:nvPr/>
+        </p:nvSpPr>
+        <p:spPr>
+          <a:xfrm>
+            <a:off x="3610565" y="1563939"/>
+            <a:ext cx="1153493" cy="276999"/>
+          </a:xfrm>
+          <a:prstGeom prst="rect">
+            <a:avLst/>
+          </a:prstGeom>
+          <a:noFill/>
+        </p:spPr>
+        <p:txBody>
+          <a:bodyPr wrap="square" rtlCol="0">
+            <a:spAutoFit/>
+          </a:bodyPr>
+          <a:lstStyle/>
+          <a:p>
+            <a:r>
+              <a:rPr lang="en-US" sz="1200" dirty="0"/>
+              <a:t>Options menu</a:t>
+            </a:r>
+          </a:p>
+        </p:txBody>
+      </p:sp>
+      <p:cxnSp>
+        <p:nvCxnSpPr>
+          <p:cNvPr id="49" name="Straight Arrow Connector 48"/>
+          <p:cNvCxnSpPr>
+            <a:endCxn id="46" idx="1"/>
+          </p:cNvCxnSpPr>
+          <p:nvPr/>
+        </p:nvCxnSpPr>
+        <p:spPr>
+          <a:xfrm flipV="1">
+            <a:off x="2901464" y="1722127"/>
+            <a:ext cx="579631" cy="9958"/>
+          </a:xfrm>
+          <a:prstGeom prst="straightConnector1">
+            <a:avLst/>
+          </a:prstGeom>
+          <a:ln>
+            <a:tailEnd type="triangle"/>
+          </a:ln>
+        </p:spPr>
+        <p:style>
+          <a:lnRef idx="1">
+            <a:schemeClr val="dk1"/>
+          </a:lnRef>
+          <a:fillRef idx="0">
+            <a:schemeClr val="dk1"/>
+          </a:fillRef>
+          <a:effectRef idx="0">
+            <a:schemeClr val="dk1"/>
+          </a:effectRef>
+          <a:fontRef idx="minor">
+            <a:schemeClr val="tx1"/>
+          </a:fontRef>
+        </p:style>
+      </p:cxnSp>
+    </p:spTree>
+    <p:extLst>
+      <p:ext uri="{BB962C8B-B14F-4D97-AF65-F5344CB8AC3E}">
+        <p14:creationId xmlns:p14="http://schemas.microsoft.com/office/powerpoint/2010/main" val="2940656581"/>
+      </p:ext>
+    </p:extLst>
+  </p:cSld>
+  <p:clrMapOvr>
+    <a:masterClrMapping/>
+  </p:clrMapOvr>
+  <p:timing>
+    <p:tnLst>
+      <p:par>
+        <p:cTn id="1" dur="indefinite" restart="never" nodeType="tmRoot">
+          <p:childTnLst>
+            <p:seq concurrent="1" nextAc="seek">
+              <p:cTn id="2" dur="indefinite" nodeType="mainSeq">
+                <p:childTnLst>
+                  <p:par>
+                    <p:cTn id="3" fill="hold">
+                      <p:stCondLst>
+                        <p:cond delay="indefinite"/>
+                      </p:stCondLst>
+                      <p:childTnLst>
+                        <p:par>
+                          <p:cTn id="4" fill="hold">
+                            <p:stCondLst>
+                              <p:cond delay="0"/>
+                            </p:stCondLst>
+                            <p:childTnLst>
+                              <p:par>
+                                <p:cTn id="5" presetID="10" presetClass="entr" presetSubtype="0" fill="hold" grpId="0" nodeType="clickEffect">
+                                  <p:stCondLst>
+                                    <p:cond delay="0"/>
+                                  </p:stCondLst>
+                                  <p:childTnLst>
+                                    <p:set>
+                                      <p:cBhvr>
+                                        <p:cTn id="6" dur="1" fill="hold">
+                                          <p:stCondLst>
+                                            <p:cond delay="0"/>
+                                          </p:stCondLst>
+                                        </p:cTn>
+                                        <p:tgtEl>
+                                          <p:spTgt spid="25"/>
+                                        </p:tgtEl>
+                                        <p:attrNameLst>
+                                          <p:attrName>style.visibility</p:attrName>
+                                        </p:attrNameLst>
+                                      </p:cBhvr>
+                                      <p:to>
+                                        <p:strVal val="visible"/>
+                                      </p:to>
+                                    </p:set>
+                                    <p:animEffect transition="in" filter="fade">
+                                      <p:cBhvr>
+                                        <p:cTn id="7" dur="500"/>
+                                        <p:tgtEl>
+                                          <p:spTgt spid="25"/>
+                                        </p:tgtEl>
+                                      </p:cBhvr>
+                                    </p:animEffect>
+                                  </p:childTnLst>
+                                </p:cTn>
+                              </p:par>
+                              <p:par>
+                                <p:cTn id="8" presetID="10" presetClass="entr" presetSubtype="0" fill="hold" nodeType="withEffect">
+                                  <p:stCondLst>
+                                    <p:cond delay="0"/>
+                                  </p:stCondLst>
+                                  <p:childTnLst>
+                                    <p:set>
+                                      <p:cBhvr>
+                                        <p:cTn id="9" dur="1" fill="hold">
+                                          <p:stCondLst>
+                                            <p:cond delay="0"/>
+                                          </p:stCondLst>
+                                        </p:cTn>
+                                        <p:tgtEl>
+                                          <p:spTgt spid="45"/>
+                                        </p:tgtEl>
+                                        <p:attrNameLst>
+                                          <p:attrName>style.visibility</p:attrName>
+                                        </p:attrNameLst>
+                                      </p:cBhvr>
+                                      <p:to>
+                                        <p:strVal val="visible"/>
+                                      </p:to>
+                                    </p:set>
+                                    <p:animEffect transition="in" filter="fade">
+                                      <p:cBhvr>
+                                        <p:cTn id="10" dur="500"/>
+                                        <p:tgtEl>
+                                          <p:spTgt spid="45"/>
+                                        </p:tgtEl>
+                                      </p:cBhvr>
+                                    </p:animEffect>
+                                  </p:childTnLst>
+                                </p:cTn>
+                              </p:par>
+                              <p:par>
+                                <p:cTn id="11" presetID="10" presetClass="entr" presetSubtype="0" fill="hold" grpId="0" nodeType="withEffect">
+                                  <p:stCondLst>
+                                    <p:cond delay="0"/>
+                                  </p:stCondLst>
+                                  <p:childTnLst>
+                                    <p:set>
+                                      <p:cBhvr>
+                                        <p:cTn id="12" dur="1" fill="hold">
+                                          <p:stCondLst>
+                                            <p:cond delay="0"/>
+                                          </p:stCondLst>
+                                        </p:cTn>
+                                        <p:tgtEl>
+                                          <p:spTgt spid="36"/>
+                                        </p:tgtEl>
+                                        <p:attrNameLst>
+                                          <p:attrName>style.visibility</p:attrName>
+                                        </p:attrNameLst>
+                                      </p:cBhvr>
+                                      <p:to>
+                                        <p:strVal val="visible"/>
+                                      </p:to>
+                                    </p:set>
+                                    <p:animEffect transition="in" filter="fade">
+                                      <p:cBhvr>
+                                        <p:cTn id="13" dur="500"/>
+                                        <p:tgtEl>
+                                          <p:spTgt spid="36"/>
+                                        </p:tgtEl>
+                                      </p:cBhvr>
+                                    </p:animEffect>
+                                  </p:childTnLst>
+                                </p:cTn>
+                              </p:par>
+                              <p:par>
+                                <p:cTn id="14" presetID="10" presetClass="entr" presetSubtype="0" fill="hold" grpId="0" nodeType="withEffect">
+                                  <p:stCondLst>
+                                    <p:cond delay="0"/>
+                                  </p:stCondLst>
+                                  <p:childTnLst>
+                                    <p:set>
+                                      <p:cBhvr>
+                                        <p:cTn id="15" dur="1" fill="hold">
+                                          <p:stCondLst>
+                                            <p:cond delay="0"/>
+                                          </p:stCondLst>
+                                        </p:cTn>
+                                        <p:tgtEl>
+                                          <p:spTgt spid="24"/>
+                                        </p:tgtEl>
+                                        <p:attrNameLst>
+                                          <p:attrName>style.visibility</p:attrName>
+                                        </p:attrNameLst>
+                                      </p:cBhvr>
+                                      <p:to>
+                                        <p:strVal val="visible"/>
+                                      </p:to>
+                                    </p:set>
+                                    <p:animEffect transition="in" filter="fade">
+                                      <p:cBhvr>
+                                        <p:cTn id="16" dur="500"/>
+                                        <p:tgtEl>
+                                          <p:spTgt spid="24"/>
+                                        </p:tgtEl>
+                                      </p:cBhvr>
+                                    </p:animEffect>
+                                  </p:childTnLst>
+                                </p:cTn>
+                              </p:par>
+                            </p:childTnLst>
+                          </p:cTn>
+                        </p:par>
+                      </p:childTnLst>
+                    </p:cTn>
+                  </p:par>
+                  <p:par>
+                    <p:cTn id="17" fill="hold">
+                      <p:stCondLst>
+                        <p:cond delay="indefinite"/>
+                      </p:stCondLst>
+                      <p:childTnLst>
+                        <p:par>
+                          <p:cTn id="18" fill="hold">
+                            <p:stCondLst>
+                              <p:cond delay="0"/>
+                            </p:stCondLst>
+                            <p:childTnLst>
+                              <p:par>
+                                <p:cTn id="19" presetID="10" presetClass="entr" presetSubtype="0" fill="hold" nodeType="clickEffect">
+                                  <p:stCondLst>
+                                    <p:cond delay="0"/>
+                                  </p:stCondLst>
+                                  <p:childTnLst>
+                                    <p:set>
+                                      <p:cBhvr>
+                                        <p:cTn id="20" dur="1" fill="hold">
+                                          <p:stCondLst>
+                                            <p:cond delay="0"/>
+                                          </p:stCondLst>
+                                        </p:cTn>
+                                        <p:tgtEl>
+                                          <p:spTgt spid="49"/>
+                                        </p:tgtEl>
+                                        <p:attrNameLst>
+                                          <p:attrName>style.visibility</p:attrName>
+                                        </p:attrNameLst>
+                                      </p:cBhvr>
+                                      <p:to>
+                                        <p:strVal val="visible"/>
+                                      </p:to>
+                                    </p:set>
+                                    <p:animEffect transition="in" filter="fade">
+                                      <p:cBhvr>
+                                        <p:cTn id="21" dur="500"/>
+                                        <p:tgtEl>
+                                          <p:spTgt spid="49"/>
+                                        </p:tgtEl>
+                                      </p:cBhvr>
+                                    </p:animEffect>
+                                  </p:childTnLst>
+                                </p:cTn>
+                              </p:par>
+                              <p:par>
+                                <p:cTn id="22" presetID="10" presetClass="entr" presetSubtype="0" fill="hold" grpId="0" nodeType="withEffect">
+                                  <p:stCondLst>
+                                    <p:cond delay="0"/>
+                                  </p:stCondLst>
+                                  <p:childTnLst>
+                                    <p:set>
+                                      <p:cBhvr>
+                                        <p:cTn id="23" dur="1" fill="hold">
+                                          <p:stCondLst>
+                                            <p:cond delay="0"/>
+                                          </p:stCondLst>
+                                        </p:cTn>
+                                        <p:tgtEl>
+                                          <p:spTgt spid="46"/>
+                                        </p:tgtEl>
+                                        <p:attrNameLst>
+                                          <p:attrName>style.visibility</p:attrName>
+                                        </p:attrNameLst>
+                                      </p:cBhvr>
+                                      <p:to>
+                                        <p:strVal val="visible"/>
+                                      </p:to>
+                                    </p:set>
+                                    <p:animEffect transition="in" filter="fade">
+                                      <p:cBhvr>
+                                        <p:cTn id="24" dur="500"/>
+                                        <p:tgtEl>
+                                          <p:spTgt spid="46"/>
+                                        </p:tgtEl>
+                                      </p:cBhvr>
+                                    </p:animEffect>
+                                  </p:childTnLst>
+                                </p:cTn>
+                              </p:par>
+                              <p:par>
+                                <p:cTn id="25" presetID="10" presetClass="entr" presetSubtype="0" fill="hold" grpId="0" nodeType="withEffect">
+                                  <p:stCondLst>
+                                    <p:cond delay="0"/>
+                                  </p:stCondLst>
+                                  <p:childTnLst>
+                                    <p:set>
+                                      <p:cBhvr>
+                                        <p:cTn id="26" dur="1" fill="hold">
+                                          <p:stCondLst>
+                                            <p:cond delay="0"/>
+                                          </p:stCondLst>
+                                        </p:cTn>
+                                        <p:tgtEl>
+                                          <p:spTgt spid="47"/>
+                                        </p:tgtEl>
+                                        <p:attrNameLst>
+                                          <p:attrName>style.visibility</p:attrName>
+                                        </p:attrNameLst>
+                                      </p:cBhvr>
+                                      <p:to>
+                                        <p:strVal val="visible"/>
+                                      </p:to>
+                                    </p:set>
+                                    <p:animEffect transition="in" filter="fade">
+                                      <p:cBhvr>
+                                        <p:cTn id="27" dur="500"/>
+                                        <p:tgtEl>
+                                          <p:spTgt spid="47"/>
+                                        </p:tgtEl>
+                                      </p:cBhvr>
+                                    </p:animEffect>
+                                  </p:childTnLst>
+                                </p:cTn>
+                              </p:par>
+                            </p:childTnLst>
+                          </p:cTn>
+                        </p:par>
+                      </p:childTnLst>
+                    </p:cTn>
+                  </p:par>
+                  <p:par>
+                    <p:cTn id="28" fill="hold">
+                      <p:stCondLst>
+                        <p:cond delay="indefinite"/>
+                      </p:stCondLst>
+                      <p:childTnLst>
+                        <p:par>
+                          <p:cTn id="29" fill="hold">
+                            <p:stCondLst>
+                              <p:cond delay="0"/>
+                            </p:stCondLst>
+                            <p:childTnLst>
+                              <p:par>
+                                <p:cTn id="30" presetID="10" presetClass="entr" presetSubtype="0" fill="hold" nodeType="clickEffect">
+                                  <p:stCondLst>
+                                    <p:cond delay="0"/>
+                                  </p:stCondLst>
+                                  <p:childTnLst>
+                                    <p:set>
+                                      <p:cBhvr>
+                                        <p:cTn id="31" dur="1" fill="hold">
+                                          <p:stCondLst>
+                                            <p:cond delay="0"/>
+                                          </p:stCondLst>
+                                        </p:cTn>
+                                        <p:tgtEl>
+                                          <p:spTgt spid="5"/>
+                                        </p:tgtEl>
+                                        <p:attrNameLst>
+                                          <p:attrName>style.visibility</p:attrName>
+                                        </p:attrNameLst>
+                                      </p:cBhvr>
+                                      <p:to>
+                                        <p:strVal val="visible"/>
+                                      </p:to>
+                                    </p:set>
+                                    <p:animEffect transition="in" filter="fade">
+                                      <p:cBhvr>
+                                        <p:cTn id="32" dur="500"/>
+                                        <p:tgtEl>
+                                          <p:spTgt spid="5"/>
+                                        </p:tgtEl>
+                                      </p:cBhvr>
+                                    </p:animEffect>
+                                  </p:childTnLst>
+                                </p:cTn>
+                              </p:par>
+                              <p:par>
+                                <p:cTn id="33" presetID="10" presetClass="entr" presetSubtype="0" fill="hold" grpId="0" nodeType="withEffect">
+                                  <p:stCondLst>
+                                    <p:cond delay="0"/>
+                                  </p:stCondLst>
+                                  <p:childTnLst>
+                                    <p:set>
+                                      <p:cBhvr>
+                                        <p:cTn id="34" dur="1" fill="hold">
+                                          <p:stCondLst>
+                                            <p:cond delay="0"/>
+                                          </p:stCondLst>
+                                        </p:cTn>
+                                        <p:tgtEl>
+                                          <p:spTgt spid="8"/>
+                                        </p:tgtEl>
+                                        <p:attrNameLst>
+                                          <p:attrName>style.visibility</p:attrName>
+                                        </p:attrNameLst>
+                                      </p:cBhvr>
+                                      <p:to>
+                                        <p:strVal val="visible"/>
+                                      </p:to>
+                                    </p:set>
+                                    <p:animEffect transition="in" filter="fade">
+                                      <p:cBhvr>
+                                        <p:cTn id="35" dur="500"/>
+                                        <p:tgtEl>
+                                          <p:spTgt spid="8"/>
+                                        </p:tgtEl>
+                                      </p:cBhvr>
+                                    </p:animEffect>
+                                  </p:childTnLst>
+                                </p:cTn>
+                              </p:par>
+                            </p:childTnLst>
+                          </p:cTn>
+                        </p:par>
+                      </p:childTnLst>
+                    </p:cTn>
+                  </p:par>
+                  <p:par>
+                    <p:cTn id="36" fill="hold">
+                      <p:stCondLst>
+                        <p:cond delay="indefinite"/>
+                      </p:stCondLst>
+                      <p:childTnLst>
+                        <p:par>
+                          <p:cTn id="37" fill="hold">
+                            <p:stCondLst>
+                              <p:cond delay="0"/>
+                            </p:stCondLst>
+                            <p:childTnLst>
+                              <p:par>
+                                <p:cTn id="38" presetID="10" presetClass="entr" presetSubtype="0" fill="hold" nodeType="clickEffect">
+                                  <p:stCondLst>
+                                    <p:cond delay="0"/>
+                                  </p:stCondLst>
+                                  <p:childTnLst>
+                                    <p:set>
+                                      <p:cBhvr>
+                                        <p:cTn id="39" dur="1" fill="hold">
+                                          <p:stCondLst>
+                                            <p:cond delay="0"/>
+                                          </p:stCondLst>
+                                        </p:cTn>
+                                        <p:tgtEl>
+                                          <p:spTgt spid="21"/>
+                                        </p:tgtEl>
+                                        <p:attrNameLst>
+                                          <p:attrName>style.visibility</p:attrName>
+                                        </p:attrNameLst>
+                                      </p:cBhvr>
+                                      <p:to>
+                                        <p:strVal val="visible"/>
+                                      </p:to>
+                                    </p:set>
+                                    <p:animEffect transition="in" filter="fade">
+                                      <p:cBhvr>
+                                        <p:cTn id="40" dur="500"/>
+                                        <p:tgtEl>
+                                          <p:spTgt spid="21"/>
+                                        </p:tgtEl>
+                                      </p:cBhvr>
+                                    </p:animEffect>
+                                  </p:childTnLst>
+                                </p:cTn>
+                              </p:par>
+                              <p:par>
+                                <p:cTn id="41" presetID="10" presetClass="entr" presetSubtype="0" fill="hold" nodeType="withEffect">
+                                  <p:stCondLst>
+                                    <p:cond delay="0"/>
+                                  </p:stCondLst>
+                                  <p:childTnLst>
+                                    <p:set>
+                                      <p:cBhvr>
+                                        <p:cTn id="42" dur="1" fill="hold">
+                                          <p:stCondLst>
+                                            <p:cond delay="0"/>
+                                          </p:stCondLst>
+                                        </p:cTn>
+                                        <p:tgtEl>
+                                          <p:spTgt spid="7"/>
+                                        </p:tgtEl>
+                                        <p:attrNameLst>
+                                          <p:attrName>style.visibility</p:attrName>
+                                        </p:attrNameLst>
+                                      </p:cBhvr>
+                                      <p:to>
+                                        <p:strVal val="visible"/>
+                                      </p:to>
+                                    </p:set>
+                                    <p:animEffect transition="in" filter="fade">
+                                      <p:cBhvr>
+                                        <p:cTn id="43" dur="500"/>
+                                        <p:tgtEl>
+                                          <p:spTgt spid="7"/>
+                                        </p:tgtEl>
+                                      </p:cBhvr>
+                                    </p:animEffect>
+                                  </p:childTnLst>
+                                </p:cTn>
+                              </p:par>
+                              <p:par>
+                                <p:cTn id="44" presetID="10" presetClass="entr" presetSubtype="0" fill="hold" grpId="0" nodeType="withEffect">
+                                  <p:stCondLst>
+                                    <p:cond delay="0"/>
+                                  </p:stCondLst>
+                                  <p:childTnLst>
+                                    <p:set>
+                                      <p:cBhvr>
+                                        <p:cTn id="45" dur="1" fill="hold">
+                                          <p:stCondLst>
+                                            <p:cond delay="0"/>
+                                          </p:stCondLst>
+                                        </p:cTn>
+                                        <p:tgtEl>
+                                          <p:spTgt spid="11"/>
+                                        </p:tgtEl>
+                                        <p:attrNameLst>
+                                          <p:attrName>style.visibility</p:attrName>
+                                        </p:attrNameLst>
+                                      </p:cBhvr>
+                                      <p:to>
+                                        <p:strVal val="visible"/>
+                                      </p:to>
+                                    </p:set>
+                                    <p:animEffect transition="in" filter="fade">
+                                      <p:cBhvr>
+                                        <p:cTn id="46" dur="500"/>
+                                        <p:tgtEl>
+                                          <p:spTgt spid="11"/>
+                                        </p:tgtEl>
+                                      </p:cBhvr>
+                                    </p:animEffect>
+                                  </p:childTnLst>
+                                </p:cTn>
+                              </p:par>
+                            </p:childTnLst>
+                          </p:cTn>
+                        </p:par>
+                      </p:childTnLst>
+                    </p:cTn>
+                  </p:par>
+                  <p:par>
+                    <p:cTn id="47" fill="hold">
+                      <p:stCondLst>
+                        <p:cond delay="indefinite"/>
+                      </p:stCondLst>
+                      <p:childTnLst>
+                        <p:par>
+                          <p:cTn id="48" fill="hold">
+                            <p:stCondLst>
+                              <p:cond delay="0"/>
+                            </p:stCondLst>
+                            <p:childTnLst>
+                              <p:par>
+                                <p:cTn id="49" presetID="10" presetClass="entr" presetSubtype="0" fill="hold" nodeType="clickEffect">
+                                  <p:stCondLst>
+                                    <p:cond delay="0"/>
+                                  </p:stCondLst>
+                                  <p:childTnLst>
+                                    <p:set>
+                                      <p:cBhvr>
+                                        <p:cTn id="50" dur="1" fill="hold">
+                                          <p:stCondLst>
+                                            <p:cond delay="0"/>
+                                          </p:stCondLst>
+                                        </p:cTn>
+                                        <p:tgtEl>
+                                          <p:spTgt spid="15"/>
+                                        </p:tgtEl>
+                                        <p:attrNameLst>
+                                          <p:attrName>style.visibility</p:attrName>
+                                        </p:attrNameLst>
+                                      </p:cBhvr>
+                                      <p:to>
+                                        <p:strVal val="visible"/>
+                                      </p:to>
+                                    </p:set>
+                                    <p:animEffect transition="in" filter="fade">
+                                      <p:cBhvr>
+                                        <p:cTn id="51" dur="500"/>
+                                        <p:tgtEl>
+                                          <p:spTgt spid="15"/>
+                                        </p:tgtEl>
+                                      </p:cBhvr>
+                                    </p:animEffect>
+                                  </p:childTnLst>
+                                </p:cTn>
+                              </p:par>
+                              <p:par>
+                                <p:cTn id="52" presetID="10" presetClass="entr" presetSubtype="0" fill="hold" nodeType="withEffect">
+                                  <p:stCondLst>
+                                    <p:cond delay="0"/>
+                                  </p:stCondLst>
+                                  <p:childTnLst>
+                                    <p:set>
+                                      <p:cBhvr>
+                                        <p:cTn id="53" dur="1" fill="hold">
+                                          <p:stCondLst>
+                                            <p:cond delay="0"/>
+                                          </p:stCondLst>
+                                        </p:cTn>
+                                        <p:tgtEl>
+                                          <p:spTgt spid="6"/>
+                                        </p:tgtEl>
+                                        <p:attrNameLst>
+                                          <p:attrName>style.visibility</p:attrName>
+                                        </p:attrNameLst>
+                                      </p:cBhvr>
+                                      <p:to>
+                                        <p:strVal val="visible"/>
+                                      </p:to>
+                                    </p:set>
+                                    <p:animEffect transition="in" filter="fade">
+                                      <p:cBhvr>
+                                        <p:cTn id="54" dur="500"/>
+                                        <p:tgtEl>
+                                          <p:spTgt spid="6"/>
+                                        </p:tgtEl>
+                                      </p:cBhvr>
+                                    </p:animEffect>
+                                  </p:childTnLst>
+                                </p:cTn>
+                              </p:par>
+                              <p:par>
+                                <p:cTn id="55" presetID="10" presetClass="entr" presetSubtype="0" fill="hold" grpId="0" nodeType="withEffect">
+                                  <p:stCondLst>
+                                    <p:cond delay="0"/>
+                                  </p:stCondLst>
+                                  <p:childTnLst>
+                                    <p:set>
+                                      <p:cBhvr>
+                                        <p:cTn id="56" dur="1" fill="hold">
+                                          <p:stCondLst>
+                                            <p:cond delay="0"/>
+                                          </p:stCondLst>
+                                        </p:cTn>
+                                        <p:tgtEl>
+                                          <p:spTgt spid="10"/>
+                                        </p:tgtEl>
+                                        <p:attrNameLst>
+                                          <p:attrName>style.visibility</p:attrName>
+                                        </p:attrNameLst>
+                                      </p:cBhvr>
+                                      <p:to>
+                                        <p:strVal val="visible"/>
+                                      </p:to>
+                                    </p:set>
+                                    <p:animEffect transition="in" filter="fade">
+                                      <p:cBhvr>
+                                        <p:cTn id="57" dur="500"/>
+                                        <p:tgtEl>
+                                          <p:spTgt spid="10"/>
+                                        </p:tgtEl>
+                                      </p:cBhvr>
+                                    </p:animEffect>
+                                  </p:childTnLst>
+                                </p:cTn>
+                              </p:par>
+                            </p:childTnLst>
+                          </p:cTn>
+                        </p:par>
+                      </p:childTnLst>
+                    </p:cTn>
+                  </p:par>
+                </p:childTnLst>
+              </p:cTn>
+              <p:prevCondLst>
+                <p:cond evt="onPrev" delay="0">
+                  <p:tgtEl>
+                    <p:sldTgt/>
+                  </p:tgtEl>
+                </p:cond>
+              </p:prevCondLst>
+              <p:nextCondLst>
+                <p:cond evt="onNext" delay="0">
+                  <p:tgtEl>
+                    <p:sldTgt/>
+                  </p:tgtEl>
+                </p:cond>
+              </p:nextCondLst>
+            </p:seq>
+          </p:childTnLst>
+        </p:cTn>
+      </p:par>
+    </p:tnLst>
+    <p:bldLst>
+      <p:bldP spid="36" grpId="0" animBg="1"/>
+      <p:bldP spid="8" grpId="0"/>
+      <p:bldP spid="10" grpId="0"/>
+      <p:bldP spid="11" grpId="0"/>
+      <p:bldP spid="24" grpId="0"/>
+      <p:bldP spid="25" grpId="0" animBg="1"/>
+      <p:bldP spid="46" grpId="0" animBg="1"/>
+      <p:bldP spid="47" grpId="0"/>
+    </p:bldLst>
+  </p:timing>
+</p:sld>
+</file>
+
+<file path=ppt/slides/slide8.xml><?xml version="1.0" encoding="utf-8"?>
+<p:sld xmlns:a="http://schemas.openxmlformats.org/drawingml/2006/main" xmlns:r="http://schemas.openxmlformats.org/officeDocument/2006/relationships" xmlns:p="http://schemas.openxmlformats.org/presentationml/2006/main">
+  <p:cSld>
+    <p:spTree>
+      <p:nvGrpSpPr>
+        <p:cNvPr id="1" name=""/>
+        <p:cNvGrpSpPr/>
+        <p:nvPr/>
+      </p:nvGrpSpPr>
+      <p:grpSpPr>
+        <a:xfrm>
+          <a:off x="0" y="0"/>
+          <a:ext cx="0" cy="0"/>
+          <a:chOff x="0" y="0"/>
+          <a:chExt cx="0" cy="0"/>
+        </a:xfrm>
+      </p:grpSpPr>
+      <p:sp>
+        <p:nvSpPr>
+          <p:cNvPr id="2" name="Title 1"/>
+          <p:cNvSpPr>
+            <a:spLocks noGrp="1"/>
+          </p:cNvSpPr>
+          <p:nvPr>
+            <p:ph type="title"/>
+          </p:nvPr>
+        </p:nvSpPr>
+        <p:spPr>
+          <a:xfrm>
+            <a:off x="762000" y="559678"/>
+            <a:ext cx="4108938" cy="847091"/>
+          </a:xfrm>
+        </p:spPr>
+        <p:txBody>
+          <a:bodyPr/>
+          <a:lstStyle/>
+          <a:p>
+            <a:r>
+              <a:rPr lang="en-US" dirty="0" err="1"/>
+              <a:t>ClassActivity</a:t>
+            </a:r>
+            <a:endParaRPr lang="en-US" dirty="0"/>
+          </a:p>
+        </p:txBody>
+      </p:sp>
+      <p:pic>
+        <p:nvPicPr>
+          <p:cNvPr id="3" name="Picture 2"/>
+          <p:cNvPicPr>
+            <a:picLocks noChangeAspect="1"/>
+          </p:cNvPicPr>
+          <p:nvPr/>
+        </p:nvPicPr>
+        <p:blipFill>
+          <a:blip r:embed="rId2"/>
+          <a:stretch>
+            <a:fillRect/>
+          </a:stretch>
+        </p:blipFill>
+        <p:spPr>
+          <a:xfrm>
+            <a:off x="2443895" y="1406769"/>
+            <a:ext cx="2427043" cy="4314742"/>
+          </a:xfrm>
+          <a:prstGeom prst="rect">
+            <a:avLst/>
+          </a:prstGeom>
+        </p:spPr>
+      </p:pic>
+      <p:sp>
+        <p:nvSpPr>
+          <p:cNvPr id="4" name="Rectangle 3"/>
+          <p:cNvSpPr/>
+          <p:nvPr/>
+        </p:nvSpPr>
+        <p:spPr>
+          <a:xfrm>
+            <a:off x="6433037" y="2658394"/>
+            <a:ext cx="4135315" cy="923330"/>
+          </a:xfrm>
+          <a:prstGeom prst="rect">
+            <a:avLst/>
+          </a:prstGeom>
+        </p:spPr>
+        <p:txBody>
+          <a:bodyPr wrap="square">
+            <a:spAutoFit/>
+          </a:bodyPr>
+          <a:lstStyle/>
+          <a:p>
+            <a:pPr marL="285750" indent="-285750">
+              <a:buFont typeface="Arial" panose="020B0604020202020204" pitchFamily="34" charset="0"/>
+              <a:buChar char="•"/>
+            </a:pPr>
+            <a:r>
+              <a:rPr lang="en-US" dirty="0"/>
+              <a:t>Overall linear layout</a:t>
+            </a:r>
+          </a:p>
+          <a:p>
+            <a:pPr marL="285750" indent="-285750">
+              <a:buFont typeface="Arial" panose="020B0604020202020204" pitchFamily="34" charset="0"/>
+              <a:buChar char="•"/>
+            </a:pPr>
+            <a:r>
+              <a:rPr lang="en-US" dirty="0"/>
+              <a:t>Charts are a tab layout</a:t>
+            </a:r>
+          </a:p>
+          <a:p>
+            <a:pPr marL="285750" indent="-285750">
+              <a:buFont typeface="Arial" panose="020B0604020202020204" pitchFamily="34" charset="0"/>
+              <a:buChar char="•"/>
+            </a:pPr>
+            <a:r>
+              <a:rPr lang="en-US" dirty="0"/>
+              <a:t>Grades are displayed in a list view</a:t>
+            </a:r>
+          </a:p>
+        </p:txBody>
+      </p:sp>
+    </p:spTree>
+    <p:extLst>
+      <p:ext uri="{BB962C8B-B14F-4D97-AF65-F5344CB8AC3E}">
+        <p14:creationId xmlns:p14="http://schemas.microsoft.com/office/powerpoint/2010/main" val="363675042"/>
+      </p:ext>
+    </p:extLst>
+  </p:cSld>
+  <p:clrMapOvr>
+    <a:masterClrMapping/>
+  </p:clrMapOvr>
+</p:sld>
+</file>
+
+<file path=ppt/slides/slide9.xml><?xml version="1.0" encoding="utf-8"?>
+<p:sld xmlns:a="http://schemas.openxmlformats.org/drawingml/2006/main" xmlns:r="http://schemas.openxmlformats.org/officeDocument/2006/relationships" xmlns:p="http://schemas.openxmlformats.org/presentationml/2006/main">
+  <p:cSld>
+    <p:spTree>
+      <p:nvGrpSpPr>
+        <p:cNvPr id="1" name=""/>
+        <p:cNvGrpSpPr/>
+        <p:nvPr/>
+      </p:nvGrpSpPr>
+      <p:grpSpPr>
+        <a:xfrm>
+          <a:off x="0" y="0"/>
+          <a:ext cx="0" cy="0"/>
+          <a:chOff x="0" y="0"/>
+          <a:chExt cx="0" cy="0"/>
+        </a:xfrm>
+      </p:grpSpPr>
+      <p:sp>
+        <p:nvSpPr>
+          <p:cNvPr id="2" name="Title 1"/>
+          <p:cNvSpPr>
+            <a:spLocks noGrp="1"/>
+          </p:cNvSpPr>
+          <p:nvPr>
+            <p:ph type="title"/>
+          </p:nvPr>
+        </p:nvSpPr>
+        <p:spPr>
+          <a:xfrm>
+            <a:off x="762000" y="559678"/>
+            <a:ext cx="3833906" cy="644868"/>
+          </a:xfrm>
+        </p:spPr>
+        <p:txBody>
+          <a:bodyPr>
+            <a:normAutofit/>
+          </a:bodyPr>
+          <a:lstStyle/>
+          <a:p>
+            <a:r>
+              <a:rPr lang="en-US" sz="3200" dirty="0" err="1"/>
+              <a:t>AddGradeActivity</a:t>
+            </a:r>
+            <a:endParaRPr lang="en-US" sz="3200" dirty="0"/>
+          </a:p>
+        </p:txBody>
+      </p:sp>
+      <p:pic>
+        <p:nvPicPr>
+          <p:cNvPr id="4" name="Picture 3"/>
+          <p:cNvPicPr>
+            <a:picLocks noChangeAspect="1"/>
+          </p:cNvPicPr>
+          <p:nvPr/>
+        </p:nvPicPr>
+        <p:blipFill>
+          <a:blip r:embed="rId2"/>
+          <a:stretch>
+            <a:fillRect/>
+          </a:stretch>
+        </p:blipFill>
+        <p:spPr>
+          <a:xfrm>
+            <a:off x="2103198" y="1204546"/>
+            <a:ext cx="2492708" cy="4431481"/>
+          </a:xfrm>
+          <a:prstGeom prst="rect">
+            <a:avLst/>
+          </a:prstGeom>
+        </p:spPr>
+      </p:pic>
+      <p:sp>
+        <p:nvSpPr>
+          <p:cNvPr id="5" name="Rectangle 4"/>
+          <p:cNvSpPr/>
+          <p:nvPr/>
+        </p:nvSpPr>
+        <p:spPr>
+          <a:xfrm>
+            <a:off x="5413131" y="2773955"/>
+            <a:ext cx="6096000" cy="646331"/>
+          </a:xfrm>
+          <a:prstGeom prst="rect">
+            <a:avLst/>
+          </a:prstGeom>
+        </p:spPr>
+        <p:txBody>
+          <a:bodyPr>
+            <a:spAutoFit/>
+          </a:bodyPr>
+          <a:lstStyle/>
+          <a:p>
+            <a:pPr marL="285750" indent="-285750">
+              <a:buFont typeface="Arial" panose="020B0604020202020204" pitchFamily="34" charset="0"/>
+              <a:buChar char="•"/>
+            </a:pPr>
+            <a:r>
+              <a:rPr lang="en-US" dirty="0"/>
+              <a:t>A Form for the user to fill out</a:t>
+            </a:r>
+          </a:p>
+          <a:p>
+            <a:pPr marL="285750" indent="-285750">
+              <a:buFont typeface="Arial" panose="020B0604020202020204" pitchFamily="34" charset="0"/>
+              <a:buChar char="•"/>
+            </a:pPr>
+            <a:r>
+              <a:rPr lang="en-US" dirty="0"/>
+              <a:t>The fields are used for entering an entry into the Database</a:t>
+            </a:r>
+          </a:p>
+        </p:txBody>
+      </p:sp>
+    </p:spTree>
+    <p:extLst>
+      <p:ext uri="{BB962C8B-B14F-4D97-AF65-F5344CB8AC3E}">
+        <p14:creationId xmlns:p14="http://schemas.microsoft.com/office/powerpoint/2010/main" val="4097374774"/>
       </p:ext>
     </p:extLst>
   </p:cSld>
